--- a/images.pptx
+++ b/images.pptx
@@ -5,8 +5,25 @@
     <p:sldMasterId id="2147483648" r:id="rId1"/>
   </p:sldMasterIdLst>
   <p:sldIdLst>
-    <p:sldId id="256" r:id="rId2"/>
-    <p:sldId id="257" r:id="rId3"/>
+    <p:sldId id="258" r:id="rId2"/>
+    <p:sldId id="260" r:id="rId3"/>
+    <p:sldId id="262" r:id="rId4"/>
+    <p:sldId id="261" r:id="rId5"/>
+    <p:sldId id="267" r:id="rId6"/>
+    <p:sldId id="271" r:id="rId7"/>
+    <p:sldId id="272" r:id="rId8"/>
+    <p:sldId id="263" r:id="rId9"/>
+    <p:sldId id="256" r:id="rId10"/>
+    <p:sldId id="264" r:id="rId11"/>
+    <p:sldId id="265" r:id="rId12"/>
+    <p:sldId id="274" r:id="rId13"/>
+    <p:sldId id="270" r:id="rId14"/>
+    <p:sldId id="266" r:id="rId15"/>
+    <p:sldId id="257" r:id="rId16"/>
+    <p:sldId id="268" r:id="rId17"/>
+    <p:sldId id="269" r:id="rId18"/>
+    <p:sldId id="273" r:id="rId19"/>
+    <p:sldId id="275" r:id="rId20"/>
   </p:sldIdLst>
   <p:sldSz cx="12192000" cy="6858000"/>
   <p:notesSz cx="6858000" cy="9144000"/>
@@ -260,7 +277,7 @@
           <a:p>
             <a:fld id="{1D822F6B-87A4-420C-B223-1543E7C3258E}" type="datetimeFigureOut">
               <a:rPr lang="zh-CN" altLang="en-US" smtClean="0"/>
-              <a:t>2023/3/31</a:t>
+              <a:t>2023/4/17</a:t>
             </a:fld>
             <a:endParaRPr lang="zh-CN" altLang="en-US"/>
           </a:p>
@@ -458,7 +475,7 @@
           <a:p>
             <a:fld id="{1D822F6B-87A4-420C-B223-1543E7C3258E}" type="datetimeFigureOut">
               <a:rPr lang="zh-CN" altLang="en-US" smtClean="0"/>
-              <a:t>2023/3/31</a:t>
+              <a:t>2023/4/17</a:t>
             </a:fld>
             <a:endParaRPr lang="zh-CN" altLang="en-US"/>
           </a:p>
@@ -666,7 +683,7 @@
           <a:p>
             <a:fld id="{1D822F6B-87A4-420C-B223-1543E7C3258E}" type="datetimeFigureOut">
               <a:rPr lang="zh-CN" altLang="en-US" smtClean="0"/>
-              <a:t>2023/3/31</a:t>
+              <a:t>2023/4/17</a:t>
             </a:fld>
             <a:endParaRPr lang="zh-CN" altLang="en-US"/>
           </a:p>
@@ -864,7 +881,7 @@
           <a:p>
             <a:fld id="{1D822F6B-87A4-420C-B223-1543E7C3258E}" type="datetimeFigureOut">
               <a:rPr lang="zh-CN" altLang="en-US" smtClean="0"/>
-              <a:t>2023/3/31</a:t>
+              <a:t>2023/4/17</a:t>
             </a:fld>
             <a:endParaRPr lang="zh-CN" altLang="en-US"/>
           </a:p>
@@ -1139,7 +1156,7 @@
           <a:p>
             <a:fld id="{1D822F6B-87A4-420C-B223-1543E7C3258E}" type="datetimeFigureOut">
               <a:rPr lang="zh-CN" altLang="en-US" smtClean="0"/>
-              <a:t>2023/3/31</a:t>
+              <a:t>2023/4/17</a:t>
             </a:fld>
             <a:endParaRPr lang="zh-CN" altLang="en-US"/>
           </a:p>
@@ -1404,7 +1421,7 @@
           <a:p>
             <a:fld id="{1D822F6B-87A4-420C-B223-1543E7C3258E}" type="datetimeFigureOut">
               <a:rPr lang="zh-CN" altLang="en-US" smtClean="0"/>
-              <a:t>2023/3/31</a:t>
+              <a:t>2023/4/17</a:t>
             </a:fld>
             <a:endParaRPr lang="zh-CN" altLang="en-US"/>
           </a:p>
@@ -1816,7 +1833,7 @@
           <a:p>
             <a:fld id="{1D822F6B-87A4-420C-B223-1543E7C3258E}" type="datetimeFigureOut">
               <a:rPr lang="zh-CN" altLang="en-US" smtClean="0"/>
-              <a:t>2023/3/31</a:t>
+              <a:t>2023/4/17</a:t>
             </a:fld>
             <a:endParaRPr lang="zh-CN" altLang="en-US"/>
           </a:p>
@@ -1957,7 +1974,7 @@
           <a:p>
             <a:fld id="{1D822F6B-87A4-420C-B223-1543E7C3258E}" type="datetimeFigureOut">
               <a:rPr lang="zh-CN" altLang="en-US" smtClean="0"/>
-              <a:t>2023/3/31</a:t>
+              <a:t>2023/4/17</a:t>
             </a:fld>
             <a:endParaRPr lang="zh-CN" altLang="en-US"/>
           </a:p>
@@ -2070,7 +2087,7 @@
           <a:p>
             <a:fld id="{1D822F6B-87A4-420C-B223-1543E7C3258E}" type="datetimeFigureOut">
               <a:rPr lang="zh-CN" altLang="en-US" smtClean="0"/>
-              <a:t>2023/3/31</a:t>
+              <a:t>2023/4/17</a:t>
             </a:fld>
             <a:endParaRPr lang="zh-CN" altLang="en-US"/>
           </a:p>
@@ -2381,7 +2398,7 @@
           <a:p>
             <a:fld id="{1D822F6B-87A4-420C-B223-1543E7C3258E}" type="datetimeFigureOut">
               <a:rPr lang="zh-CN" altLang="en-US" smtClean="0"/>
-              <a:t>2023/3/31</a:t>
+              <a:t>2023/4/17</a:t>
             </a:fld>
             <a:endParaRPr lang="zh-CN" altLang="en-US"/>
           </a:p>
@@ -2669,7 +2686,7 @@
           <a:p>
             <a:fld id="{1D822F6B-87A4-420C-B223-1543E7C3258E}" type="datetimeFigureOut">
               <a:rPr lang="zh-CN" altLang="en-US" smtClean="0"/>
-              <a:t>2023/3/31</a:t>
+              <a:t>2023/4/17</a:t>
             </a:fld>
             <a:endParaRPr lang="zh-CN" altLang="en-US"/>
           </a:p>
@@ -2910,7 +2927,7 @@
           <a:p>
             <a:fld id="{1D822F6B-87A4-420C-B223-1543E7C3258E}" type="datetimeFigureOut">
               <a:rPr lang="zh-CN" altLang="en-US" smtClean="0"/>
-              <a:t>2023/3/31</a:t>
+              <a:t>2023/4/17</a:t>
             </a:fld>
             <a:endParaRPr lang="zh-CN" altLang="en-US"/>
           </a:p>
@@ -3327,6 +3344,6137 @@
           <a:chExt cx="0" cy="0"/>
         </a:xfrm>
       </p:grpSpPr>
+      <p:pic>
+        <p:nvPicPr>
+          <p:cNvPr id="2" name="Picture 6" descr="  Png图标">
+            <a:extLst>
+              <a:ext uri="{FF2B5EF4-FFF2-40B4-BE49-F238E27FC236}">
+                <a16:creationId xmlns:a16="http://schemas.microsoft.com/office/drawing/2014/main" id="{85EDE70F-FAB9-9068-D631-589AE8090821}"/>
+              </a:ext>
+            </a:extLst>
+          </p:cNvPr>
+          <p:cNvPicPr>
+            <a:picLocks noChangeAspect="1" noChangeArrowheads="1"/>
+          </p:cNvPicPr>
+          <p:nvPr/>
+        </p:nvPicPr>
+        <p:blipFill>
+          <a:blip r:embed="rId2">
+            <a:extLst>
+              <a:ext uri="{28A0092B-C50C-407E-A947-70E740481C1C}">
+                <a14:useLocalDpi xmlns:a14="http://schemas.microsoft.com/office/drawing/2010/main" val="0"/>
+              </a:ext>
+            </a:extLst>
+          </a:blip>
+          <a:srcRect/>
+          <a:stretch>
+            <a:fillRect/>
+          </a:stretch>
+        </p:blipFill>
+        <p:spPr bwMode="auto">
+          <a:xfrm>
+            <a:off x="1416359" y="3098704"/>
+            <a:ext cx="1020833" cy="1020833"/>
+          </a:xfrm>
+          <a:prstGeom prst="rect">
+            <a:avLst/>
+          </a:prstGeom>
+          <a:noFill/>
+          <a:extLst>
+            <a:ext uri="{909E8E84-426E-40DD-AFC4-6F175D3DCCD1}">
+              <a14:hiddenFill xmlns:a14="http://schemas.microsoft.com/office/drawing/2010/main">
+                <a:solidFill>
+                  <a:srgbClr val="FFFFFF"/>
+                </a:solidFill>
+              </a14:hiddenFill>
+            </a:ext>
+          </a:extLst>
+        </p:spPr>
+      </p:pic>
+      <p:sp>
+        <p:nvSpPr>
+          <p:cNvPr id="3" name="文本框 2">
+            <a:extLst>
+              <a:ext uri="{FF2B5EF4-FFF2-40B4-BE49-F238E27FC236}">
+                <a16:creationId xmlns:a16="http://schemas.microsoft.com/office/drawing/2014/main" id="{6653C3EA-ED83-00C7-E808-EC201F4DCD83}"/>
+              </a:ext>
+            </a:extLst>
+          </p:cNvPr>
+          <p:cNvSpPr txBox="1"/>
+          <p:nvPr/>
+        </p:nvSpPr>
+        <p:spPr>
+          <a:xfrm>
+            <a:off x="1125643" y="5239345"/>
+            <a:ext cx="1553402" cy="369332"/>
+          </a:xfrm>
+          <a:prstGeom prst="rect">
+            <a:avLst/>
+          </a:prstGeom>
+          <a:noFill/>
+        </p:spPr>
+        <p:txBody>
+          <a:bodyPr wrap="square" rtlCol="0">
+            <a:spAutoFit/>
+          </a:bodyPr>
+          <a:lstStyle/>
+          <a:p>
+            <a:r>
+              <a:rPr lang="zh-CN" altLang="en-US" dirty="0"/>
+              <a:t>多机通信</a:t>
+            </a:r>
+          </a:p>
+        </p:txBody>
+      </p:sp>
+      <p:pic>
+        <p:nvPicPr>
+          <p:cNvPr id="4" name="Picture 6" descr="  Png图标">
+            <a:extLst>
+              <a:ext uri="{FF2B5EF4-FFF2-40B4-BE49-F238E27FC236}">
+                <a16:creationId xmlns:a16="http://schemas.microsoft.com/office/drawing/2014/main" id="{0C7F69E6-9AC9-BAD2-FAFB-444FF584E4C1}"/>
+              </a:ext>
+            </a:extLst>
+          </p:cNvPr>
+          <p:cNvPicPr>
+            <a:picLocks noChangeAspect="1" noChangeArrowheads="1"/>
+          </p:cNvPicPr>
+          <p:nvPr/>
+        </p:nvPicPr>
+        <p:blipFill>
+          <a:blip r:embed="rId2">
+            <a:extLst>
+              <a:ext uri="{28A0092B-C50C-407E-A947-70E740481C1C}">
+                <a14:useLocalDpi xmlns:a14="http://schemas.microsoft.com/office/drawing/2010/main" val="0"/>
+              </a:ext>
+            </a:extLst>
+          </a:blip>
+          <a:srcRect/>
+          <a:stretch>
+            <a:fillRect/>
+          </a:stretch>
+        </p:blipFill>
+        <p:spPr bwMode="auto">
+          <a:xfrm>
+            <a:off x="395526" y="4218513"/>
+            <a:ext cx="1020833" cy="1020833"/>
+          </a:xfrm>
+          <a:prstGeom prst="rect">
+            <a:avLst/>
+          </a:prstGeom>
+          <a:noFill/>
+          <a:extLst>
+            <a:ext uri="{909E8E84-426E-40DD-AFC4-6F175D3DCCD1}">
+              <a14:hiddenFill xmlns:a14="http://schemas.microsoft.com/office/drawing/2010/main">
+                <a:solidFill>
+                  <a:srgbClr val="FFFFFF"/>
+                </a:solidFill>
+              </a14:hiddenFill>
+            </a:ext>
+          </a:extLst>
+        </p:spPr>
+      </p:pic>
+      <p:pic>
+        <p:nvPicPr>
+          <p:cNvPr id="5" name="Picture 6" descr="  Png图标">
+            <a:extLst>
+              <a:ext uri="{FF2B5EF4-FFF2-40B4-BE49-F238E27FC236}">
+                <a16:creationId xmlns:a16="http://schemas.microsoft.com/office/drawing/2014/main" id="{5FB22147-7094-8301-671B-EBA3F8BCD8F9}"/>
+              </a:ext>
+            </a:extLst>
+          </p:cNvPr>
+          <p:cNvPicPr>
+            <a:picLocks noChangeAspect="1" noChangeArrowheads="1"/>
+          </p:cNvPicPr>
+          <p:nvPr/>
+        </p:nvPicPr>
+        <p:blipFill>
+          <a:blip r:embed="rId2">
+            <a:extLst>
+              <a:ext uri="{28A0092B-C50C-407E-A947-70E740481C1C}">
+                <a14:useLocalDpi xmlns:a14="http://schemas.microsoft.com/office/drawing/2010/main" val="0"/>
+              </a:ext>
+            </a:extLst>
+          </a:blip>
+          <a:srcRect/>
+          <a:stretch>
+            <a:fillRect/>
+          </a:stretch>
+        </p:blipFill>
+        <p:spPr bwMode="auto">
+          <a:xfrm>
+            <a:off x="2264498" y="4218512"/>
+            <a:ext cx="1020833" cy="1020833"/>
+          </a:xfrm>
+          <a:prstGeom prst="rect">
+            <a:avLst/>
+          </a:prstGeom>
+          <a:noFill/>
+          <a:extLst>
+            <a:ext uri="{909E8E84-426E-40DD-AFC4-6F175D3DCCD1}">
+              <a14:hiddenFill xmlns:a14="http://schemas.microsoft.com/office/drawing/2010/main">
+                <a:solidFill>
+                  <a:srgbClr val="FFFFFF"/>
+                </a:solidFill>
+              </a14:hiddenFill>
+            </a:ext>
+          </a:extLst>
+        </p:spPr>
+      </p:pic>
+      <p:cxnSp>
+        <p:nvCxnSpPr>
+          <p:cNvPr id="7" name="直接箭头连接符 6">
+            <a:extLst>
+              <a:ext uri="{FF2B5EF4-FFF2-40B4-BE49-F238E27FC236}">
+                <a16:creationId xmlns:a16="http://schemas.microsoft.com/office/drawing/2014/main" id="{A6B207BE-7136-B22D-0C73-97D3992E0153}"/>
+              </a:ext>
+            </a:extLst>
+          </p:cNvPr>
+          <p:cNvCxnSpPr/>
+          <p:nvPr/>
+        </p:nvCxnSpPr>
+        <p:spPr>
+          <a:xfrm flipH="1">
+            <a:off x="1174506" y="3950364"/>
+            <a:ext cx="443948" cy="437322"/>
+          </a:xfrm>
+          <a:prstGeom prst="straightConnector1">
+            <a:avLst/>
+          </a:prstGeom>
+          <a:ln>
+            <a:headEnd type="triangle"/>
+            <a:tailEnd type="triangle"/>
+          </a:ln>
+        </p:spPr>
+        <p:style>
+          <a:lnRef idx="1">
+            <a:schemeClr val="dk1"/>
+          </a:lnRef>
+          <a:fillRef idx="0">
+            <a:schemeClr val="dk1"/>
+          </a:fillRef>
+          <a:effectRef idx="0">
+            <a:schemeClr val="dk1"/>
+          </a:effectRef>
+          <a:fontRef idx="minor">
+            <a:schemeClr val="tx1"/>
+          </a:fontRef>
+        </p:style>
+      </p:cxnSp>
+      <p:cxnSp>
+        <p:nvCxnSpPr>
+          <p:cNvPr id="8" name="直接箭头连接符 7">
+            <a:extLst>
+              <a:ext uri="{FF2B5EF4-FFF2-40B4-BE49-F238E27FC236}">
+                <a16:creationId xmlns:a16="http://schemas.microsoft.com/office/drawing/2014/main" id="{BE261DD1-E775-C7B8-DDB1-B7762A83745F}"/>
+              </a:ext>
+            </a:extLst>
+          </p:cNvPr>
+          <p:cNvCxnSpPr>
+            <a:cxnSpLocks/>
+          </p:cNvCxnSpPr>
+          <p:nvPr/>
+        </p:nvCxnSpPr>
+        <p:spPr>
+          <a:xfrm>
+            <a:off x="2304255" y="3900876"/>
+            <a:ext cx="374790" cy="486810"/>
+          </a:xfrm>
+          <a:prstGeom prst="straightConnector1">
+            <a:avLst/>
+          </a:prstGeom>
+          <a:ln>
+            <a:headEnd type="triangle"/>
+            <a:tailEnd type="triangle"/>
+          </a:ln>
+        </p:spPr>
+        <p:style>
+          <a:lnRef idx="1">
+            <a:schemeClr val="dk1"/>
+          </a:lnRef>
+          <a:fillRef idx="0">
+            <a:schemeClr val="dk1"/>
+          </a:fillRef>
+          <a:effectRef idx="0">
+            <a:schemeClr val="dk1"/>
+          </a:effectRef>
+          <a:fontRef idx="minor">
+            <a:schemeClr val="tx1"/>
+          </a:fontRef>
+        </p:style>
+      </p:cxnSp>
+      <p:cxnSp>
+        <p:nvCxnSpPr>
+          <p:cNvPr id="10" name="直接箭头连接符 9">
+            <a:extLst>
+              <a:ext uri="{FF2B5EF4-FFF2-40B4-BE49-F238E27FC236}">
+                <a16:creationId xmlns:a16="http://schemas.microsoft.com/office/drawing/2014/main" id="{88817706-330A-8F92-ADF8-BEEF319FA8A7}"/>
+              </a:ext>
+            </a:extLst>
+          </p:cNvPr>
+          <p:cNvCxnSpPr>
+            <a:cxnSpLocks/>
+            <a:stCxn id="5" idx="1"/>
+            <a:endCxn id="4" idx="3"/>
+          </p:cNvCxnSpPr>
+          <p:nvPr/>
+        </p:nvCxnSpPr>
+        <p:spPr>
+          <a:xfrm flipH="1">
+            <a:off x="1416359" y="4728929"/>
+            <a:ext cx="848139" cy="1"/>
+          </a:xfrm>
+          <a:prstGeom prst="straightConnector1">
+            <a:avLst/>
+          </a:prstGeom>
+          <a:ln>
+            <a:headEnd type="triangle"/>
+            <a:tailEnd type="triangle"/>
+          </a:ln>
+        </p:spPr>
+        <p:style>
+          <a:lnRef idx="1">
+            <a:schemeClr val="dk1"/>
+          </a:lnRef>
+          <a:fillRef idx="0">
+            <a:schemeClr val="dk1"/>
+          </a:fillRef>
+          <a:effectRef idx="0">
+            <a:schemeClr val="dk1"/>
+          </a:effectRef>
+          <a:fontRef idx="minor">
+            <a:schemeClr val="tx1"/>
+          </a:fontRef>
+        </p:style>
+      </p:cxnSp>
+      <p:sp>
+        <p:nvSpPr>
+          <p:cNvPr id="13" name="文本框 12">
+            <a:extLst>
+              <a:ext uri="{FF2B5EF4-FFF2-40B4-BE49-F238E27FC236}">
+                <a16:creationId xmlns:a16="http://schemas.microsoft.com/office/drawing/2014/main" id="{5C25A7B8-F92A-9FBD-6C01-47EFC2D783FB}"/>
+              </a:ext>
+            </a:extLst>
+          </p:cNvPr>
+          <p:cNvSpPr txBox="1"/>
+          <p:nvPr/>
+        </p:nvSpPr>
+        <p:spPr>
+          <a:xfrm>
+            <a:off x="213549" y="5694610"/>
+            <a:ext cx="3717235" cy="830997"/>
+          </a:xfrm>
+          <a:prstGeom prst="rect">
+            <a:avLst/>
+          </a:prstGeom>
+          <a:noFill/>
+        </p:spPr>
+        <p:txBody>
+          <a:bodyPr wrap="square" rtlCol="0">
+            <a:spAutoFit/>
+          </a:bodyPr>
+          <a:lstStyle/>
+          <a:p>
+            <a:r>
+              <a:rPr lang="zh-CN" altLang="en-US" sz="1600" dirty="0">
+                <a:latin typeface="宋体" panose="02010600030101010101" pitchFamily="2" charset="-122"/>
+                <a:ea typeface="宋体" panose="02010600030101010101" pitchFamily="2" charset="-122"/>
+              </a:rPr>
+              <a:t>考虑交流的数据是什么：关键帧？位姿？</a:t>
+            </a:r>
+            <a:endParaRPr lang="en-US" altLang="zh-CN" sz="1600" dirty="0">
+              <a:latin typeface="宋体" panose="02010600030101010101" pitchFamily="2" charset="-122"/>
+              <a:ea typeface="宋体" panose="02010600030101010101" pitchFamily="2" charset="-122"/>
+            </a:endParaRPr>
+          </a:p>
+          <a:p>
+            <a:r>
+              <a:rPr lang="zh-CN" altLang="en-US" sz="1600" dirty="0">
+                <a:latin typeface="宋体" panose="02010600030101010101" pitchFamily="2" charset="-122"/>
+                <a:ea typeface="宋体" panose="02010600030101010101" pitchFamily="2" charset="-122"/>
+              </a:rPr>
+              <a:t>考虑何时触发交流：定时？定量？</a:t>
+            </a:r>
+            <a:endParaRPr lang="en-US" altLang="zh-CN" sz="1600" dirty="0">
+              <a:latin typeface="宋体" panose="02010600030101010101" pitchFamily="2" charset="-122"/>
+              <a:ea typeface="宋体" panose="02010600030101010101" pitchFamily="2" charset="-122"/>
+            </a:endParaRPr>
+          </a:p>
+          <a:p>
+            <a:r>
+              <a:rPr lang="zh-CN" altLang="en-US" sz="1600" dirty="0">
+                <a:latin typeface="宋体" panose="02010600030101010101" pitchFamily="2" charset="-122"/>
+                <a:ea typeface="宋体" panose="02010600030101010101" pitchFamily="2" charset="-122"/>
+              </a:rPr>
+              <a:t>考虑带宽：如何压缩数据？</a:t>
+            </a:r>
+          </a:p>
+        </p:txBody>
+      </p:sp>
+      <p:cxnSp>
+        <p:nvCxnSpPr>
+          <p:cNvPr id="15" name="直接箭头连接符 14">
+            <a:extLst>
+              <a:ext uri="{FF2B5EF4-FFF2-40B4-BE49-F238E27FC236}">
+                <a16:creationId xmlns:a16="http://schemas.microsoft.com/office/drawing/2014/main" id="{ECB58501-349D-E3DA-088B-98273C2B6F13}"/>
+              </a:ext>
+            </a:extLst>
+          </p:cNvPr>
+          <p:cNvCxnSpPr>
+            <a:cxnSpLocks/>
+          </p:cNvCxnSpPr>
+          <p:nvPr/>
+        </p:nvCxnSpPr>
+        <p:spPr>
+          <a:xfrm flipV="1">
+            <a:off x="2730539" y="1796486"/>
+            <a:ext cx="1713815" cy="1632514"/>
+          </a:xfrm>
+          <a:prstGeom prst="straightConnector1">
+            <a:avLst/>
+          </a:prstGeom>
+          <a:ln>
+            <a:tailEnd type="triangle"/>
+          </a:ln>
+        </p:spPr>
+        <p:style>
+          <a:lnRef idx="1">
+            <a:schemeClr val="dk1"/>
+          </a:lnRef>
+          <a:fillRef idx="0">
+            <a:schemeClr val="dk1"/>
+          </a:fillRef>
+          <a:effectRef idx="0">
+            <a:schemeClr val="dk1"/>
+          </a:effectRef>
+          <a:fontRef idx="minor">
+            <a:schemeClr val="tx1"/>
+          </a:fontRef>
+        </p:style>
+      </p:cxnSp>
+      <p:pic>
+        <p:nvPicPr>
+          <p:cNvPr id="1026" name="Picture 2">
+            <a:extLst>
+              <a:ext uri="{FF2B5EF4-FFF2-40B4-BE49-F238E27FC236}">
+                <a16:creationId xmlns:a16="http://schemas.microsoft.com/office/drawing/2014/main" id="{D7340429-80C5-62FC-98AC-9FB2CCDB34B9}"/>
+              </a:ext>
+            </a:extLst>
+          </p:cNvPr>
+          <p:cNvPicPr>
+            <a:picLocks noChangeAspect="1" noChangeArrowheads="1"/>
+          </p:cNvPicPr>
+          <p:nvPr/>
+        </p:nvPicPr>
+        <p:blipFill>
+          <a:blip r:embed="rId3">
+            <a:extLst>
+              <a:ext uri="{28A0092B-C50C-407E-A947-70E740481C1C}">
+                <a14:useLocalDpi xmlns:a14="http://schemas.microsoft.com/office/drawing/2010/main" val="0"/>
+              </a:ext>
+            </a:extLst>
+          </a:blip>
+          <a:srcRect/>
+          <a:stretch>
+            <a:fillRect/>
+          </a:stretch>
+        </p:blipFill>
+        <p:spPr bwMode="auto">
+          <a:xfrm>
+            <a:off x="8934610" y="3143912"/>
+            <a:ext cx="3245044" cy="2298190"/>
+          </a:xfrm>
+          <a:prstGeom prst="rect">
+            <a:avLst/>
+          </a:prstGeom>
+          <a:noFill/>
+          <a:extLst>
+            <a:ext uri="{909E8E84-426E-40DD-AFC4-6F175D3DCCD1}">
+              <a14:hiddenFill xmlns:a14="http://schemas.microsoft.com/office/drawing/2010/main">
+                <a:solidFill>
+                  <a:srgbClr val="FFFFFF"/>
+                </a:solidFill>
+              </a14:hiddenFill>
+            </a:ext>
+          </a:extLst>
+        </p:spPr>
+      </p:pic>
+      <p:sp>
+        <p:nvSpPr>
+          <p:cNvPr id="16" name="文本框 15">
+            <a:extLst>
+              <a:ext uri="{FF2B5EF4-FFF2-40B4-BE49-F238E27FC236}">
+                <a16:creationId xmlns:a16="http://schemas.microsoft.com/office/drawing/2014/main" id="{31F0F00C-6771-2101-E0F0-D01A152CF657}"/>
+              </a:ext>
+            </a:extLst>
+          </p:cNvPr>
+          <p:cNvSpPr txBox="1"/>
+          <p:nvPr/>
+        </p:nvSpPr>
+        <p:spPr>
+          <a:xfrm>
+            <a:off x="4444354" y="3704038"/>
+            <a:ext cx="3717235" cy="1077218"/>
+          </a:xfrm>
+          <a:prstGeom prst="rect">
+            <a:avLst/>
+          </a:prstGeom>
+          <a:noFill/>
+        </p:spPr>
+        <p:txBody>
+          <a:bodyPr wrap="square" rtlCol="0">
+            <a:spAutoFit/>
+          </a:bodyPr>
+          <a:lstStyle/>
+          <a:p>
+            <a:r>
+              <a:rPr lang="zh-CN" altLang="en-US" sz="1600" dirty="0">
+                <a:latin typeface="宋体" panose="02010600030101010101" pitchFamily="2" charset="-122"/>
+                <a:ea typeface="宋体" panose="02010600030101010101" pitchFamily="2" charset="-122"/>
+              </a:rPr>
+              <a:t>考虑融合方式，直接融合原始数据还是提取特征以后融合还是提取结果融合（例如</a:t>
+            </a:r>
+            <a:r>
+              <a:rPr lang="en-US" altLang="zh-CN" sz="1600" dirty="0">
+                <a:latin typeface="宋体" panose="02010600030101010101" pitchFamily="2" charset="-122"/>
+                <a:ea typeface="宋体" panose="02010600030101010101" pitchFamily="2" charset="-122"/>
+              </a:rPr>
+              <a:t>bounding box)</a:t>
+            </a:r>
+            <a:r>
+              <a:rPr lang="zh-CN" altLang="en-US" sz="1600" dirty="0">
+                <a:latin typeface="宋体" panose="02010600030101010101" pitchFamily="2" charset="-122"/>
+                <a:ea typeface="宋体" panose="02010600030101010101" pitchFamily="2" charset="-122"/>
+              </a:rPr>
+              <a:t>，考虑融合哪些数据</a:t>
+            </a:r>
+          </a:p>
+        </p:txBody>
+      </p:sp>
+      <p:sp>
+        <p:nvSpPr>
+          <p:cNvPr id="17" name="文本框 16">
+            <a:extLst>
+              <a:ext uri="{FF2B5EF4-FFF2-40B4-BE49-F238E27FC236}">
+                <a16:creationId xmlns:a16="http://schemas.microsoft.com/office/drawing/2014/main" id="{0E87E826-6BB1-A2B0-420D-CDB7DCB28792}"/>
+              </a:ext>
+            </a:extLst>
+          </p:cNvPr>
+          <p:cNvSpPr txBox="1"/>
+          <p:nvPr/>
+        </p:nvSpPr>
+        <p:spPr>
+          <a:xfrm>
+            <a:off x="2826408" y="2211645"/>
+            <a:ext cx="778390" cy="338554"/>
+          </a:xfrm>
+          <a:prstGeom prst="rect">
+            <a:avLst/>
+          </a:prstGeom>
+          <a:noFill/>
+        </p:spPr>
+        <p:txBody>
+          <a:bodyPr wrap="square" rtlCol="0">
+            <a:spAutoFit/>
+          </a:bodyPr>
+          <a:lstStyle/>
+          <a:p>
+            <a:r>
+              <a:rPr lang="zh-CN" altLang="en-US" sz="1600" dirty="0">
+                <a:latin typeface="宋体" panose="02010600030101010101" pitchFamily="2" charset="-122"/>
+                <a:ea typeface="宋体" panose="02010600030101010101" pitchFamily="2" charset="-122"/>
+              </a:rPr>
+              <a:t>数据</a:t>
+            </a:r>
+          </a:p>
+        </p:txBody>
+      </p:sp>
+      <p:sp>
+        <p:nvSpPr>
+          <p:cNvPr id="19" name="AutoShape 6">
+            <a:extLst>
+              <a:ext uri="{FF2B5EF4-FFF2-40B4-BE49-F238E27FC236}">
+                <a16:creationId xmlns:a16="http://schemas.microsoft.com/office/drawing/2014/main" id="{147B5440-2696-436F-579C-83427A6CA44B}"/>
+              </a:ext>
+            </a:extLst>
+          </p:cNvPr>
+          <p:cNvSpPr>
+            <a:spLocks noChangeAspect="1" noChangeArrowheads="1"/>
+          </p:cNvSpPr>
+          <p:nvPr/>
+        </p:nvSpPr>
+        <p:spPr bwMode="auto">
+          <a:xfrm>
+            <a:off x="5868962" y="2018461"/>
+            <a:ext cx="304800" cy="304800"/>
+          </a:xfrm>
+          <a:prstGeom prst="rect">
+            <a:avLst/>
+          </a:prstGeom>
+          <a:noFill/>
+          <a:extLst>
+            <a:ext uri="{909E8E84-426E-40DD-AFC4-6F175D3DCCD1}">
+              <a14:hiddenFill xmlns:a14="http://schemas.microsoft.com/office/drawing/2010/main">
+                <a:solidFill>
+                  <a:srgbClr val="FFFFFF"/>
+                </a:solidFill>
+              </a14:hiddenFill>
+            </a:ext>
+          </a:extLst>
+        </p:spPr>
+        <p:txBody>
+          <a:bodyPr vert="horz" wrap="square" lIns="91440" tIns="45720" rIns="91440" bIns="45720" numCol="1" anchor="t" anchorCtr="0" compatLnSpc="1">
+            <a:prstTxWarp prst="textNoShape">
+              <a:avLst/>
+            </a:prstTxWarp>
+          </a:bodyPr>
+          <a:lstStyle/>
+          <a:p>
+            <a:endParaRPr lang="zh-CN" altLang="en-US"/>
+          </a:p>
+        </p:txBody>
+      </p:sp>
+      <p:pic>
+        <p:nvPicPr>
+          <p:cNvPr id="22" name="图片 21">
+            <a:extLst>
+              <a:ext uri="{FF2B5EF4-FFF2-40B4-BE49-F238E27FC236}">
+                <a16:creationId xmlns:a16="http://schemas.microsoft.com/office/drawing/2014/main" id="{B2F1003A-10F4-BF69-4209-58D6E68976D5}"/>
+              </a:ext>
+            </a:extLst>
+          </p:cNvPr>
+          <p:cNvPicPr>
+            <a:picLocks noChangeAspect="1"/>
+          </p:cNvPicPr>
+          <p:nvPr/>
+        </p:nvPicPr>
+        <p:blipFill>
+          <a:blip r:embed="rId4"/>
+          <a:stretch>
+            <a:fillRect/>
+          </a:stretch>
+        </p:blipFill>
+        <p:spPr>
+          <a:xfrm>
+            <a:off x="4461511" y="0"/>
+            <a:ext cx="3136861" cy="3100960"/>
+          </a:xfrm>
+          <a:prstGeom prst="rect">
+            <a:avLst/>
+          </a:prstGeom>
+        </p:spPr>
+      </p:pic>
+      <p:sp>
+        <p:nvSpPr>
+          <p:cNvPr id="23" name="文本框 22">
+            <a:extLst>
+              <a:ext uri="{FF2B5EF4-FFF2-40B4-BE49-F238E27FC236}">
+                <a16:creationId xmlns:a16="http://schemas.microsoft.com/office/drawing/2014/main" id="{14925212-2015-B6B8-41CB-265E814099E5}"/>
+              </a:ext>
+            </a:extLst>
+          </p:cNvPr>
+          <p:cNvSpPr txBox="1"/>
+          <p:nvPr/>
+        </p:nvSpPr>
+        <p:spPr>
+          <a:xfrm>
+            <a:off x="8567806" y="5631040"/>
+            <a:ext cx="3717235" cy="584775"/>
+          </a:xfrm>
+          <a:prstGeom prst="rect">
+            <a:avLst/>
+          </a:prstGeom>
+          <a:noFill/>
+        </p:spPr>
+        <p:txBody>
+          <a:bodyPr wrap="square" rtlCol="0">
+            <a:spAutoFit/>
+          </a:bodyPr>
+          <a:lstStyle/>
+          <a:p>
+            <a:r>
+              <a:rPr lang="zh-CN" altLang="en-US" sz="1600" dirty="0">
+                <a:latin typeface="宋体" panose="02010600030101010101" pitchFamily="2" charset="-122"/>
+                <a:ea typeface="宋体" panose="02010600030101010101" pitchFamily="2" charset="-122"/>
+              </a:rPr>
+              <a:t>考虑地图存储、更新方式、对</a:t>
+            </a:r>
+            <a:r>
+              <a:rPr lang="en-US" altLang="zh-CN" sz="1600" dirty="0">
+                <a:latin typeface="宋体" panose="02010600030101010101" pitchFamily="2" charset="-122"/>
+                <a:ea typeface="宋体" panose="02010600030101010101" pitchFamily="2" charset="-122"/>
+              </a:rPr>
+              <a:t>agent</a:t>
+            </a:r>
+            <a:r>
+              <a:rPr lang="zh-CN" altLang="en-US" sz="1600" dirty="0">
+                <a:latin typeface="宋体" panose="02010600030101010101" pitchFamily="2" charset="-122"/>
+                <a:ea typeface="宋体" panose="02010600030101010101" pitchFamily="2" charset="-122"/>
+              </a:rPr>
+              <a:t>的指导作用，考虑</a:t>
+            </a:r>
+            <a:r>
+              <a:rPr lang="en-US" altLang="zh-CN" sz="1600" dirty="0">
+                <a:latin typeface="宋体" panose="02010600030101010101" pitchFamily="2" charset="-122"/>
+                <a:ea typeface="宋体" panose="02010600030101010101" pitchFamily="2" charset="-122"/>
+              </a:rPr>
+              <a:t>life-long</a:t>
+            </a:r>
+            <a:r>
+              <a:rPr lang="zh-CN" altLang="en-US" sz="1600" dirty="0">
+                <a:latin typeface="宋体" panose="02010600030101010101" pitchFamily="2" charset="-122"/>
+                <a:ea typeface="宋体" panose="02010600030101010101" pitchFamily="2" charset="-122"/>
+              </a:rPr>
+              <a:t>的模式</a:t>
+            </a:r>
+          </a:p>
+        </p:txBody>
+      </p:sp>
+      <p:cxnSp>
+        <p:nvCxnSpPr>
+          <p:cNvPr id="24" name="直接箭头连接符 23">
+            <a:extLst>
+              <a:ext uri="{FF2B5EF4-FFF2-40B4-BE49-F238E27FC236}">
+                <a16:creationId xmlns:a16="http://schemas.microsoft.com/office/drawing/2014/main" id="{E84B2DBD-4FA2-2458-568B-96873870B001}"/>
+              </a:ext>
+            </a:extLst>
+          </p:cNvPr>
+          <p:cNvCxnSpPr>
+            <a:cxnSpLocks/>
+          </p:cNvCxnSpPr>
+          <p:nvPr/>
+        </p:nvCxnSpPr>
+        <p:spPr>
+          <a:xfrm>
+            <a:off x="7626870" y="1757139"/>
+            <a:ext cx="1649652" cy="1237852"/>
+          </a:xfrm>
+          <a:prstGeom prst="straightConnector1">
+            <a:avLst/>
+          </a:prstGeom>
+          <a:ln>
+            <a:tailEnd type="triangle"/>
+          </a:ln>
+        </p:spPr>
+        <p:style>
+          <a:lnRef idx="1">
+            <a:schemeClr val="dk1"/>
+          </a:lnRef>
+          <a:fillRef idx="0">
+            <a:schemeClr val="dk1"/>
+          </a:fillRef>
+          <a:effectRef idx="0">
+            <a:schemeClr val="dk1"/>
+          </a:effectRef>
+          <a:fontRef idx="minor">
+            <a:schemeClr val="tx1"/>
+          </a:fontRef>
+        </p:style>
+      </p:cxnSp>
+      <p:sp>
+        <p:nvSpPr>
+          <p:cNvPr id="25" name="文本框 24">
+            <a:extLst>
+              <a:ext uri="{FF2B5EF4-FFF2-40B4-BE49-F238E27FC236}">
+                <a16:creationId xmlns:a16="http://schemas.microsoft.com/office/drawing/2014/main" id="{8FA165F7-C2BA-35B6-D431-1E85FA76FA8D}"/>
+              </a:ext>
+            </a:extLst>
+          </p:cNvPr>
+          <p:cNvSpPr txBox="1"/>
+          <p:nvPr/>
+        </p:nvSpPr>
+        <p:spPr>
+          <a:xfrm>
+            <a:off x="8064413" y="1682512"/>
+            <a:ext cx="1006787" cy="338554"/>
+          </a:xfrm>
+          <a:prstGeom prst="rect">
+            <a:avLst/>
+          </a:prstGeom>
+          <a:noFill/>
+        </p:spPr>
+        <p:txBody>
+          <a:bodyPr wrap="square" rtlCol="0">
+            <a:spAutoFit/>
+          </a:bodyPr>
+          <a:lstStyle/>
+          <a:p>
+            <a:r>
+              <a:rPr lang="zh-CN" altLang="en-US" sz="1600" dirty="0">
+                <a:latin typeface="宋体" panose="02010600030101010101" pitchFamily="2" charset="-122"/>
+                <a:ea typeface="宋体" panose="02010600030101010101" pitchFamily="2" charset="-122"/>
+              </a:rPr>
+              <a:t>融合数据</a:t>
+            </a:r>
+          </a:p>
+        </p:txBody>
+      </p:sp>
+      <p:cxnSp>
+        <p:nvCxnSpPr>
+          <p:cNvPr id="29" name="直接箭头连接符 28">
+            <a:extLst>
+              <a:ext uri="{FF2B5EF4-FFF2-40B4-BE49-F238E27FC236}">
+                <a16:creationId xmlns:a16="http://schemas.microsoft.com/office/drawing/2014/main" id="{5F12D6CD-0B6D-CDCA-35AC-168685C8B5C0}"/>
+              </a:ext>
+            </a:extLst>
+          </p:cNvPr>
+          <p:cNvCxnSpPr>
+            <a:cxnSpLocks/>
+          </p:cNvCxnSpPr>
+          <p:nvPr/>
+        </p:nvCxnSpPr>
+        <p:spPr>
+          <a:xfrm flipH="1">
+            <a:off x="3400506" y="4715262"/>
+            <a:ext cx="5670694" cy="32921"/>
+          </a:xfrm>
+          <a:prstGeom prst="straightConnector1">
+            <a:avLst/>
+          </a:prstGeom>
+          <a:ln>
+            <a:tailEnd type="triangle"/>
+          </a:ln>
+        </p:spPr>
+        <p:style>
+          <a:lnRef idx="1">
+            <a:schemeClr val="dk1"/>
+          </a:lnRef>
+          <a:fillRef idx="0">
+            <a:schemeClr val="dk1"/>
+          </a:fillRef>
+          <a:effectRef idx="0">
+            <a:schemeClr val="dk1"/>
+          </a:effectRef>
+          <a:fontRef idx="minor">
+            <a:schemeClr val="tx1"/>
+          </a:fontRef>
+        </p:style>
+      </p:cxnSp>
+      <p:sp>
+        <p:nvSpPr>
+          <p:cNvPr id="32" name="文本框 31">
+            <a:extLst>
+              <a:ext uri="{FF2B5EF4-FFF2-40B4-BE49-F238E27FC236}">
+                <a16:creationId xmlns:a16="http://schemas.microsoft.com/office/drawing/2014/main" id="{3619416F-A49A-E99E-CE0D-EBE64F1E15DC}"/>
+              </a:ext>
+            </a:extLst>
+          </p:cNvPr>
+          <p:cNvSpPr txBox="1"/>
+          <p:nvPr/>
+        </p:nvSpPr>
+        <p:spPr>
+          <a:xfrm>
+            <a:off x="5397061" y="3297616"/>
+            <a:ext cx="1553402" cy="369332"/>
+          </a:xfrm>
+          <a:prstGeom prst="rect">
+            <a:avLst/>
+          </a:prstGeom>
+          <a:noFill/>
+        </p:spPr>
+        <p:txBody>
+          <a:bodyPr wrap="square" rtlCol="0">
+            <a:spAutoFit/>
+          </a:bodyPr>
+          <a:lstStyle/>
+          <a:p>
+            <a:r>
+              <a:rPr lang="zh-CN" altLang="en-US" dirty="0"/>
+              <a:t>感知融合</a:t>
+            </a:r>
+          </a:p>
+        </p:txBody>
+      </p:sp>
+      <p:sp>
+        <p:nvSpPr>
+          <p:cNvPr id="35" name="文本框 34">
+            <a:extLst>
+              <a:ext uri="{FF2B5EF4-FFF2-40B4-BE49-F238E27FC236}">
+                <a16:creationId xmlns:a16="http://schemas.microsoft.com/office/drawing/2014/main" id="{E1E75DA1-CFA9-154D-CF78-EC9AE3357391}"/>
+              </a:ext>
+            </a:extLst>
+          </p:cNvPr>
+          <p:cNvSpPr txBox="1"/>
+          <p:nvPr/>
+        </p:nvSpPr>
+        <p:spPr>
+          <a:xfrm>
+            <a:off x="5626542" y="4800187"/>
+            <a:ext cx="1675406" cy="338554"/>
+          </a:xfrm>
+          <a:prstGeom prst="rect">
+            <a:avLst/>
+          </a:prstGeom>
+          <a:noFill/>
+        </p:spPr>
+        <p:txBody>
+          <a:bodyPr wrap="square" rtlCol="0">
+            <a:spAutoFit/>
+          </a:bodyPr>
+          <a:lstStyle/>
+          <a:p>
+            <a:r>
+              <a:rPr lang="zh-CN" altLang="en-US" sz="1600" dirty="0">
+                <a:latin typeface="宋体" panose="02010600030101010101" pitchFamily="2" charset="-122"/>
+                <a:ea typeface="宋体" panose="02010600030101010101" pitchFamily="2" charset="-122"/>
+              </a:rPr>
+              <a:t>指导定位、规划</a:t>
+            </a:r>
+          </a:p>
+        </p:txBody>
+      </p:sp>
+      <p:sp>
+        <p:nvSpPr>
+          <p:cNvPr id="6" name="文本框 5">
+            <a:extLst>
+              <a:ext uri="{FF2B5EF4-FFF2-40B4-BE49-F238E27FC236}">
+                <a16:creationId xmlns:a16="http://schemas.microsoft.com/office/drawing/2014/main" id="{F5B8FF2A-B524-BB8A-E805-977E5C93D9D9}"/>
+              </a:ext>
+            </a:extLst>
+          </p:cNvPr>
+          <p:cNvSpPr txBox="1"/>
+          <p:nvPr/>
+        </p:nvSpPr>
+        <p:spPr>
+          <a:xfrm>
+            <a:off x="696068" y="524842"/>
+            <a:ext cx="3136860" cy="369332"/>
+          </a:xfrm>
+          <a:prstGeom prst="rect">
+            <a:avLst/>
+          </a:prstGeom>
+          <a:noFill/>
+        </p:spPr>
+        <p:txBody>
+          <a:bodyPr wrap="square" rtlCol="0">
+            <a:spAutoFit/>
+          </a:bodyPr>
+          <a:lstStyle/>
+          <a:p>
+            <a:r>
+              <a:rPr lang="en-US" altLang="zh-CN" dirty="0"/>
+              <a:t>Multi-agent perception fusion</a:t>
+            </a:r>
+            <a:endParaRPr lang="zh-CN" altLang="en-US" dirty="0"/>
+          </a:p>
+        </p:txBody>
+      </p:sp>
+      <p:sp>
+        <p:nvSpPr>
+          <p:cNvPr id="9" name="文本框 8">
+            <a:extLst>
+              <a:ext uri="{FF2B5EF4-FFF2-40B4-BE49-F238E27FC236}">
+                <a16:creationId xmlns:a16="http://schemas.microsoft.com/office/drawing/2014/main" id="{F13E8092-CD88-F6B0-0B63-1D0429933C71}"/>
+              </a:ext>
+            </a:extLst>
+          </p:cNvPr>
+          <p:cNvSpPr txBox="1"/>
+          <p:nvPr/>
+        </p:nvSpPr>
+        <p:spPr>
+          <a:xfrm>
+            <a:off x="905941" y="1249323"/>
+            <a:ext cx="1773103" cy="646331"/>
+          </a:xfrm>
+          <a:prstGeom prst="rect">
+            <a:avLst/>
+          </a:prstGeom>
+          <a:noFill/>
+        </p:spPr>
+        <p:txBody>
+          <a:bodyPr wrap="square" rtlCol="0">
+            <a:spAutoFit/>
+          </a:bodyPr>
+          <a:lstStyle/>
+          <a:p>
+            <a:r>
+              <a:rPr lang="en-US" altLang="zh-CN" dirty="0"/>
+              <a:t>Planning</a:t>
+            </a:r>
+          </a:p>
+          <a:p>
+            <a:r>
+              <a:rPr lang="en-US" altLang="zh-CN" dirty="0" err="1"/>
+              <a:t>precedetion</a:t>
+            </a:r>
+            <a:endParaRPr lang="zh-CN" altLang="en-US" dirty="0"/>
+          </a:p>
+        </p:txBody>
+      </p:sp>
+    </p:spTree>
+    <p:extLst>
+      <p:ext uri="{BB962C8B-B14F-4D97-AF65-F5344CB8AC3E}">
+        <p14:creationId xmlns:p14="http://schemas.microsoft.com/office/powerpoint/2010/main" val="4160432870"/>
+      </p:ext>
+    </p:extLst>
+  </p:cSld>
+  <p:clrMapOvr>
+    <a:masterClrMapping/>
+  </p:clrMapOvr>
+</p:sld>
+</file>
+
+<file path=ppt/slides/slide10.xml><?xml version="1.0" encoding="utf-8"?>
+<p:sld xmlns:a="http://schemas.openxmlformats.org/drawingml/2006/main" xmlns:r="http://schemas.openxmlformats.org/officeDocument/2006/relationships" xmlns:p="http://schemas.openxmlformats.org/presentationml/2006/main">
+  <p:cSld>
+    <p:spTree>
+      <p:nvGrpSpPr>
+        <p:cNvPr id="1" name=""/>
+        <p:cNvGrpSpPr/>
+        <p:nvPr/>
+      </p:nvGrpSpPr>
+      <p:grpSpPr>
+        <a:xfrm>
+          <a:off x="0" y="0"/>
+          <a:ext cx="0" cy="0"/>
+          <a:chOff x="0" y="0"/>
+          <a:chExt cx="0" cy="0"/>
+        </a:xfrm>
+      </p:grpSpPr>
+      <p:sp>
+        <p:nvSpPr>
+          <p:cNvPr id="2" name="文本框 1">
+            <a:extLst>
+              <a:ext uri="{FF2B5EF4-FFF2-40B4-BE49-F238E27FC236}">
+                <a16:creationId xmlns:a16="http://schemas.microsoft.com/office/drawing/2014/main" id="{7A7537B4-1A79-BC7C-8728-A239EF9789A6}"/>
+              </a:ext>
+            </a:extLst>
+          </p:cNvPr>
+          <p:cNvSpPr txBox="1"/>
+          <p:nvPr/>
+        </p:nvSpPr>
+        <p:spPr>
+          <a:xfrm>
+            <a:off x="410817" y="357809"/>
+            <a:ext cx="7626626" cy="369332"/>
+          </a:xfrm>
+          <a:prstGeom prst="rect">
+            <a:avLst/>
+          </a:prstGeom>
+          <a:noFill/>
+        </p:spPr>
+        <p:txBody>
+          <a:bodyPr wrap="square" rtlCol="0">
+            <a:spAutoFit/>
+          </a:bodyPr>
+          <a:lstStyle/>
+          <a:p>
+            <a:r>
+              <a:rPr lang="zh-CN" altLang="en-US" dirty="0"/>
+              <a:t>如何描述一个物体的三维表面？</a:t>
+            </a:r>
+          </a:p>
+        </p:txBody>
+      </p:sp>
+      <p:sp>
+        <p:nvSpPr>
+          <p:cNvPr id="3" name="文本框 2">
+            <a:extLst>
+              <a:ext uri="{FF2B5EF4-FFF2-40B4-BE49-F238E27FC236}">
+                <a16:creationId xmlns:a16="http://schemas.microsoft.com/office/drawing/2014/main" id="{DF810867-0C96-DC79-A86C-B0DE0F35F417}"/>
+              </a:ext>
+            </a:extLst>
+          </p:cNvPr>
+          <p:cNvSpPr txBox="1"/>
+          <p:nvPr/>
+        </p:nvSpPr>
+        <p:spPr>
+          <a:xfrm>
+            <a:off x="530085" y="879470"/>
+            <a:ext cx="9574697" cy="369332"/>
+          </a:xfrm>
+          <a:prstGeom prst="rect">
+            <a:avLst/>
+          </a:prstGeom>
+          <a:noFill/>
+        </p:spPr>
+        <p:txBody>
+          <a:bodyPr wrap="square">
+            <a:spAutoFit/>
+          </a:bodyPr>
+          <a:lstStyle/>
+          <a:p>
+            <a:r>
+              <a:rPr lang="zh-CN" altLang="en-US" dirty="0"/>
+              <a:t>Non-Uniform B-Spline Surface Fitting fromUnordered 3D Point Clouds for As-Built Modeling</a:t>
+            </a:r>
+          </a:p>
+        </p:txBody>
+      </p:sp>
+      <p:sp>
+        <p:nvSpPr>
+          <p:cNvPr id="4" name="文本框 3">
+            <a:extLst>
+              <a:ext uri="{FF2B5EF4-FFF2-40B4-BE49-F238E27FC236}">
+                <a16:creationId xmlns:a16="http://schemas.microsoft.com/office/drawing/2014/main" id="{ED2FF8F1-8056-C63B-1F83-526DE556D8B2}"/>
+              </a:ext>
+            </a:extLst>
+          </p:cNvPr>
+          <p:cNvSpPr txBox="1"/>
+          <p:nvPr/>
+        </p:nvSpPr>
+        <p:spPr>
+          <a:xfrm>
+            <a:off x="1258957" y="1542008"/>
+            <a:ext cx="6096000" cy="369332"/>
+          </a:xfrm>
+          <a:prstGeom prst="rect">
+            <a:avLst/>
+          </a:prstGeom>
+          <a:noFill/>
+        </p:spPr>
+        <p:txBody>
+          <a:bodyPr wrap="square">
+            <a:spAutoFit/>
+          </a:bodyPr>
+          <a:lstStyle/>
+          <a:p>
+            <a:r>
+              <a:rPr lang="zh-CN" altLang="en-US" dirty="0"/>
+              <a:t>Computer-Aided Civil and Infrastructure Engineering </a:t>
+            </a:r>
+            <a:r>
+              <a:rPr lang="en-US" altLang="zh-CN" dirty="0"/>
+              <a:t>2016</a:t>
+            </a:r>
+            <a:endParaRPr lang="zh-CN" altLang="en-US" dirty="0"/>
+          </a:p>
+        </p:txBody>
+      </p:sp>
+      <p:pic>
+        <p:nvPicPr>
+          <p:cNvPr id="7" name="图片 6">
+            <a:extLst>
+              <a:ext uri="{FF2B5EF4-FFF2-40B4-BE49-F238E27FC236}">
+                <a16:creationId xmlns:a16="http://schemas.microsoft.com/office/drawing/2014/main" id="{0D38C700-B55B-DD9E-2C66-44B111DEA6B8}"/>
+              </a:ext>
+            </a:extLst>
+          </p:cNvPr>
+          <p:cNvPicPr>
+            <a:picLocks noChangeAspect="1"/>
+          </p:cNvPicPr>
+          <p:nvPr/>
+        </p:nvPicPr>
+        <p:blipFill>
+          <a:blip r:embed="rId2"/>
+          <a:stretch>
+            <a:fillRect/>
+          </a:stretch>
+        </p:blipFill>
+        <p:spPr>
+          <a:xfrm>
+            <a:off x="410817" y="2281454"/>
+            <a:ext cx="4837044" cy="2826019"/>
+          </a:xfrm>
+          <a:prstGeom prst="rect">
+            <a:avLst/>
+          </a:prstGeom>
+        </p:spPr>
+      </p:pic>
+      <p:pic>
+        <p:nvPicPr>
+          <p:cNvPr id="10" name="图片 9">
+            <a:extLst>
+              <a:ext uri="{FF2B5EF4-FFF2-40B4-BE49-F238E27FC236}">
+                <a16:creationId xmlns:a16="http://schemas.microsoft.com/office/drawing/2014/main" id="{4DC8257F-DE28-391A-86D1-178FE99A768A}"/>
+              </a:ext>
+            </a:extLst>
+          </p:cNvPr>
+          <p:cNvPicPr>
+            <a:picLocks noChangeAspect="1"/>
+          </p:cNvPicPr>
+          <p:nvPr/>
+        </p:nvPicPr>
+        <p:blipFill>
+          <a:blip r:embed="rId3"/>
+          <a:stretch>
+            <a:fillRect/>
+          </a:stretch>
+        </p:blipFill>
+        <p:spPr>
+          <a:xfrm>
+            <a:off x="5950226" y="2204546"/>
+            <a:ext cx="5576676" cy="2902927"/>
+          </a:xfrm>
+          <a:prstGeom prst="rect">
+            <a:avLst/>
+          </a:prstGeom>
+        </p:spPr>
+      </p:pic>
+    </p:spTree>
+    <p:extLst>
+      <p:ext uri="{BB962C8B-B14F-4D97-AF65-F5344CB8AC3E}">
+        <p14:creationId xmlns:p14="http://schemas.microsoft.com/office/powerpoint/2010/main" val="1131723512"/>
+      </p:ext>
+    </p:extLst>
+  </p:cSld>
+  <p:clrMapOvr>
+    <a:masterClrMapping/>
+  </p:clrMapOvr>
+</p:sld>
+</file>
+
+<file path=ppt/slides/slide11.xml><?xml version="1.0" encoding="utf-8"?>
+<p:sld xmlns:a="http://schemas.openxmlformats.org/drawingml/2006/main" xmlns:r="http://schemas.openxmlformats.org/officeDocument/2006/relationships" xmlns:p="http://schemas.openxmlformats.org/presentationml/2006/main">
+  <p:cSld>
+    <p:spTree>
+      <p:nvGrpSpPr>
+        <p:cNvPr id="1" name=""/>
+        <p:cNvGrpSpPr/>
+        <p:nvPr/>
+      </p:nvGrpSpPr>
+      <p:grpSpPr>
+        <a:xfrm>
+          <a:off x="0" y="0"/>
+          <a:ext cx="0" cy="0"/>
+          <a:chOff x="0" y="0"/>
+          <a:chExt cx="0" cy="0"/>
+        </a:xfrm>
+      </p:grpSpPr>
+      <p:pic>
+        <p:nvPicPr>
+          <p:cNvPr id="6" name="图片 5">
+            <a:extLst>
+              <a:ext uri="{FF2B5EF4-FFF2-40B4-BE49-F238E27FC236}">
+                <a16:creationId xmlns:a16="http://schemas.microsoft.com/office/drawing/2014/main" id="{2C2A4810-52F9-6D4C-EBDD-E3A298A42EE5}"/>
+              </a:ext>
+            </a:extLst>
+          </p:cNvPr>
+          <p:cNvPicPr>
+            <a:picLocks noChangeAspect="1"/>
+          </p:cNvPicPr>
+          <p:nvPr/>
+        </p:nvPicPr>
+        <p:blipFill>
+          <a:blip r:embed="rId2"/>
+          <a:stretch>
+            <a:fillRect/>
+          </a:stretch>
+        </p:blipFill>
+        <p:spPr>
+          <a:xfrm>
+            <a:off x="2740715" y="305421"/>
+            <a:ext cx="4762500" cy="2085975"/>
+          </a:xfrm>
+          <a:prstGeom prst="rect">
+            <a:avLst/>
+          </a:prstGeom>
+        </p:spPr>
+      </p:pic>
+      <p:pic>
+        <p:nvPicPr>
+          <p:cNvPr id="9" name="图片 8">
+            <a:extLst>
+              <a:ext uri="{FF2B5EF4-FFF2-40B4-BE49-F238E27FC236}">
+                <a16:creationId xmlns:a16="http://schemas.microsoft.com/office/drawing/2014/main" id="{C72E2CE1-97D5-3BAF-1B48-317507FEC052}"/>
+              </a:ext>
+            </a:extLst>
+          </p:cNvPr>
+          <p:cNvPicPr>
+            <a:picLocks noChangeAspect="1"/>
+          </p:cNvPicPr>
+          <p:nvPr/>
+        </p:nvPicPr>
+        <p:blipFill>
+          <a:blip r:embed="rId3"/>
+          <a:stretch>
+            <a:fillRect/>
+          </a:stretch>
+        </p:blipFill>
+        <p:spPr>
+          <a:xfrm>
+            <a:off x="2336938" y="3640208"/>
+            <a:ext cx="6762750" cy="1657350"/>
+          </a:xfrm>
+          <a:prstGeom prst="rect">
+            <a:avLst/>
+          </a:prstGeom>
+        </p:spPr>
+      </p:pic>
+      <p:sp>
+        <p:nvSpPr>
+          <p:cNvPr id="11" name="文本框 10">
+            <a:extLst>
+              <a:ext uri="{FF2B5EF4-FFF2-40B4-BE49-F238E27FC236}">
+                <a16:creationId xmlns:a16="http://schemas.microsoft.com/office/drawing/2014/main" id="{A68D943B-3432-2562-C497-369D6553C23A}"/>
+              </a:ext>
+            </a:extLst>
+          </p:cNvPr>
+          <p:cNvSpPr txBox="1"/>
+          <p:nvPr/>
+        </p:nvSpPr>
+        <p:spPr>
+          <a:xfrm>
+            <a:off x="3684104" y="2673002"/>
+            <a:ext cx="4823791" cy="369332"/>
+          </a:xfrm>
+          <a:prstGeom prst="rect">
+            <a:avLst/>
+          </a:prstGeom>
+          <a:noFill/>
+        </p:spPr>
+        <p:txBody>
+          <a:bodyPr wrap="square" rtlCol="0">
+            <a:spAutoFit/>
+          </a:bodyPr>
+          <a:lstStyle/>
+          <a:p>
+            <a:r>
+              <a:rPr lang="zh-CN" altLang="en-US" dirty="0"/>
+              <a:t>随机化</a:t>
+            </a:r>
+            <a:r>
+              <a:rPr lang="en-US" altLang="zh-CN" dirty="0"/>
+              <a:t>seed points</a:t>
+            </a:r>
+            <a:r>
+              <a:rPr lang="zh-CN" altLang="en-US" dirty="0"/>
+              <a:t>，经过</a:t>
+            </a:r>
+            <a:r>
+              <a:rPr lang="en-US" altLang="zh-CN" dirty="0"/>
+              <a:t>seed points</a:t>
+            </a:r>
+            <a:r>
+              <a:rPr lang="zh-CN" altLang="en-US" dirty="0"/>
+              <a:t>寻找切面</a:t>
+            </a:r>
+          </a:p>
+        </p:txBody>
+      </p:sp>
+      <p:sp>
+        <p:nvSpPr>
+          <p:cNvPr id="12" name="文本框 11">
+            <a:extLst>
+              <a:ext uri="{FF2B5EF4-FFF2-40B4-BE49-F238E27FC236}">
+                <a16:creationId xmlns:a16="http://schemas.microsoft.com/office/drawing/2014/main" id="{75827ED6-C834-97AA-CCD2-5CB0D9B92A36}"/>
+              </a:ext>
+            </a:extLst>
+          </p:cNvPr>
+          <p:cNvSpPr txBox="1"/>
+          <p:nvPr/>
+        </p:nvSpPr>
+        <p:spPr>
+          <a:xfrm>
+            <a:off x="3611217" y="5589104"/>
+            <a:ext cx="4823791" cy="369332"/>
+          </a:xfrm>
+          <a:prstGeom prst="rect">
+            <a:avLst/>
+          </a:prstGeom>
+          <a:noFill/>
+        </p:spPr>
+        <p:txBody>
+          <a:bodyPr wrap="square" rtlCol="0">
+            <a:spAutoFit/>
+          </a:bodyPr>
+          <a:lstStyle/>
+          <a:p>
+            <a:r>
+              <a:rPr lang="zh-CN" altLang="en-US" dirty="0"/>
+              <a:t>通过不断计算得到切面直到到达终止条件</a:t>
+            </a:r>
+          </a:p>
+        </p:txBody>
+      </p:sp>
+    </p:spTree>
+    <p:extLst>
+      <p:ext uri="{BB962C8B-B14F-4D97-AF65-F5344CB8AC3E}">
+        <p14:creationId xmlns:p14="http://schemas.microsoft.com/office/powerpoint/2010/main" val="1446644965"/>
+      </p:ext>
+    </p:extLst>
+  </p:cSld>
+  <p:clrMapOvr>
+    <a:masterClrMapping/>
+  </p:clrMapOvr>
+</p:sld>
+</file>
+
+<file path=ppt/slides/slide12.xml><?xml version="1.0" encoding="utf-8"?>
+<p:sld xmlns:a="http://schemas.openxmlformats.org/drawingml/2006/main" xmlns:r="http://schemas.openxmlformats.org/officeDocument/2006/relationships" xmlns:p="http://schemas.openxmlformats.org/presentationml/2006/main">
+  <p:cSld>
+    <p:spTree>
+      <p:nvGrpSpPr>
+        <p:cNvPr id="1" name=""/>
+        <p:cNvGrpSpPr/>
+        <p:nvPr/>
+      </p:nvGrpSpPr>
+      <p:grpSpPr>
+        <a:xfrm>
+          <a:off x="0" y="0"/>
+          <a:ext cx="0" cy="0"/>
+          <a:chOff x="0" y="0"/>
+          <a:chExt cx="0" cy="0"/>
+        </a:xfrm>
+      </p:grpSpPr>
+      <p:sp>
+        <p:nvSpPr>
+          <p:cNvPr id="2" name="文本框 1">
+            <a:extLst>
+              <a:ext uri="{FF2B5EF4-FFF2-40B4-BE49-F238E27FC236}">
+                <a16:creationId xmlns:a16="http://schemas.microsoft.com/office/drawing/2014/main" id="{A690673A-BC8C-8AB1-C7E6-9761A2CC8428}"/>
+              </a:ext>
+            </a:extLst>
+          </p:cNvPr>
+          <p:cNvSpPr txBox="1"/>
+          <p:nvPr/>
+        </p:nvSpPr>
+        <p:spPr>
+          <a:xfrm>
+            <a:off x="2060712" y="3929271"/>
+            <a:ext cx="6467061" cy="1754326"/>
+          </a:xfrm>
+          <a:prstGeom prst="rect">
+            <a:avLst/>
+          </a:prstGeom>
+          <a:noFill/>
+        </p:spPr>
+        <p:txBody>
+          <a:bodyPr wrap="square" rtlCol="0">
+            <a:spAutoFit/>
+          </a:bodyPr>
+          <a:lstStyle/>
+          <a:p>
+            <a:r>
+              <a:rPr lang="zh-CN" altLang="en-US" dirty="0"/>
+              <a:t>本文可以改进的点：本文的点云分割方法是通过用户指定固定半径</a:t>
+            </a:r>
+            <a:r>
+              <a:rPr lang="en-US" altLang="zh-CN" dirty="0"/>
+              <a:t>r</a:t>
+            </a:r>
+            <a:r>
+              <a:rPr lang="zh-CN" altLang="en-US" dirty="0"/>
+              <a:t>，然后在</a:t>
+            </a:r>
+            <a:r>
+              <a:rPr lang="en-US" altLang="zh-CN" dirty="0"/>
+              <a:t>r~0.2r</a:t>
+            </a:r>
+            <a:r>
+              <a:rPr lang="zh-CN" altLang="en-US" dirty="0"/>
+              <a:t>范围内（十等份均分），对不同密集程度的点云进行</a:t>
+            </a:r>
+            <a:r>
+              <a:rPr lang="en-US" altLang="zh-CN" dirty="0"/>
+              <a:t>multi-scale feature</a:t>
+            </a:r>
+            <a:r>
+              <a:rPr lang="zh-CN" altLang="en-US" dirty="0"/>
+              <a:t>的计算</a:t>
+            </a:r>
+            <a:endParaRPr lang="en-US" altLang="zh-CN" dirty="0"/>
+          </a:p>
+          <a:p>
+            <a:r>
+              <a:rPr lang="zh-CN" altLang="en-US" dirty="0"/>
+              <a:t>我认为这种基于经验的方法，对于某些密集程度变化很大的区域可能不适用，也许考虑通过语义分割加入约束和预测，来衡量每个区域点云分割的粒度</a:t>
+            </a:r>
+          </a:p>
+        </p:txBody>
+      </p:sp>
+      <p:pic>
+        <p:nvPicPr>
+          <p:cNvPr id="4" name="图片 3">
+            <a:extLst>
+              <a:ext uri="{FF2B5EF4-FFF2-40B4-BE49-F238E27FC236}">
+                <a16:creationId xmlns:a16="http://schemas.microsoft.com/office/drawing/2014/main" id="{DE40CE93-4BA4-90A1-A0DA-15A8961BAA96}"/>
+              </a:ext>
+            </a:extLst>
+          </p:cNvPr>
+          <p:cNvPicPr>
+            <a:picLocks noChangeAspect="1"/>
+          </p:cNvPicPr>
+          <p:nvPr/>
+        </p:nvPicPr>
+        <p:blipFill>
+          <a:blip r:embed="rId2"/>
+          <a:stretch>
+            <a:fillRect/>
+          </a:stretch>
+        </p:blipFill>
+        <p:spPr>
+          <a:xfrm>
+            <a:off x="635481" y="290926"/>
+            <a:ext cx="10800578" cy="3267282"/>
+          </a:xfrm>
+          <a:prstGeom prst="rect">
+            <a:avLst/>
+          </a:prstGeom>
+        </p:spPr>
+      </p:pic>
+    </p:spTree>
+    <p:extLst>
+      <p:ext uri="{BB962C8B-B14F-4D97-AF65-F5344CB8AC3E}">
+        <p14:creationId xmlns:p14="http://schemas.microsoft.com/office/powerpoint/2010/main" val="4074132150"/>
+      </p:ext>
+    </p:extLst>
+  </p:cSld>
+  <p:clrMapOvr>
+    <a:masterClrMapping/>
+  </p:clrMapOvr>
+</p:sld>
+</file>
+
+<file path=ppt/slides/slide13.xml><?xml version="1.0" encoding="utf-8"?>
+<p:sld xmlns:a="http://schemas.openxmlformats.org/drawingml/2006/main" xmlns:r="http://schemas.openxmlformats.org/officeDocument/2006/relationships" xmlns:p="http://schemas.openxmlformats.org/presentationml/2006/main">
+  <p:cSld>
+    <p:spTree>
+      <p:nvGrpSpPr>
+        <p:cNvPr id="1" name=""/>
+        <p:cNvGrpSpPr/>
+        <p:nvPr/>
+      </p:nvGrpSpPr>
+      <p:grpSpPr>
+        <a:xfrm>
+          <a:off x="0" y="0"/>
+          <a:ext cx="0" cy="0"/>
+          <a:chOff x="0" y="0"/>
+          <a:chExt cx="0" cy="0"/>
+        </a:xfrm>
+      </p:grpSpPr>
+      <p:pic>
+        <p:nvPicPr>
+          <p:cNvPr id="4" name="Picture 2">
+            <a:extLst>
+              <a:ext uri="{FF2B5EF4-FFF2-40B4-BE49-F238E27FC236}">
+                <a16:creationId xmlns:a16="http://schemas.microsoft.com/office/drawing/2014/main" id="{6B38E841-DE07-8DC3-A033-FA583AC0FF23}"/>
+              </a:ext>
+            </a:extLst>
+          </p:cNvPr>
+          <p:cNvPicPr>
+            <a:picLocks noChangeAspect="1" noChangeArrowheads="1"/>
+          </p:cNvPicPr>
+          <p:nvPr/>
+        </p:nvPicPr>
+        <p:blipFill>
+          <a:blip r:embed="rId2">
+            <a:extLst>
+              <a:ext uri="{28A0092B-C50C-407E-A947-70E740481C1C}">
+                <a14:useLocalDpi xmlns:a14="http://schemas.microsoft.com/office/drawing/2010/main" val="0"/>
+              </a:ext>
+            </a:extLst>
+          </a:blip>
+          <a:srcRect/>
+          <a:stretch>
+            <a:fillRect/>
+          </a:stretch>
+        </p:blipFill>
+        <p:spPr bwMode="auto">
+          <a:xfrm>
+            <a:off x="1333500" y="1047750"/>
+            <a:ext cx="9525000" cy="4762500"/>
+          </a:xfrm>
+          <a:prstGeom prst="rect">
+            <a:avLst/>
+          </a:prstGeom>
+          <a:noFill/>
+          <a:extLst>
+            <a:ext uri="{909E8E84-426E-40DD-AFC4-6F175D3DCCD1}">
+              <a14:hiddenFill xmlns:a14="http://schemas.microsoft.com/office/drawing/2010/main">
+                <a:solidFill>
+                  <a:srgbClr val="FFFFFF"/>
+                </a:solidFill>
+              </a14:hiddenFill>
+            </a:ext>
+          </a:extLst>
+        </p:spPr>
+      </p:pic>
+    </p:spTree>
+    <p:extLst>
+      <p:ext uri="{BB962C8B-B14F-4D97-AF65-F5344CB8AC3E}">
+        <p14:creationId xmlns:p14="http://schemas.microsoft.com/office/powerpoint/2010/main" val="932028582"/>
+      </p:ext>
+    </p:extLst>
+  </p:cSld>
+  <p:clrMapOvr>
+    <a:masterClrMapping/>
+  </p:clrMapOvr>
+</p:sld>
+</file>
+
+<file path=ppt/slides/slide14.xml><?xml version="1.0" encoding="utf-8"?>
+<p:sld xmlns:a="http://schemas.openxmlformats.org/drawingml/2006/main" xmlns:r="http://schemas.openxmlformats.org/officeDocument/2006/relationships" xmlns:p="http://schemas.openxmlformats.org/presentationml/2006/main">
+  <p:cSld>
+    <p:spTree>
+      <p:nvGrpSpPr>
+        <p:cNvPr id="1" name=""/>
+        <p:cNvGrpSpPr/>
+        <p:nvPr/>
+      </p:nvGrpSpPr>
+      <p:grpSpPr>
+        <a:xfrm>
+          <a:off x="0" y="0"/>
+          <a:ext cx="0" cy="0"/>
+          <a:chOff x="0" y="0"/>
+          <a:chExt cx="0" cy="0"/>
+        </a:xfrm>
+      </p:grpSpPr>
+      <p:sp>
+        <p:nvSpPr>
+          <p:cNvPr id="11" name="文本框 10">
+            <a:extLst>
+              <a:ext uri="{FF2B5EF4-FFF2-40B4-BE49-F238E27FC236}">
+                <a16:creationId xmlns:a16="http://schemas.microsoft.com/office/drawing/2014/main" id="{A68D943B-3432-2562-C497-369D6553C23A}"/>
+              </a:ext>
+            </a:extLst>
+          </p:cNvPr>
+          <p:cNvSpPr txBox="1"/>
+          <p:nvPr/>
+        </p:nvSpPr>
+        <p:spPr>
+          <a:xfrm>
+            <a:off x="1762538" y="1268272"/>
+            <a:ext cx="4823791" cy="369332"/>
+          </a:xfrm>
+          <a:prstGeom prst="rect">
+            <a:avLst/>
+          </a:prstGeom>
+          <a:noFill/>
+        </p:spPr>
+        <p:txBody>
+          <a:bodyPr wrap="square" rtlCol="0">
+            <a:spAutoFit/>
+          </a:bodyPr>
+          <a:lstStyle/>
+          <a:p>
+            <a:r>
+              <a:rPr lang="zh-CN" altLang="en-US" dirty="0"/>
+              <a:t>对于找到的切平面，通过</a:t>
+            </a:r>
+            <a:r>
+              <a:rPr lang="en-US" altLang="zh-CN" dirty="0"/>
+              <a:t>b</a:t>
+            </a:r>
+            <a:r>
+              <a:rPr lang="zh-CN" altLang="en-US" dirty="0"/>
+              <a:t>样条去拟合</a:t>
+            </a:r>
+          </a:p>
+        </p:txBody>
+      </p:sp>
+      <p:pic>
+        <p:nvPicPr>
+          <p:cNvPr id="3" name="图片 2">
+            <a:extLst>
+              <a:ext uri="{FF2B5EF4-FFF2-40B4-BE49-F238E27FC236}">
+                <a16:creationId xmlns:a16="http://schemas.microsoft.com/office/drawing/2014/main" id="{8A512C76-37FD-CA15-B0F9-2F96B712246C}"/>
+              </a:ext>
+            </a:extLst>
+          </p:cNvPr>
+          <p:cNvPicPr>
+            <a:picLocks noChangeAspect="1"/>
+          </p:cNvPicPr>
+          <p:nvPr/>
+        </p:nvPicPr>
+        <p:blipFill>
+          <a:blip r:embed="rId2"/>
+          <a:stretch>
+            <a:fillRect/>
+          </a:stretch>
+        </p:blipFill>
+        <p:spPr>
+          <a:xfrm>
+            <a:off x="2644429" y="2230921"/>
+            <a:ext cx="4676775" cy="2647950"/>
+          </a:xfrm>
+          <a:prstGeom prst="rect">
+            <a:avLst/>
+          </a:prstGeom>
+        </p:spPr>
+      </p:pic>
+    </p:spTree>
+    <p:extLst>
+      <p:ext uri="{BB962C8B-B14F-4D97-AF65-F5344CB8AC3E}">
+        <p14:creationId xmlns:p14="http://schemas.microsoft.com/office/powerpoint/2010/main" val="4130407847"/>
+      </p:ext>
+    </p:extLst>
+  </p:cSld>
+  <p:clrMapOvr>
+    <a:masterClrMapping/>
+  </p:clrMapOvr>
+</p:sld>
+</file>
+
+<file path=ppt/slides/slide15.xml><?xml version="1.0" encoding="utf-8"?>
+<p:sld xmlns:a="http://schemas.openxmlformats.org/drawingml/2006/main" xmlns:r="http://schemas.openxmlformats.org/officeDocument/2006/relationships" xmlns:p="http://schemas.openxmlformats.org/presentationml/2006/main">
+  <p:cSld>
+    <p:spTree>
+      <p:nvGrpSpPr>
+        <p:cNvPr id="1" name=""/>
+        <p:cNvGrpSpPr/>
+        <p:nvPr/>
+      </p:nvGrpSpPr>
+      <p:grpSpPr>
+        <a:xfrm>
+          <a:off x="0" y="0"/>
+          <a:ext cx="0" cy="0"/>
+          <a:chOff x="0" y="0"/>
+          <a:chExt cx="0" cy="0"/>
+        </a:xfrm>
+      </p:grpSpPr>
+      <p:pic>
+        <p:nvPicPr>
+          <p:cNvPr id="20" name="图片 19">
+            <a:extLst>
+              <a:ext uri="{FF2B5EF4-FFF2-40B4-BE49-F238E27FC236}">
+                <a16:creationId xmlns:a16="http://schemas.microsoft.com/office/drawing/2014/main" id="{D827F74E-01BF-D356-71D2-79E530228534}"/>
+              </a:ext>
+            </a:extLst>
+          </p:cNvPr>
+          <p:cNvPicPr>
+            <a:picLocks noChangeAspect="1"/>
+          </p:cNvPicPr>
+          <p:nvPr/>
+        </p:nvPicPr>
+        <p:blipFill>
+          <a:blip r:embed="rId2"/>
+          <a:stretch>
+            <a:fillRect/>
+          </a:stretch>
+        </p:blipFill>
+        <p:spPr>
+          <a:xfrm>
+            <a:off x="5421853" y="1395267"/>
+            <a:ext cx="2808002" cy="1806228"/>
+          </a:xfrm>
+          <a:prstGeom prst="rect">
+            <a:avLst/>
+          </a:prstGeom>
+        </p:spPr>
+      </p:pic>
+      <p:pic>
+        <p:nvPicPr>
+          <p:cNvPr id="7" name="图片 6">
+            <a:extLst>
+              <a:ext uri="{FF2B5EF4-FFF2-40B4-BE49-F238E27FC236}">
+                <a16:creationId xmlns:a16="http://schemas.microsoft.com/office/drawing/2014/main" id="{286B24F2-123B-E46B-3873-BB78571D6C0E}"/>
+              </a:ext>
+            </a:extLst>
+          </p:cNvPr>
+          <p:cNvPicPr>
+            <a:picLocks noChangeAspect="1"/>
+          </p:cNvPicPr>
+          <p:nvPr/>
+        </p:nvPicPr>
+        <p:blipFill>
+          <a:blip r:embed="rId3"/>
+          <a:stretch>
+            <a:fillRect/>
+          </a:stretch>
+        </p:blipFill>
+        <p:spPr>
+          <a:xfrm>
+            <a:off x="1892409" y="1341655"/>
+            <a:ext cx="1698272" cy="1662309"/>
+          </a:xfrm>
+          <a:prstGeom prst="rect">
+            <a:avLst/>
+          </a:prstGeom>
+        </p:spPr>
+      </p:pic>
+      <p:pic>
+        <p:nvPicPr>
+          <p:cNvPr id="9" name="图片 8">
+            <a:extLst>
+              <a:ext uri="{FF2B5EF4-FFF2-40B4-BE49-F238E27FC236}">
+                <a16:creationId xmlns:a16="http://schemas.microsoft.com/office/drawing/2014/main" id="{75251C20-9EBD-28E5-8600-264734FB1993}"/>
+              </a:ext>
+            </a:extLst>
+          </p:cNvPr>
+          <p:cNvPicPr>
+            <a:picLocks noChangeAspect="1"/>
+          </p:cNvPicPr>
+          <p:nvPr/>
+        </p:nvPicPr>
+        <p:blipFill>
+          <a:blip r:embed="rId4"/>
+          <a:stretch>
+            <a:fillRect/>
+          </a:stretch>
+        </p:blipFill>
+        <p:spPr>
+          <a:xfrm>
+            <a:off x="9152940" y="977031"/>
+            <a:ext cx="1912684" cy="1484790"/>
+          </a:xfrm>
+          <a:prstGeom prst="rect">
+            <a:avLst/>
+          </a:prstGeom>
+        </p:spPr>
+      </p:pic>
+      <p:pic>
+        <p:nvPicPr>
+          <p:cNvPr id="12" name="图片 11">
+            <a:extLst>
+              <a:ext uri="{FF2B5EF4-FFF2-40B4-BE49-F238E27FC236}">
+                <a16:creationId xmlns:a16="http://schemas.microsoft.com/office/drawing/2014/main" id="{9A6ACC52-71BE-EF92-6085-F4CAFDA4B08F}"/>
+              </a:ext>
+            </a:extLst>
+          </p:cNvPr>
+          <p:cNvPicPr>
+            <a:picLocks noChangeAspect="1"/>
+          </p:cNvPicPr>
+          <p:nvPr/>
+        </p:nvPicPr>
+        <p:blipFill>
+          <a:blip r:embed="rId5"/>
+          <a:stretch>
+            <a:fillRect/>
+          </a:stretch>
+        </p:blipFill>
+        <p:spPr>
+          <a:xfrm>
+            <a:off x="5500690" y="4554642"/>
+            <a:ext cx="1727422" cy="1501826"/>
+          </a:xfrm>
+          <a:prstGeom prst="rect">
+            <a:avLst/>
+          </a:prstGeom>
+        </p:spPr>
+      </p:pic>
+      <p:sp>
+        <p:nvSpPr>
+          <p:cNvPr id="16" name="文本框 15">
+            <a:extLst>
+              <a:ext uri="{FF2B5EF4-FFF2-40B4-BE49-F238E27FC236}">
+                <a16:creationId xmlns:a16="http://schemas.microsoft.com/office/drawing/2014/main" id="{8396EDF1-7657-CBD4-A69C-57F87236DDED}"/>
+              </a:ext>
+            </a:extLst>
+          </p:cNvPr>
+          <p:cNvSpPr txBox="1"/>
+          <p:nvPr/>
+        </p:nvSpPr>
+        <p:spPr>
+          <a:xfrm>
+            <a:off x="2132280" y="1003101"/>
+            <a:ext cx="1218529" cy="338554"/>
+          </a:xfrm>
+          <a:prstGeom prst="rect">
+            <a:avLst/>
+          </a:prstGeom>
+          <a:noFill/>
+        </p:spPr>
+        <p:txBody>
+          <a:bodyPr wrap="square" rtlCol="0">
+            <a:spAutoFit/>
+          </a:bodyPr>
+          <a:lstStyle/>
+          <a:p>
+            <a:r>
+              <a:rPr lang="en-US" altLang="zh-CN" sz="1600" dirty="0">
+                <a:latin typeface="Arial" panose="020B0604020202020204" pitchFamily="34" charset="0"/>
+                <a:cs typeface="Arial" panose="020B0604020202020204" pitchFamily="34" charset="0"/>
+              </a:rPr>
+              <a:t>subspace1</a:t>
+            </a:r>
+            <a:endParaRPr lang="zh-CN" altLang="en-US" sz="1600" dirty="0">
+              <a:latin typeface="Arial" panose="020B0604020202020204" pitchFamily="34" charset="0"/>
+              <a:cs typeface="Arial" panose="020B0604020202020204" pitchFamily="34" charset="0"/>
+            </a:endParaRPr>
+          </a:p>
+        </p:txBody>
+      </p:sp>
+      <p:sp>
+        <p:nvSpPr>
+          <p:cNvPr id="17" name="文本框 16">
+            <a:extLst>
+              <a:ext uri="{FF2B5EF4-FFF2-40B4-BE49-F238E27FC236}">
+                <a16:creationId xmlns:a16="http://schemas.microsoft.com/office/drawing/2014/main" id="{B848764C-418B-5E31-7979-683F702C92F5}"/>
+              </a:ext>
+            </a:extLst>
+          </p:cNvPr>
+          <p:cNvSpPr txBox="1"/>
+          <p:nvPr/>
+        </p:nvSpPr>
+        <p:spPr>
+          <a:xfrm>
+            <a:off x="5772348" y="6119494"/>
+            <a:ext cx="1218529" cy="338554"/>
+          </a:xfrm>
+          <a:prstGeom prst="rect">
+            <a:avLst/>
+          </a:prstGeom>
+          <a:noFill/>
+        </p:spPr>
+        <p:txBody>
+          <a:bodyPr wrap="square" rtlCol="0">
+            <a:spAutoFit/>
+          </a:bodyPr>
+          <a:lstStyle/>
+          <a:p>
+            <a:r>
+              <a:rPr lang="en-US" altLang="zh-CN" sz="1600" dirty="0">
+                <a:latin typeface="Arial" panose="020B0604020202020204" pitchFamily="34" charset="0"/>
+                <a:cs typeface="Arial" panose="020B0604020202020204" pitchFamily="34" charset="0"/>
+              </a:rPr>
+              <a:t>subspace2</a:t>
+            </a:r>
+            <a:endParaRPr lang="zh-CN" altLang="en-US" sz="1600" dirty="0">
+              <a:latin typeface="Arial" panose="020B0604020202020204" pitchFamily="34" charset="0"/>
+              <a:cs typeface="Arial" panose="020B0604020202020204" pitchFamily="34" charset="0"/>
+            </a:endParaRPr>
+          </a:p>
+        </p:txBody>
+      </p:sp>
+      <p:sp>
+        <p:nvSpPr>
+          <p:cNvPr id="18" name="文本框 17">
+            <a:extLst>
+              <a:ext uri="{FF2B5EF4-FFF2-40B4-BE49-F238E27FC236}">
+                <a16:creationId xmlns:a16="http://schemas.microsoft.com/office/drawing/2014/main" id="{B7B65A8F-BE19-26E8-5965-15BE05DB8F5B}"/>
+              </a:ext>
+            </a:extLst>
+          </p:cNvPr>
+          <p:cNvSpPr txBox="1"/>
+          <p:nvPr/>
+        </p:nvSpPr>
+        <p:spPr>
+          <a:xfrm>
+            <a:off x="9405977" y="638477"/>
+            <a:ext cx="1218529" cy="338554"/>
+          </a:xfrm>
+          <a:prstGeom prst="rect">
+            <a:avLst/>
+          </a:prstGeom>
+          <a:noFill/>
+        </p:spPr>
+        <p:txBody>
+          <a:bodyPr wrap="square" rtlCol="0">
+            <a:spAutoFit/>
+          </a:bodyPr>
+          <a:lstStyle/>
+          <a:p>
+            <a:r>
+              <a:rPr lang="en-US" altLang="zh-CN" sz="1600" dirty="0">
+                <a:latin typeface="Arial" panose="020B0604020202020204" pitchFamily="34" charset="0"/>
+                <a:cs typeface="Arial" panose="020B0604020202020204" pitchFamily="34" charset="0"/>
+              </a:rPr>
+              <a:t>subspace3</a:t>
+            </a:r>
+            <a:endParaRPr lang="zh-CN" altLang="en-US" sz="1600" dirty="0">
+              <a:latin typeface="Arial" panose="020B0604020202020204" pitchFamily="34" charset="0"/>
+              <a:cs typeface="Arial" panose="020B0604020202020204" pitchFamily="34" charset="0"/>
+            </a:endParaRPr>
+          </a:p>
+        </p:txBody>
+      </p:sp>
+      <p:pic>
+        <p:nvPicPr>
+          <p:cNvPr id="1030" name="Picture 6" descr="  Png图标">
+            <a:extLst>
+              <a:ext uri="{FF2B5EF4-FFF2-40B4-BE49-F238E27FC236}">
+                <a16:creationId xmlns:a16="http://schemas.microsoft.com/office/drawing/2014/main" id="{C39BDE22-240C-B22E-3512-5A5C747DCE3F}"/>
+              </a:ext>
+            </a:extLst>
+          </p:cNvPr>
+          <p:cNvPicPr>
+            <a:picLocks noChangeAspect="1" noChangeArrowheads="1"/>
+          </p:cNvPicPr>
+          <p:nvPr/>
+        </p:nvPicPr>
+        <p:blipFill>
+          <a:blip r:embed="rId6">
+            <a:extLst>
+              <a:ext uri="{28A0092B-C50C-407E-A947-70E740481C1C}">
+                <a14:useLocalDpi xmlns:a14="http://schemas.microsoft.com/office/drawing/2010/main" val="0"/>
+              </a:ext>
+            </a:extLst>
+          </a:blip>
+          <a:srcRect/>
+          <a:stretch>
+            <a:fillRect/>
+          </a:stretch>
+        </p:blipFill>
+        <p:spPr bwMode="auto">
+          <a:xfrm>
+            <a:off x="1997940" y="1941248"/>
+            <a:ext cx="1020833" cy="1020833"/>
+          </a:xfrm>
+          <a:prstGeom prst="rect">
+            <a:avLst/>
+          </a:prstGeom>
+          <a:noFill/>
+          <a:extLst>
+            <a:ext uri="{909E8E84-426E-40DD-AFC4-6F175D3DCCD1}">
+              <a14:hiddenFill xmlns:a14="http://schemas.microsoft.com/office/drawing/2010/main">
+                <a:solidFill>
+                  <a:srgbClr val="FFFFFF"/>
+                </a:solidFill>
+              </a14:hiddenFill>
+            </a:ext>
+          </a:extLst>
+        </p:spPr>
+      </p:pic>
+      <p:pic>
+        <p:nvPicPr>
+          <p:cNvPr id="21" name="Picture 6" descr="  Png图标">
+            <a:extLst>
+              <a:ext uri="{FF2B5EF4-FFF2-40B4-BE49-F238E27FC236}">
+                <a16:creationId xmlns:a16="http://schemas.microsoft.com/office/drawing/2014/main" id="{4ABC6E24-48E0-DF78-7D0C-E8AF993AEDAD}"/>
+              </a:ext>
+            </a:extLst>
+          </p:cNvPr>
+          <p:cNvPicPr>
+            <a:picLocks noChangeAspect="1" noChangeArrowheads="1"/>
+          </p:cNvPicPr>
+          <p:nvPr/>
+        </p:nvPicPr>
+        <p:blipFill>
+          <a:blip r:embed="rId6">
+            <a:extLst>
+              <a:ext uri="{28A0092B-C50C-407E-A947-70E740481C1C}">
+                <a14:useLocalDpi xmlns:a14="http://schemas.microsoft.com/office/drawing/2010/main" val="0"/>
+              </a:ext>
+            </a:extLst>
+          </a:blip>
+          <a:srcRect/>
+          <a:stretch>
+            <a:fillRect/>
+          </a:stretch>
+        </p:blipFill>
+        <p:spPr bwMode="auto">
+          <a:xfrm>
+            <a:off x="5591110" y="5068297"/>
+            <a:ext cx="1020833" cy="1020833"/>
+          </a:xfrm>
+          <a:prstGeom prst="rect">
+            <a:avLst/>
+          </a:prstGeom>
+          <a:noFill/>
+          <a:extLst>
+            <a:ext uri="{909E8E84-426E-40DD-AFC4-6F175D3DCCD1}">
+              <a14:hiddenFill xmlns:a14="http://schemas.microsoft.com/office/drawing/2010/main">
+                <a:solidFill>
+                  <a:srgbClr val="FFFFFF"/>
+                </a:solidFill>
+              </a14:hiddenFill>
+            </a:ext>
+          </a:extLst>
+        </p:spPr>
+      </p:pic>
+      <p:pic>
+        <p:nvPicPr>
+          <p:cNvPr id="22" name="Picture 6" descr="  Png图标">
+            <a:extLst>
+              <a:ext uri="{FF2B5EF4-FFF2-40B4-BE49-F238E27FC236}">
+                <a16:creationId xmlns:a16="http://schemas.microsoft.com/office/drawing/2014/main" id="{0AF0591B-4A0F-57B7-230C-8B2BA0A2B2A6}"/>
+              </a:ext>
+            </a:extLst>
+          </p:cNvPr>
+          <p:cNvPicPr>
+            <a:picLocks noChangeAspect="1" noChangeArrowheads="1"/>
+          </p:cNvPicPr>
+          <p:nvPr/>
+        </p:nvPicPr>
+        <p:blipFill>
+          <a:blip r:embed="rId6">
+            <a:extLst>
+              <a:ext uri="{28A0092B-C50C-407E-A947-70E740481C1C}">
+                <a14:useLocalDpi xmlns:a14="http://schemas.microsoft.com/office/drawing/2010/main" val="0"/>
+              </a:ext>
+            </a:extLst>
+          </a:blip>
+          <a:srcRect/>
+          <a:stretch>
+            <a:fillRect/>
+          </a:stretch>
+        </p:blipFill>
+        <p:spPr bwMode="auto">
+          <a:xfrm>
+            <a:off x="9327754" y="1440988"/>
+            <a:ext cx="1020833" cy="1020833"/>
+          </a:xfrm>
+          <a:prstGeom prst="rect">
+            <a:avLst/>
+          </a:prstGeom>
+          <a:noFill/>
+          <a:extLst>
+            <a:ext uri="{909E8E84-426E-40DD-AFC4-6F175D3DCCD1}">
+              <a14:hiddenFill xmlns:a14="http://schemas.microsoft.com/office/drawing/2010/main">
+                <a:solidFill>
+                  <a:srgbClr val="FFFFFF"/>
+                </a:solidFill>
+              </a14:hiddenFill>
+            </a:ext>
+          </a:extLst>
+        </p:spPr>
+      </p:pic>
+      <p:pic>
+        <p:nvPicPr>
+          <p:cNvPr id="1032" name="Picture 8" descr="  Png图标">
+            <a:extLst>
+              <a:ext uri="{FF2B5EF4-FFF2-40B4-BE49-F238E27FC236}">
+                <a16:creationId xmlns:a16="http://schemas.microsoft.com/office/drawing/2014/main" id="{59E4CAAE-9AB4-7C57-D6A6-729F894A0D3A}"/>
+              </a:ext>
+            </a:extLst>
+          </p:cNvPr>
+          <p:cNvPicPr>
+            <a:picLocks noChangeAspect="1" noChangeArrowheads="1"/>
+          </p:cNvPicPr>
+          <p:nvPr/>
+        </p:nvPicPr>
+        <p:blipFill>
+          <a:blip r:embed="rId7">
+            <a:extLst>
+              <a:ext uri="{28A0092B-C50C-407E-A947-70E740481C1C}">
+                <a14:useLocalDpi xmlns:a14="http://schemas.microsoft.com/office/drawing/2010/main" val="0"/>
+              </a:ext>
+            </a:extLst>
+          </a:blip>
+          <a:srcRect/>
+          <a:stretch>
+            <a:fillRect/>
+          </a:stretch>
+        </p:blipFill>
+        <p:spPr bwMode="auto">
+          <a:xfrm>
+            <a:off x="6008912" y="1742881"/>
+            <a:ext cx="1219200" cy="1219200"/>
+          </a:xfrm>
+          <a:prstGeom prst="rect">
+            <a:avLst/>
+          </a:prstGeom>
+          <a:noFill/>
+          <a:extLst>
+            <a:ext uri="{909E8E84-426E-40DD-AFC4-6F175D3DCCD1}">
+              <a14:hiddenFill xmlns:a14="http://schemas.microsoft.com/office/drawing/2010/main">
+                <a:solidFill>
+                  <a:srgbClr val="FFFFFF"/>
+                </a:solidFill>
+              </a14:hiddenFill>
+            </a:ext>
+          </a:extLst>
+        </p:spPr>
+      </p:pic>
+      <p:cxnSp>
+        <p:nvCxnSpPr>
+          <p:cNvPr id="24" name="直接箭头连接符 23">
+            <a:extLst>
+              <a:ext uri="{FF2B5EF4-FFF2-40B4-BE49-F238E27FC236}">
+                <a16:creationId xmlns:a16="http://schemas.microsoft.com/office/drawing/2014/main" id="{FBFB1A96-542E-215C-A235-89EB55E1C802}"/>
+              </a:ext>
+            </a:extLst>
+          </p:cNvPr>
+          <p:cNvCxnSpPr>
+            <a:cxnSpLocks/>
+          </p:cNvCxnSpPr>
+          <p:nvPr/>
+        </p:nvCxnSpPr>
+        <p:spPr>
+          <a:xfrm flipH="1" flipV="1">
+            <a:off x="3124304" y="2383533"/>
+            <a:ext cx="2831822" cy="156576"/>
+          </a:xfrm>
+          <a:prstGeom prst="straightConnector1">
+            <a:avLst/>
+          </a:prstGeom>
+          <a:ln w="19050">
+            <a:solidFill>
+              <a:schemeClr val="tx1">
+                <a:lumMod val="95000"/>
+                <a:lumOff val="5000"/>
+              </a:schemeClr>
+            </a:solidFill>
+            <a:tailEnd type="triangle"/>
+          </a:ln>
+        </p:spPr>
+        <p:style>
+          <a:lnRef idx="1">
+            <a:schemeClr val="accent1"/>
+          </a:lnRef>
+          <a:fillRef idx="0">
+            <a:schemeClr val="accent1"/>
+          </a:fillRef>
+          <a:effectRef idx="0">
+            <a:schemeClr val="accent1"/>
+          </a:effectRef>
+          <a:fontRef idx="minor">
+            <a:schemeClr val="tx1"/>
+          </a:fontRef>
+        </p:style>
+      </p:cxnSp>
+      <p:cxnSp>
+        <p:nvCxnSpPr>
+          <p:cNvPr id="27" name="直接箭头连接符 26">
+            <a:extLst>
+              <a:ext uri="{FF2B5EF4-FFF2-40B4-BE49-F238E27FC236}">
+                <a16:creationId xmlns:a16="http://schemas.microsoft.com/office/drawing/2014/main" id="{D0FD875B-5256-CB05-95FC-2593C58732DF}"/>
+              </a:ext>
+            </a:extLst>
+          </p:cNvPr>
+          <p:cNvCxnSpPr>
+            <a:cxnSpLocks/>
+          </p:cNvCxnSpPr>
+          <p:nvPr/>
+        </p:nvCxnSpPr>
+        <p:spPr>
+          <a:xfrm flipH="1">
+            <a:off x="6096000" y="2962081"/>
+            <a:ext cx="169102" cy="2286324"/>
+          </a:xfrm>
+          <a:prstGeom prst="straightConnector1">
+            <a:avLst/>
+          </a:prstGeom>
+          <a:ln w="19050">
+            <a:solidFill>
+              <a:schemeClr val="tx1">
+                <a:lumMod val="95000"/>
+                <a:lumOff val="5000"/>
+              </a:schemeClr>
+            </a:solidFill>
+            <a:tailEnd type="triangle"/>
+          </a:ln>
+        </p:spPr>
+        <p:style>
+          <a:lnRef idx="1">
+            <a:schemeClr val="accent1"/>
+          </a:lnRef>
+          <a:fillRef idx="0">
+            <a:schemeClr val="accent1"/>
+          </a:fillRef>
+          <a:effectRef idx="0">
+            <a:schemeClr val="accent1"/>
+          </a:effectRef>
+          <a:fontRef idx="minor">
+            <a:schemeClr val="tx1"/>
+          </a:fontRef>
+        </p:style>
+      </p:cxnSp>
+      <p:cxnSp>
+        <p:nvCxnSpPr>
+          <p:cNvPr id="29" name="直接箭头连接符 28">
+            <a:extLst>
+              <a:ext uri="{FF2B5EF4-FFF2-40B4-BE49-F238E27FC236}">
+                <a16:creationId xmlns:a16="http://schemas.microsoft.com/office/drawing/2014/main" id="{4313D2AA-C02D-847D-9CCE-5AB49E507DCB}"/>
+              </a:ext>
+            </a:extLst>
+          </p:cNvPr>
+          <p:cNvCxnSpPr>
+            <a:cxnSpLocks/>
+          </p:cNvCxnSpPr>
+          <p:nvPr/>
+        </p:nvCxnSpPr>
+        <p:spPr>
+          <a:xfrm flipV="1">
+            <a:off x="7228112" y="2135688"/>
+            <a:ext cx="2177865" cy="326133"/>
+          </a:xfrm>
+          <a:prstGeom prst="straightConnector1">
+            <a:avLst/>
+          </a:prstGeom>
+          <a:ln w="19050">
+            <a:solidFill>
+              <a:schemeClr val="tx1">
+                <a:lumMod val="95000"/>
+                <a:lumOff val="5000"/>
+              </a:schemeClr>
+            </a:solidFill>
+            <a:tailEnd type="triangle"/>
+          </a:ln>
+        </p:spPr>
+        <p:style>
+          <a:lnRef idx="1">
+            <a:schemeClr val="accent1"/>
+          </a:lnRef>
+          <a:fillRef idx="0">
+            <a:schemeClr val="accent1"/>
+          </a:fillRef>
+          <a:effectRef idx="0">
+            <a:schemeClr val="accent1"/>
+          </a:effectRef>
+          <a:fontRef idx="minor">
+            <a:schemeClr val="tx1"/>
+          </a:fontRef>
+        </p:style>
+      </p:cxnSp>
+      <p:cxnSp>
+        <p:nvCxnSpPr>
+          <p:cNvPr id="32" name="直接箭头连接符 31">
+            <a:extLst>
+              <a:ext uri="{FF2B5EF4-FFF2-40B4-BE49-F238E27FC236}">
+                <a16:creationId xmlns:a16="http://schemas.microsoft.com/office/drawing/2014/main" id="{3E8EF47C-05C9-7D78-9E5D-A8C4782D8AA1}"/>
+              </a:ext>
+            </a:extLst>
+          </p:cNvPr>
+          <p:cNvCxnSpPr>
+            <a:cxnSpLocks/>
+          </p:cNvCxnSpPr>
+          <p:nvPr/>
+        </p:nvCxnSpPr>
+        <p:spPr>
+          <a:xfrm>
+            <a:off x="3175348" y="2540109"/>
+            <a:ext cx="2780778" cy="168442"/>
+          </a:xfrm>
+          <a:prstGeom prst="straightConnector1">
+            <a:avLst/>
+          </a:prstGeom>
+          <a:ln w="19050">
+            <a:solidFill>
+              <a:schemeClr val="tx1">
+                <a:lumMod val="95000"/>
+                <a:lumOff val="5000"/>
+              </a:schemeClr>
+            </a:solidFill>
+            <a:tailEnd type="triangle"/>
+          </a:ln>
+        </p:spPr>
+        <p:style>
+          <a:lnRef idx="1">
+            <a:schemeClr val="accent1"/>
+          </a:lnRef>
+          <a:fillRef idx="0">
+            <a:schemeClr val="accent1"/>
+          </a:fillRef>
+          <a:effectRef idx="0">
+            <a:schemeClr val="accent1"/>
+          </a:effectRef>
+          <a:fontRef idx="minor">
+            <a:schemeClr val="tx1"/>
+          </a:fontRef>
+        </p:style>
+      </p:cxnSp>
+      <p:sp>
+        <p:nvSpPr>
+          <p:cNvPr id="37" name="文本框 36">
+            <a:extLst>
+              <a:ext uri="{FF2B5EF4-FFF2-40B4-BE49-F238E27FC236}">
+                <a16:creationId xmlns:a16="http://schemas.microsoft.com/office/drawing/2014/main" id="{448C2A3E-AE45-A730-5E12-A5746FA3E65B}"/>
+              </a:ext>
+            </a:extLst>
+          </p:cNvPr>
+          <p:cNvSpPr txBox="1"/>
+          <p:nvPr/>
+        </p:nvSpPr>
+        <p:spPr>
+          <a:xfrm>
+            <a:off x="7878955" y="1873922"/>
+            <a:ext cx="1545403" cy="307777"/>
+          </a:xfrm>
+          <a:prstGeom prst="rect">
+            <a:avLst/>
+          </a:prstGeom>
+          <a:noFill/>
+        </p:spPr>
+        <p:txBody>
+          <a:bodyPr wrap="square" rtlCol="0">
+            <a:spAutoFit/>
+          </a:bodyPr>
+          <a:lstStyle/>
+          <a:p>
+            <a:r>
+              <a:rPr lang="zh-CN" altLang="en-US" sz="1400" dirty="0">
+                <a:latin typeface="华文宋体" panose="02010600040101010101" pitchFamily="2" charset="-122"/>
+                <a:ea typeface="华文宋体" panose="02010600040101010101" pitchFamily="2" charset="-122"/>
+              </a:rPr>
+              <a:t>地图分发</a:t>
+            </a:r>
+          </a:p>
+        </p:txBody>
+      </p:sp>
+      <p:sp>
+        <p:nvSpPr>
+          <p:cNvPr id="38" name="文本框 37">
+            <a:extLst>
+              <a:ext uri="{FF2B5EF4-FFF2-40B4-BE49-F238E27FC236}">
+                <a16:creationId xmlns:a16="http://schemas.microsoft.com/office/drawing/2014/main" id="{80C8482D-4BD2-12BB-862C-1EB1DBA2623C}"/>
+              </a:ext>
+            </a:extLst>
+          </p:cNvPr>
+          <p:cNvSpPr txBox="1"/>
+          <p:nvPr/>
+        </p:nvSpPr>
+        <p:spPr>
+          <a:xfrm>
+            <a:off x="3811442" y="2671592"/>
+            <a:ext cx="1545403" cy="307777"/>
+          </a:xfrm>
+          <a:prstGeom prst="rect">
+            <a:avLst/>
+          </a:prstGeom>
+          <a:noFill/>
+        </p:spPr>
+        <p:txBody>
+          <a:bodyPr wrap="square" rtlCol="0">
+            <a:spAutoFit/>
+          </a:bodyPr>
+          <a:lstStyle/>
+          <a:p>
+            <a:r>
+              <a:rPr lang="zh-CN" altLang="en-US" sz="1400" dirty="0">
+                <a:latin typeface="华文宋体" panose="02010600040101010101" pitchFamily="2" charset="-122"/>
+                <a:ea typeface="华文宋体" panose="02010600040101010101" pitchFamily="2" charset="-122"/>
+              </a:rPr>
+              <a:t>地图更新</a:t>
+            </a:r>
+          </a:p>
+        </p:txBody>
+      </p:sp>
+      <p:sp>
+        <p:nvSpPr>
+          <p:cNvPr id="39" name="文本框 38">
+            <a:extLst>
+              <a:ext uri="{FF2B5EF4-FFF2-40B4-BE49-F238E27FC236}">
+                <a16:creationId xmlns:a16="http://schemas.microsoft.com/office/drawing/2014/main" id="{7983CDA7-206B-03A5-5078-38A83FEFB467}"/>
+              </a:ext>
+            </a:extLst>
+          </p:cNvPr>
+          <p:cNvSpPr txBox="1"/>
+          <p:nvPr/>
+        </p:nvSpPr>
+        <p:spPr>
+          <a:xfrm>
+            <a:off x="4012699" y="2162363"/>
+            <a:ext cx="1545403" cy="307777"/>
+          </a:xfrm>
+          <a:prstGeom prst="rect">
+            <a:avLst/>
+          </a:prstGeom>
+          <a:noFill/>
+        </p:spPr>
+        <p:txBody>
+          <a:bodyPr wrap="square" rtlCol="0">
+            <a:spAutoFit/>
+          </a:bodyPr>
+          <a:lstStyle/>
+          <a:p>
+            <a:r>
+              <a:rPr lang="zh-CN" altLang="en-US" sz="1400" dirty="0">
+                <a:latin typeface="华文宋体" panose="02010600040101010101" pitchFamily="2" charset="-122"/>
+                <a:ea typeface="华文宋体" panose="02010600040101010101" pitchFamily="2" charset="-122"/>
+              </a:rPr>
+              <a:t>地图分发</a:t>
+            </a:r>
+          </a:p>
+        </p:txBody>
+      </p:sp>
+      <p:cxnSp>
+        <p:nvCxnSpPr>
+          <p:cNvPr id="40" name="直接箭头连接符 39">
+            <a:extLst>
+              <a:ext uri="{FF2B5EF4-FFF2-40B4-BE49-F238E27FC236}">
+                <a16:creationId xmlns:a16="http://schemas.microsoft.com/office/drawing/2014/main" id="{A7E7B72B-1F30-65FC-F430-E1F6B555073E}"/>
+              </a:ext>
+            </a:extLst>
+          </p:cNvPr>
+          <p:cNvCxnSpPr>
+            <a:cxnSpLocks/>
+          </p:cNvCxnSpPr>
+          <p:nvPr/>
+        </p:nvCxnSpPr>
+        <p:spPr>
+          <a:xfrm flipH="1">
+            <a:off x="7255123" y="2261976"/>
+            <a:ext cx="2150854" cy="358236"/>
+          </a:xfrm>
+          <a:prstGeom prst="straightConnector1">
+            <a:avLst/>
+          </a:prstGeom>
+          <a:ln w="19050">
+            <a:solidFill>
+              <a:schemeClr val="tx1">
+                <a:lumMod val="95000"/>
+                <a:lumOff val="5000"/>
+              </a:schemeClr>
+            </a:solidFill>
+            <a:tailEnd type="triangle"/>
+          </a:ln>
+        </p:spPr>
+        <p:style>
+          <a:lnRef idx="1">
+            <a:schemeClr val="accent1"/>
+          </a:lnRef>
+          <a:fillRef idx="0">
+            <a:schemeClr val="accent1"/>
+          </a:fillRef>
+          <a:effectRef idx="0">
+            <a:schemeClr val="accent1"/>
+          </a:effectRef>
+          <a:fontRef idx="minor">
+            <a:schemeClr val="tx1"/>
+          </a:fontRef>
+        </p:style>
+      </p:cxnSp>
+      <p:sp>
+        <p:nvSpPr>
+          <p:cNvPr id="43" name="文本框 42">
+            <a:extLst>
+              <a:ext uri="{FF2B5EF4-FFF2-40B4-BE49-F238E27FC236}">
+                <a16:creationId xmlns:a16="http://schemas.microsoft.com/office/drawing/2014/main" id="{B6D88737-5984-A58A-B00B-16D91067AB47}"/>
+              </a:ext>
+            </a:extLst>
+          </p:cNvPr>
+          <p:cNvSpPr txBox="1"/>
+          <p:nvPr/>
+        </p:nvSpPr>
+        <p:spPr>
+          <a:xfrm>
+            <a:off x="8044212" y="2517703"/>
+            <a:ext cx="1545403" cy="307777"/>
+          </a:xfrm>
+          <a:prstGeom prst="rect">
+            <a:avLst/>
+          </a:prstGeom>
+          <a:noFill/>
+        </p:spPr>
+        <p:txBody>
+          <a:bodyPr wrap="square" rtlCol="0">
+            <a:spAutoFit/>
+          </a:bodyPr>
+          <a:lstStyle/>
+          <a:p>
+            <a:r>
+              <a:rPr lang="zh-CN" altLang="en-US" sz="1400" dirty="0">
+                <a:latin typeface="华文宋体" panose="02010600040101010101" pitchFamily="2" charset="-122"/>
+                <a:ea typeface="华文宋体" panose="02010600040101010101" pitchFamily="2" charset="-122"/>
+              </a:rPr>
+              <a:t>地图更新</a:t>
+            </a:r>
+          </a:p>
+        </p:txBody>
+      </p:sp>
+      <p:cxnSp>
+        <p:nvCxnSpPr>
+          <p:cNvPr id="44" name="直接箭头连接符 43">
+            <a:extLst>
+              <a:ext uri="{FF2B5EF4-FFF2-40B4-BE49-F238E27FC236}">
+                <a16:creationId xmlns:a16="http://schemas.microsoft.com/office/drawing/2014/main" id="{41CE1E9A-E1E4-97F1-3400-405AF92741CB}"/>
+              </a:ext>
+            </a:extLst>
+          </p:cNvPr>
+          <p:cNvCxnSpPr>
+            <a:cxnSpLocks/>
+          </p:cNvCxnSpPr>
+          <p:nvPr/>
+        </p:nvCxnSpPr>
+        <p:spPr>
+          <a:xfrm flipV="1">
+            <a:off x="6200374" y="2932474"/>
+            <a:ext cx="181239" cy="2247038"/>
+          </a:xfrm>
+          <a:prstGeom prst="straightConnector1">
+            <a:avLst/>
+          </a:prstGeom>
+          <a:ln w="19050">
+            <a:solidFill>
+              <a:schemeClr val="tx1">
+                <a:lumMod val="95000"/>
+                <a:lumOff val="5000"/>
+              </a:schemeClr>
+            </a:solidFill>
+            <a:tailEnd type="triangle"/>
+          </a:ln>
+        </p:spPr>
+        <p:style>
+          <a:lnRef idx="1">
+            <a:schemeClr val="accent1"/>
+          </a:lnRef>
+          <a:fillRef idx="0">
+            <a:schemeClr val="accent1"/>
+          </a:fillRef>
+          <a:effectRef idx="0">
+            <a:schemeClr val="accent1"/>
+          </a:effectRef>
+          <a:fontRef idx="minor">
+            <a:schemeClr val="tx1"/>
+          </a:fontRef>
+        </p:style>
+      </p:cxnSp>
+      <p:sp>
+        <p:nvSpPr>
+          <p:cNvPr id="47" name="文本框 46">
+            <a:extLst>
+              <a:ext uri="{FF2B5EF4-FFF2-40B4-BE49-F238E27FC236}">
+                <a16:creationId xmlns:a16="http://schemas.microsoft.com/office/drawing/2014/main" id="{3E1A81A4-8B2C-E726-0321-BC7AB950EC49}"/>
+              </a:ext>
+            </a:extLst>
+          </p:cNvPr>
+          <p:cNvSpPr txBox="1"/>
+          <p:nvPr/>
+        </p:nvSpPr>
+        <p:spPr>
+          <a:xfrm>
+            <a:off x="5236210" y="3549109"/>
+            <a:ext cx="1545403" cy="307777"/>
+          </a:xfrm>
+          <a:prstGeom prst="rect">
+            <a:avLst/>
+          </a:prstGeom>
+          <a:noFill/>
+        </p:spPr>
+        <p:txBody>
+          <a:bodyPr wrap="square" rtlCol="0">
+            <a:spAutoFit/>
+          </a:bodyPr>
+          <a:lstStyle/>
+          <a:p>
+            <a:r>
+              <a:rPr lang="zh-CN" altLang="en-US" sz="1400" dirty="0">
+                <a:latin typeface="华文宋体" panose="02010600040101010101" pitchFamily="2" charset="-122"/>
+                <a:ea typeface="华文宋体" panose="02010600040101010101" pitchFamily="2" charset="-122"/>
+              </a:rPr>
+              <a:t>地图分发</a:t>
+            </a:r>
+          </a:p>
+        </p:txBody>
+      </p:sp>
+      <p:sp>
+        <p:nvSpPr>
+          <p:cNvPr id="48" name="文本框 47">
+            <a:extLst>
+              <a:ext uri="{FF2B5EF4-FFF2-40B4-BE49-F238E27FC236}">
+                <a16:creationId xmlns:a16="http://schemas.microsoft.com/office/drawing/2014/main" id="{77DF1852-9868-B4EF-6085-2980D2152B86}"/>
+              </a:ext>
+            </a:extLst>
+          </p:cNvPr>
+          <p:cNvSpPr txBox="1"/>
+          <p:nvPr/>
+        </p:nvSpPr>
+        <p:spPr>
+          <a:xfrm>
+            <a:off x="6573075" y="3516447"/>
+            <a:ext cx="1545403" cy="307777"/>
+          </a:xfrm>
+          <a:prstGeom prst="rect">
+            <a:avLst/>
+          </a:prstGeom>
+          <a:noFill/>
+        </p:spPr>
+        <p:txBody>
+          <a:bodyPr wrap="square" rtlCol="0">
+            <a:spAutoFit/>
+          </a:bodyPr>
+          <a:lstStyle/>
+          <a:p>
+            <a:r>
+              <a:rPr lang="zh-CN" altLang="en-US" sz="1400" dirty="0">
+                <a:latin typeface="华文宋体" panose="02010600040101010101" pitchFamily="2" charset="-122"/>
+                <a:ea typeface="华文宋体" panose="02010600040101010101" pitchFamily="2" charset="-122"/>
+              </a:rPr>
+              <a:t>地图更新</a:t>
+            </a:r>
+          </a:p>
+        </p:txBody>
+      </p:sp>
+    </p:spTree>
+    <p:extLst>
+      <p:ext uri="{BB962C8B-B14F-4D97-AF65-F5344CB8AC3E}">
+        <p14:creationId xmlns:p14="http://schemas.microsoft.com/office/powerpoint/2010/main" val="3186094019"/>
+      </p:ext>
+    </p:extLst>
+  </p:cSld>
+  <p:clrMapOvr>
+    <a:masterClrMapping/>
+  </p:clrMapOvr>
+</p:sld>
+</file>
+
+<file path=ppt/slides/slide16.xml><?xml version="1.0" encoding="utf-8"?>
+<p:sld xmlns:a="http://schemas.openxmlformats.org/drawingml/2006/main" xmlns:r="http://schemas.openxmlformats.org/officeDocument/2006/relationships" xmlns:p="http://schemas.openxmlformats.org/presentationml/2006/main">
+  <p:cSld>
+    <p:spTree>
+      <p:nvGrpSpPr>
+        <p:cNvPr id="1" name=""/>
+        <p:cNvGrpSpPr/>
+        <p:nvPr/>
+      </p:nvGrpSpPr>
+      <p:grpSpPr>
+        <a:xfrm>
+          <a:off x="0" y="0"/>
+          <a:ext cx="0" cy="0"/>
+          <a:chOff x="0" y="0"/>
+          <a:chExt cx="0" cy="0"/>
+        </a:xfrm>
+      </p:grpSpPr>
+      <p:sp>
+        <p:nvSpPr>
+          <p:cNvPr id="4" name="AutoShape 2">
+            <a:extLst>
+              <a:ext uri="{FF2B5EF4-FFF2-40B4-BE49-F238E27FC236}">
+                <a16:creationId xmlns:a16="http://schemas.microsoft.com/office/drawing/2014/main" id="{04C98EE3-0D1B-72C2-521C-877E95DC5578}"/>
+              </a:ext>
+            </a:extLst>
+          </p:cNvPr>
+          <p:cNvSpPr>
+            <a:spLocks noChangeAspect="1" noChangeArrowheads="1"/>
+          </p:cNvSpPr>
+          <p:nvPr/>
+        </p:nvSpPr>
+        <p:spPr bwMode="auto">
+          <a:xfrm>
+            <a:off x="5943600" y="3276600"/>
+            <a:ext cx="304800" cy="304800"/>
+          </a:xfrm>
+          <a:prstGeom prst="rect">
+            <a:avLst/>
+          </a:prstGeom>
+          <a:noFill/>
+          <a:extLst>
+            <a:ext uri="{909E8E84-426E-40DD-AFC4-6F175D3DCCD1}">
+              <a14:hiddenFill xmlns:a14="http://schemas.microsoft.com/office/drawing/2010/main">
+                <a:solidFill>
+                  <a:srgbClr val="FFFFFF"/>
+                </a:solidFill>
+              </a14:hiddenFill>
+            </a:ext>
+          </a:extLst>
+        </p:spPr>
+        <p:txBody>
+          <a:bodyPr vert="horz" wrap="square" lIns="91440" tIns="45720" rIns="91440" bIns="45720" numCol="1" anchor="t" anchorCtr="0" compatLnSpc="1">
+            <a:prstTxWarp prst="textNoShape">
+              <a:avLst/>
+            </a:prstTxWarp>
+          </a:bodyPr>
+          <a:lstStyle/>
+          <a:p>
+            <a:endParaRPr lang="zh-CN" altLang="en-US"/>
+          </a:p>
+        </p:txBody>
+      </p:sp>
+      <p:pic>
+        <p:nvPicPr>
+          <p:cNvPr id="6" name="图片 5">
+            <a:extLst>
+              <a:ext uri="{FF2B5EF4-FFF2-40B4-BE49-F238E27FC236}">
+                <a16:creationId xmlns:a16="http://schemas.microsoft.com/office/drawing/2014/main" id="{5784D2D5-0D0D-2635-FDB7-0A4EE6671A51}"/>
+              </a:ext>
+            </a:extLst>
+          </p:cNvPr>
+          <p:cNvPicPr>
+            <a:picLocks noChangeAspect="1"/>
+          </p:cNvPicPr>
+          <p:nvPr/>
+        </p:nvPicPr>
+        <p:blipFill>
+          <a:blip r:embed="rId2">
+            <a:extLst>
+              <a:ext uri="{28A0092B-C50C-407E-A947-70E740481C1C}">
+                <a14:useLocalDpi xmlns:a14="http://schemas.microsoft.com/office/drawing/2010/main" val="0"/>
+              </a:ext>
+            </a:extLst>
+          </a:blip>
+          <a:stretch>
+            <a:fillRect/>
+          </a:stretch>
+        </p:blipFill>
+        <p:spPr>
+          <a:xfrm>
+            <a:off x="2031791" y="511025"/>
+            <a:ext cx="8128418" cy="5835950"/>
+          </a:xfrm>
+          <a:prstGeom prst="rect">
+            <a:avLst/>
+          </a:prstGeom>
+        </p:spPr>
+      </p:pic>
+    </p:spTree>
+    <p:extLst>
+      <p:ext uri="{BB962C8B-B14F-4D97-AF65-F5344CB8AC3E}">
+        <p14:creationId xmlns:p14="http://schemas.microsoft.com/office/powerpoint/2010/main" val="4184071968"/>
+      </p:ext>
+    </p:extLst>
+  </p:cSld>
+  <p:clrMapOvr>
+    <a:masterClrMapping/>
+  </p:clrMapOvr>
+</p:sld>
+</file>
+
+<file path=ppt/slides/slide17.xml><?xml version="1.0" encoding="utf-8"?>
+<p:sld xmlns:a="http://schemas.openxmlformats.org/drawingml/2006/main" xmlns:r="http://schemas.openxmlformats.org/officeDocument/2006/relationships" xmlns:p="http://schemas.openxmlformats.org/presentationml/2006/main">
+  <p:cSld>
+    <p:spTree>
+      <p:nvGrpSpPr>
+        <p:cNvPr id="1" name=""/>
+        <p:cNvGrpSpPr/>
+        <p:nvPr/>
+      </p:nvGrpSpPr>
+      <p:grpSpPr>
+        <a:xfrm>
+          <a:off x="0" y="0"/>
+          <a:ext cx="0" cy="0"/>
+          <a:chOff x="0" y="0"/>
+          <a:chExt cx="0" cy="0"/>
+        </a:xfrm>
+      </p:grpSpPr>
+      <p:sp>
+        <p:nvSpPr>
+          <p:cNvPr id="5" name="文本框 4">
+            <a:extLst>
+              <a:ext uri="{FF2B5EF4-FFF2-40B4-BE49-F238E27FC236}">
+                <a16:creationId xmlns:a16="http://schemas.microsoft.com/office/drawing/2014/main" id="{B07CDCA6-35C4-768D-D815-B2EFDF91AB6D}"/>
+              </a:ext>
+            </a:extLst>
+          </p:cNvPr>
+          <p:cNvSpPr txBox="1"/>
+          <p:nvPr/>
+        </p:nvSpPr>
+        <p:spPr>
+          <a:xfrm>
+            <a:off x="682485" y="149553"/>
+            <a:ext cx="9952383" cy="646331"/>
+          </a:xfrm>
+          <a:prstGeom prst="rect">
+            <a:avLst/>
+          </a:prstGeom>
+          <a:noFill/>
+        </p:spPr>
+        <p:txBody>
+          <a:bodyPr wrap="square">
+            <a:spAutoFit/>
+          </a:bodyPr>
+          <a:lstStyle/>
+          <a:p>
+            <a:r>
+              <a:rPr lang="en-US" altLang="zh-CN" dirty="0"/>
+              <a:t>TARE: A Hierarchical Framework for Efficiently Exploring Complex 3D Environment</a:t>
+            </a:r>
+          </a:p>
+          <a:p>
+            <a:r>
+              <a:rPr lang="en-US" altLang="zh-CN" dirty="0"/>
+              <a:t>			RSS 2021</a:t>
+            </a:r>
+          </a:p>
+        </p:txBody>
+      </p:sp>
+      <p:pic>
+        <p:nvPicPr>
+          <p:cNvPr id="9" name="图片 8">
+            <a:extLst>
+              <a:ext uri="{FF2B5EF4-FFF2-40B4-BE49-F238E27FC236}">
+                <a16:creationId xmlns:a16="http://schemas.microsoft.com/office/drawing/2014/main" id="{08829E32-44D3-8E56-61B6-45E5C045DFC0}"/>
+              </a:ext>
+            </a:extLst>
+          </p:cNvPr>
+          <p:cNvPicPr>
+            <a:picLocks noChangeAspect="1"/>
+          </p:cNvPicPr>
+          <p:nvPr/>
+        </p:nvPicPr>
+        <p:blipFill>
+          <a:blip r:embed="rId2"/>
+          <a:stretch>
+            <a:fillRect/>
+          </a:stretch>
+        </p:blipFill>
+        <p:spPr>
+          <a:xfrm>
+            <a:off x="1026836" y="666931"/>
+            <a:ext cx="7732851" cy="3723566"/>
+          </a:xfrm>
+          <a:prstGeom prst="rect">
+            <a:avLst/>
+          </a:prstGeom>
+        </p:spPr>
+      </p:pic>
+      <p:sp>
+        <p:nvSpPr>
+          <p:cNvPr id="10" name="文本框 9">
+            <a:extLst>
+              <a:ext uri="{FF2B5EF4-FFF2-40B4-BE49-F238E27FC236}">
+                <a16:creationId xmlns:a16="http://schemas.microsoft.com/office/drawing/2014/main" id="{D3DF5BB2-93E2-0053-86AF-493FE06D9B0E}"/>
+              </a:ext>
+            </a:extLst>
+          </p:cNvPr>
+          <p:cNvSpPr txBox="1"/>
+          <p:nvPr/>
+        </p:nvSpPr>
+        <p:spPr>
+          <a:xfrm>
+            <a:off x="1444382" y="4390497"/>
+            <a:ext cx="6897757" cy="1754326"/>
+          </a:xfrm>
+          <a:prstGeom prst="rect">
+            <a:avLst/>
+          </a:prstGeom>
+          <a:noFill/>
+        </p:spPr>
+        <p:txBody>
+          <a:bodyPr wrap="square" rtlCol="0">
+            <a:spAutoFit/>
+          </a:bodyPr>
+          <a:lstStyle/>
+          <a:p>
+            <a:r>
+              <a:rPr lang="zh-CN" altLang="en-US" dirty="0"/>
+              <a:t>选择这种</a:t>
+            </a:r>
+            <a:r>
+              <a:rPr lang="en-US" altLang="zh-CN" dirty="0"/>
+              <a:t>subspace</a:t>
+            </a:r>
+            <a:r>
+              <a:rPr lang="zh-CN" altLang="en-US" dirty="0"/>
+              <a:t>的规划方法的好处在于</a:t>
+            </a:r>
+            <a:endParaRPr lang="en-US" altLang="zh-CN" dirty="0"/>
+          </a:p>
+          <a:p>
+            <a:r>
+              <a:rPr lang="en-US" altLang="zh-CN" dirty="0"/>
+              <a:t>1.</a:t>
+            </a:r>
+            <a:r>
+              <a:rPr lang="zh-CN" altLang="en-US" dirty="0"/>
+              <a:t>我可以提前知道下一步需要请求哪个地图</a:t>
+            </a:r>
+            <a:endParaRPr lang="en-US" altLang="zh-CN" dirty="0"/>
+          </a:p>
+          <a:p>
+            <a:r>
+              <a:rPr lang="en-US" altLang="zh-CN" dirty="0"/>
+              <a:t>2.</a:t>
+            </a:r>
+            <a:r>
+              <a:rPr lang="zh-CN" altLang="en-US" dirty="0"/>
+              <a:t>同时，对服务器或本地分门别类存储地图也有帮助</a:t>
+            </a:r>
+            <a:endParaRPr lang="en-US" altLang="zh-CN" dirty="0"/>
+          </a:p>
+          <a:p>
+            <a:r>
+              <a:rPr lang="en-US" altLang="zh-CN" dirty="0"/>
+              <a:t>3.</a:t>
+            </a:r>
+            <a:r>
+              <a:rPr lang="zh-CN" altLang="en-US" dirty="0"/>
+              <a:t>并且在更新地图的时候也可以更加快速</a:t>
+            </a:r>
+            <a:endParaRPr lang="en-US" altLang="zh-CN" dirty="0"/>
+          </a:p>
+          <a:p>
+            <a:r>
+              <a:rPr lang="en-US" altLang="zh-CN" dirty="0"/>
+              <a:t>4.</a:t>
+            </a:r>
+            <a:r>
+              <a:rPr lang="zh-CN" altLang="en-US" dirty="0"/>
+              <a:t>如果服务器宕机，本地在选择性地</a:t>
+            </a:r>
+            <a:r>
+              <a:rPr lang="en-US" altLang="zh-CN" dirty="0"/>
+              <a:t>load</a:t>
+            </a:r>
+            <a:r>
+              <a:rPr lang="zh-CN" altLang="en-US" dirty="0"/>
+              <a:t>本地地图数据的时候也更方便查找</a:t>
+            </a:r>
+          </a:p>
+        </p:txBody>
+      </p:sp>
+    </p:spTree>
+    <p:extLst>
+      <p:ext uri="{BB962C8B-B14F-4D97-AF65-F5344CB8AC3E}">
+        <p14:creationId xmlns:p14="http://schemas.microsoft.com/office/powerpoint/2010/main" val="4136968640"/>
+      </p:ext>
+    </p:extLst>
+  </p:cSld>
+  <p:clrMapOvr>
+    <a:masterClrMapping/>
+  </p:clrMapOvr>
+</p:sld>
+</file>
+
+<file path=ppt/slides/slide18.xml><?xml version="1.0" encoding="utf-8"?>
+<p:sld xmlns:a="http://schemas.openxmlformats.org/drawingml/2006/main" xmlns:r="http://schemas.openxmlformats.org/officeDocument/2006/relationships" xmlns:p="http://schemas.openxmlformats.org/presentationml/2006/main">
+  <p:cSld>
+    <p:spTree>
+      <p:nvGrpSpPr>
+        <p:cNvPr id="1" name=""/>
+        <p:cNvGrpSpPr/>
+        <p:nvPr/>
+      </p:nvGrpSpPr>
+      <p:grpSpPr>
+        <a:xfrm>
+          <a:off x="0" y="0"/>
+          <a:ext cx="0" cy="0"/>
+          <a:chOff x="0" y="0"/>
+          <a:chExt cx="0" cy="0"/>
+        </a:xfrm>
+      </p:grpSpPr>
+      <p:sp>
+        <p:nvSpPr>
+          <p:cNvPr id="4" name="矩形 3">
+            <a:extLst>
+              <a:ext uri="{FF2B5EF4-FFF2-40B4-BE49-F238E27FC236}">
+                <a16:creationId xmlns:a16="http://schemas.microsoft.com/office/drawing/2014/main" id="{48C8F254-7439-4930-1E54-1686BEC390B3}"/>
+              </a:ext>
+            </a:extLst>
+          </p:cNvPr>
+          <p:cNvSpPr/>
+          <p:nvPr/>
+        </p:nvSpPr>
+        <p:spPr>
+          <a:xfrm>
+            <a:off x="2998305" y="3004930"/>
+            <a:ext cx="1186070" cy="887896"/>
+          </a:xfrm>
+          <a:prstGeom prst="rect">
+            <a:avLst/>
+          </a:prstGeom>
+        </p:spPr>
+        <p:style>
+          <a:lnRef idx="2">
+            <a:schemeClr val="accent1">
+              <a:shade val="50000"/>
+            </a:schemeClr>
+          </a:lnRef>
+          <a:fillRef idx="1">
+            <a:schemeClr val="accent1"/>
+          </a:fillRef>
+          <a:effectRef idx="0">
+            <a:schemeClr val="accent1"/>
+          </a:effectRef>
+          <a:fontRef idx="minor">
+            <a:schemeClr val="lt1"/>
+          </a:fontRef>
+        </p:style>
+        <p:txBody>
+          <a:bodyPr rtlCol="0" anchor="ctr"/>
+          <a:lstStyle/>
+          <a:p>
+            <a:pPr algn="ctr"/>
+            <a:r>
+              <a:rPr lang="zh-CN" altLang="en-US" dirty="0"/>
+              <a:t>多机数据融合</a:t>
+            </a:r>
+          </a:p>
+        </p:txBody>
+      </p:sp>
+      <p:sp>
+        <p:nvSpPr>
+          <p:cNvPr id="5" name="矩形 4">
+            <a:extLst>
+              <a:ext uri="{FF2B5EF4-FFF2-40B4-BE49-F238E27FC236}">
+                <a16:creationId xmlns:a16="http://schemas.microsoft.com/office/drawing/2014/main" id="{9C6E47BF-227A-245C-C4C8-479933A12BC0}"/>
+              </a:ext>
+            </a:extLst>
+          </p:cNvPr>
+          <p:cNvSpPr/>
+          <p:nvPr/>
+        </p:nvSpPr>
+        <p:spPr>
+          <a:xfrm>
+            <a:off x="5406887" y="2382078"/>
+            <a:ext cx="1186070" cy="887896"/>
+          </a:xfrm>
+          <a:prstGeom prst="rect">
+            <a:avLst/>
+          </a:prstGeom>
+        </p:spPr>
+        <p:style>
+          <a:lnRef idx="2">
+            <a:schemeClr val="accent1">
+              <a:shade val="50000"/>
+            </a:schemeClr>
+          </a:lnRef>
+          <a:fillRef idx="1">
+            <a:schemeClr val="accent1"/>
+          </a:fillRef>
+          <a:effectRef idx="0">
+            <a:schemeClr val="accent1"/>
+          </a:effectRef>
+          <a:fontRef idx="minor">
+            <a:schemeClr val="lt1"/>
+          </a:fontRef>
+        </p:style>
+        <p:txBody>
+          <a:bodyPr rtlCol="0" anchor="ctr"/>
+          <a:lstStyle/>
+          <a:p>
+            <a:pPr algn="ctr"/>
+            <a:r>
+              <a:rPr lang="zh-CN" altLang="en-US" dirty="0"/>
+              <a:t>融合数据表面提取</a:t>
+            </a:r>
+          </a:p>
+        </p:txBody>
+      </p:sp>
+      <p:sp>
+        <p:nvSpPr>
+          <p:cNvPr id="6" name="矩形 5">
+            <a:extLst>
+              <a:ext uri="{FF2B5EF4-FFF2-40B4-BE49-F238E27FC236}">
+                <a16:creationId xmlns:a16="http://schemas.microsoft.com/office/drawing/2014/main" id="{C7503043-FAF9-6F7D-FBFC-3598D5FDD0C6}"/>
+              </a:ext>
+            </a:extLst>
+          </p:cNvPr>
+          <p:cNvSpPr/>
+          <p:nvPr/>
+        </p:nvSpPr>
+        <p:spPr>
+          <a:xfrm>
+            <a:off x="5406887" y="3753678"/>
+            <a:ext cx="1186070" cy="887896"/>
+          </a:xfrm>
+          <a:prstGeom prst="rect">
+            <a:avLst/>
+          </a:prstGeom>
+        </p:spPr>
+        <p:style>
+          <a:lnRef idx="2">
+            <a:schemeClr val="accent1">
+              <a:shade val="50000"/>
+            </a:schemeClr>
+          </a:lnRef>
+          <a:fillRef idx="1">
+            <a:schemeClr val="accent1"/>
+          </a:fillRef>
+          <a:effectRef idx="0">
+            <a:schemeClr val="accent1"/>
+          </a:effectRef>
+          <a:fontRef idx="minor">
+            <a:schemeClr val="lt1"/>
+          </a:fontRef>
+        </p:style>
+        <p:txBody>
+          <a:bodyPr rtlCol="0" anchor="ctr"/>
+          <a:lstStyle/>
+          <a:p>
+            <a:pPr algn="ctr"/>
+            <a:r>
+              <a:rPr lang="zh-CN" altLang="en-US" dirty="0"/>
+              <a:t>融合数据语义分割</a:t>
+            </a:r>
+          </a:p>
+        </p:txBody>
+      </p:sp>
+      <p:sp>
+        <p:nvSpPr>
+          <p:cNvPr id="7" name="矩形 6">
+            <a:extLst>
+              <a:ext uri="{FF2B5EF4-FFF2-40B4-BE49-F238E27FC236}">
+                <a16:creationId xmlns:a16="http://schemas.microsoft.com/office/drawing/2014/main" id="{177B4DB9-7C88-D497-9664-A4EBF8C3FABC}"/>
+              </a:ext>
+            </a:extLst>
+          </p:cNvPr>
+          <p:cNvSpPr/>
+          <p:nvPr/>
+        </p:nvSpPr>
+        <p:spPr>
+          <a:xfrm>
+            <a:off x="7871791" y="3092726"/>
+            <a:ext cx="1186070" cy="887896"/>
+          </a:xfrm>
+          <a:prstGeom prst="rect">
+            <a:avLst/>
+          </a:prstGeom>
+        </p:spPr>
+        <p:style>
+          <a:lnRef idx="2">
+            <a:schemeClr val="accent1">
+              <a:shade val="50000"/>
+            </a:schemeClr>
+          </a:lnRef>
+          <a:fillRef idx="1">
+            <a:schemeClr val="accent1"/>
+          </a:fillRef>
+          <a:effectRef idx="0">
+            <a:schemeClr val="accent1"/>
+          </a:effectRef>
+          <a:fontRef idx="minor">
+            <a:schemeClr val="lt1"/>
+          </a:fontRef>
+        </p:style>
+        <p:txBody>
+          <a:bodyPr rtlCol="0" anchor="ctr"/>
+          <a:lstStyle/>
+          <a:p>
+            <a:pPr algn="ctr"/>
+            <a:r>
+              <a:rPr lang="zh-CN" altLang="en-US" dirty="0"/>
+              <a:t>地图构建</a:t>
+            </a:r>
+          </a:p>
+        </p:txBody>
+      </p:sp>
+      <p:sp>
+        <p:nvSpPr>
+          <p:cNvPr id="8" name="矩形 7">
+            <a:extLst>
+              <a:ext uri="{FF2B5EF4-FFF2-40B4-BE49-F238E27FC236}">
+                <a16:creationId xmlns:a16="http://schemas.microsoft.com/office/drawing/2014/main" id="{6F880AF3-F5B8-1288-9268-886C6C652B2B}"/>
+              </a:ext>
+            </a:extLst>
+          </p:cNvPr>
+          <p:cNvSpPr/>
+          <p:nvPr/>
+        </p:nvSpPr>
+        <p:spPr>
+          <a:xfrm>
+            <a:off x="10436087" y="3049656"/>
+            <a:ext cx="1186070" cy="887896"/>
+          </a:xfrm>
+          <a:prstGeom prst="rect">
+            <a:avLst/>
+          </a:prstGeom>
+        </p:spPr>
+        <p:style>
+          <a:lnRef idx="2">
+            <a:schemeClr val="accent1">
+              <a:shade val="50000"/>
+            </a:schemeClr>
+          </a:lnRef>
+          <a:fillRef idx="1">
+            <a:schemeClr val="accent1"/>
+          </a:fillRef>
+          <a:effectRef idx="0">
+            <a:schemeClr val="accent1"/>
+          </a:effectRef>
+          <a:fontRef idx="minor">
+            <a:schemeClr val="lt1"/>
+          </a:fontRef>
+        </p:style>
+        <p:txBody>
+          <a:bodyPr rtlCol="0" anchor="ctr"/>
+          <a:lstStyle/>
+          <a:p>
+            <a:pPr algn="ctr"/>
+            <a:r>
+              <a:rPr lang="zh-CN" altLang="en-US" dirty="0"/>
+              <a:t>指导定位、导航</a:t>
+            </a:r>
+          </a:p>
+        </p:txBody>
+      </p:sp>
+      <p:cxnSp>
+        <p:nvCxnSpPr>
+          <p:cNvPr id="10" name="直接箭头连接符 9">
+            <a:extLst>
+              <a:ext uri="{FF2B5EF4-FFF2-40B4-BE49-F238E27FC236}">
+                <a16:creationId xmlns:a16="http://schemas.microsoft.com/office/drawing/2014/main" id="{55D48209-DA43-375B-2127-0E21DF336A90}"/>
+              </a:ext>
+            </a:extLst>
+          </p:cNvPr>
+          <p:cNvCxnSpPr/>
+          <p:nvPr/>
+        </p:nvCxnSpPr>
+        <p:spPr>
+          <a:xfrm flipV="1">
+            <a:off x="4366591" y="2826026"/>
+            <a:ext cx="940904" cy="533400"/>
+          </a:xfrm>
+          <a:prstGeom prst="straightConnector1">
+            <a:avLst/>
+          </a:prstGeom>
+          <a:ln w="19050">
+            <a:tailEnd type="triangle"/>
+          </a:ln>
+        </p:spPr>
+        <p:style>
+          <a:lnRef idx="1">
+            <a:schemeClr val="dk1"/>
+          </a:lnRef>
+          <a:fillRef idx="0">
+            <a:schemeClr val="dk1"/>
+          </a:fillRef>
+          <a:effectRef idx="0">
+            <a:schemeClr val="dk1"/>
+          </a:effectRef>
+          <a:fontRef idx="minor">
+            <a:schemeClr val="tx1"/>
+          </a:fontRef>
+        </p:style>
+      </p:cxnSp>
+      <p:cxnSp>
+        <p:nvCxnSpPr>
+          <p:cNvPr id="11" name="直接箭头连接符 10">
+            <a:extLst>
+              <a:ext uri="{FF2B5EF4-FFF2-40B4-BE49-F238E27FC236}">
+                <a16:creationId xmlns:a16="http://schemas.microsoft.com/office/drawing/2014/main" id="{8F27F288-1EAB-CC0C-222C-34933A8906F4}"/>
+              </a:ext>
+            </a:extLst>
+          </p:cNvPr>
+          <p:cNvCxnSpPr>
+            <a:cxnSpLocks/>
+          </p:cNvCxnSpPr>
+          <p:nvPr/>
+        </p:nvCxnSpPr>
+        <p:spPr>
+          <a:xfrm>
+            <a:off x="4379845" y="3359426"/>
+            <a:ext cx="927650" cy="394252"/>
+          </a:xfrm>
+          <a:prstGeom prst="straightConnector1">
+            <a:avLst/>
+          </a:prstGeom>
+          <a:ln w="19050">
+            <a:tailEnd type="triangle"/>
+          </a:ln>
+        </p:spPr>
+        <p:style>
+          <a:lnRef idx="1">
+            <a:schemeClr val="dk1"/>
+          </a:lnRef>
+          <a:fillRef idx="0">
+            <a:schemeClr val="dk1"/>
+          </a:fillRef>
+          <a:effectRef idx="0">
+            <a:schemeClr val="dk1"/>
+          </a:effectRef>
+          <a:fontRef idx="minor">
+            <a:schemeClr val="tx1"/>
+          </a:fontRef>
+        </p:style>
+      </p:cxnSp>
+      <p:cxnSp>
+        <p:nvCxnSpPr>
+          <p:cNvPr id="13" name="直接箭头连接符 12">
+            <a:extLst>
+              <a:ext uri="{FF2B5EF4-FFF2-40B4-BE49-F238E27FC236}">
+                <a16:creationId xmlns:a16="http://schemas.microsoft.com/office/drawing/2014/main" id="{00AA191B-801B-2B7D-9DC8-298286AA80D6}"/>
+              </a:ext>
+            </a:extLst>
+          </p:cNvPr>
+          <p:cNvCxnSpPr>
+            <a:cxnSpLocks/>
+          </p:cNvCxnSpPr>
+          <p:nvPr/>
+        </p:nvCxnSpPr>
+        <p:spPr>
+          <a:xfrm flipV="1">
+            <a:off x="6692349" y="3556552"/>
+            <a:ext cx="1133059" cy="4969"/>
+          </a:xfrm>
+          <a:prstGeom prst="straightConnector1">
+            <a:avLst/>
+          </a:prstGeom>
+          <a:ln w="19050">
+            <a:tailEnd type="triangle"/>
+          </a:ln>
+        </p:spPr>
+        <p:style>
+          <a:lnRef idx="1">
+            <a:schemeClr val="dk1"/>
+          </a:lnRef>
+          <a:fillRef idx="0">
+            <a:schemeClr val="dk1"/>
+          </a:fillRef>
+          <a:effectRef idx="0">
+            <a:schemeClr val="dk1"/>
+          </a:effectRef>
+          <a:fontRef idx="minor">
+            <a:schemeClr val="tx1"/>
+          </a:fontRef>
+        </p:style>
+      </p:cxnSp>
+      <p:cxnSp>
+        <p:nvCxnSpPr>
+          <p:cNvPr id="15" name="直接箭头连接符 14">
+            <a:extLst>
+              <a:ext uri="{FF2B5EF4-FFF2-40B4-BE49-F238E27FC236}">
+                <a16:creationId xmlns:a16="http://schemas.microsoft.com/office/drawing/2014/main" id="{C91E691C-3CFF-5005-A2E7-9C84A1B425B4}"/>
+              </a:ext>
+            </a:extLst>
+          </p:cNvPr>
+          <p:cNvCxnSpPr>
+            <a:cxnSpLocks/>
+          </p:cNvCxnSpPr>
+          <p:nvPr/>
+        </p:nvCxnSpPr>
+        <p:spPr>
+          <a:xfrm flipV="1">
+            <a:off x="9150625" y="3493604"/>
+            <a:ext cx="1133059" cy="4969"/>
+          </a:xfrm>
+          <a:prstGeom prst="straightConnector1">
+            <a:avLst/>
+          </a:prstGeom>
+          <a:ln w="19050">
+            <a:tailEnd type="triangle"/>
+          </a:ln>
+        </p:spPr>
+        <p:style>
+          <a:lnRef idx="1">
+            <a:schemeClr val="dk1"/>
+          </a:lnRef>
+          <a:fillRef idx="0">
+            <a:schemeClr val="dk1"/>
+          </a:fillRef>
+          <a:effectRef idx="0">
+            <a:schemeClr val="dk1"/>
+          </a:effectRef>
+          <a:fontRef idx="minor">
+            <a:schemeClr val="tx1"/>
+          </a:fontRef>
+        </p:style>
+      </p:cxnSp>
+      <p:cxnSp>
+        <p:nvCxnSpPr>
+          <p:cNvPr id="16" name="直接箭头连接符 15">
+            <a:extLst>
+              <a:ext uri="{FF2B5EF4-FFF2-40B4-BE49-F238E27FC236}">
+                <a16:creationId xmlns:a16="http://schemas.microsoft.com/office/drawing/2014/main" id="{D3C9B139-7F27-3A15-5AAE-F5236280284C}"/>
+              </a:ext>
+            </a:extLst>
+          </p:cNvPr>
+          <p:cNvCxnSpPr>
+            <a:cxnSpLocks/>
+          </p:cNvCxnSpPr>
+          <p:nvPr/>
+        </p:nvCxnSpPr>
+        <p:spPr>
+          <a:xfrm flipH="1">
+            <a:off x="9150625" y="3269974"/>
+            <a:ext cx="1113185" cy="0"/>
+          </a:xfrm>
+          <a:prstGeom prst="straightConnector1">
+            <a:avLst/>
+          </a:prstGeom>
+          <a:ln w="19050">
+            <a:tailEnd type="triangle"/>
+          </a:ln>
+        </p:spPr>
+        <p:style>
+          <a:lnRef idx="1">
+            <a:schemeClr val="dk1"/>
+          </a:lnRef>
+          <a:fillRef idx="0">
+            <a:schemeClr val="dk1"/>
+          </a:fillRef>
+          <a:effectRef idx="0">
+            <a:schemeClr val="dk1"/>
+          </a:effectRef>
+          <a:fontRef idx="minor">
+            <a:schemeClr val="tx1"/>
+          </a:fontRef>
+        </p:style>
+      </p:cxnSp>
+      <p:sp>
+        <p:nvSpPr>
+          <p:cNvPr id="19" name="文本框 18">
+            <a:extLst>
+              <a:ext uri="{FF2B5EF4-FFF2-40B4-BE49-F238E27FC236}">
+                <a16:creationId xmlns:a16="http://schemas.microsoft.com/office/drawing/2014/main" id="{148DEEC8-D200-98A6-BFC3-50730B68716E}"/>
+              </a:ext>
+            </a:extLst>
+          </p:cNvPr>
+          <p:cNvSpPr txBox="1"/>
+          <p:nvPr/>
+        </p:nvSpPr>
+        <p:spPr>
+          <a:xfrm>
+            <a:off x="9173817" y="2786271"/>
+            <a:ext cx="1146314" cy="369332"/>
+          </a:xfrm>
+          <a:prstGeom prst="rect">
+            <a:avLst/>
+          </a:prstGeom>
+          <a:noFill/>
+        </p:spPr>
+        <p:txBody>
+          <a:bodyPr wrap="square" rtlCol="0">
+            <a:spAutoFit/>
+          </a:bodyPr>
+          <a:lstStyle/>
+          <a:p>
+            <a:r>
+              <a:rPr lang="zh-CN" altLang="en-US" dirty="0"/>
+              <a:t>地图更新</a:t>
+            </a:r>
+          </a:p>
+        </p:txBody>
+      </p:sp>
+      <p:sp>
+        <p:nvSpPr>
+          <p:cNvPr id="20" name="矩形 19">
+            <a:extLst>
+              <a:ext uri="{FF2B5EF4-FFF2-40B4-BE49-F238E27FC236}">
+                <a16:creationId xmlns:a16="http://schemas.microsoft.com/office/drawing/2014/main" id="{BC6CB4CB-955D-DA23-D394-74EA7AD0E49F}"/>
+              </a:ext>
+            </a:extLst>
+          </p:cNvPr>
+          <p:cNvSpPr/>
+          <p:nvPr/>
+        </p:nvSpPr>
+        <p:spPr>
+          <a:xfrm>
+            <a:off x="2998305" y="4914900"/>
+            <a:ext cx="1186070" cy="887896"/>
+          </a:xfrm>
+          <a:prstGeom prst="rect">
+            <a:avLst/>
+          </a:prstGeom>
+        </p:spPr>
+        <p:style>
+          <a:lnRef idx="2">
+            <a:schemeClr val="accent1">
+              <a:shade val="50000"/>
+            </a:schemeClr>
+          </a:lnRef>
+          <a:fillRef idx="1">
+            <a:schemeClr val="accent1"/>
+          </a:fillRef>
+          <a:effectRef idx="0">
+            <a:schemeClr val="accent1"/>
+          </a:effectRef>
+          <a:fontRef idx="minor">
+            <a:schemeClr val="lt1"/>
+          </a:fontRef>
+        </p:style>
+        <p:txBody>
+          <a:bodyPr rtlCol="0" anchor="ctr"/>
+          <a:lstStyle/>
+          <a:p>
+            <a:pPr algn="ctr"/>
+            <a:r>
+              <a:rPr lang="zh-CN" altLang="en-US" dirty="0"/>
+              <a:t>考虑多传感器</a:t>
+            </a:r>
+          </a:p>
+        </p:txBody>
+      </p:sp>
+      <p:sp>
+        <p:nvSpPr>
+          <p:cNvPr id="23" name="矩形 22">
+            <a:extLst>
+              <a:ext uri="{FF2B5EF4-FFF2-40B4-BE49-F238E27FC236}">
+                <a16:creationId xmlns:a16="http://schemas.microsoft.com/office/drawing/2014/main" id="{95AFF7C8-B725-39C7-AE1A-5ED1A2224E1F}"/>
+              </a:ext>
+            </a:extLst>
+          </p:cNvPr>
+          <p:cNvSpPr/>
+          <p:nvPr/>
+        </p:nvSpPr>
+        <p:spPr>
+          <a:xfrm>
+            <a:off x="241852" y="2980083"/>
+            <a:ext cx="1186070" cy="887896"/>
+          </a:xfrm>
+          <a:prstGeom prst="rect">
+            <a:avLst/>
+          </a:prstGeom>
+        </p:spPr>
+        <p:style>
+          <a:lnRef idx="2">
+            <a:schemeClr val="accent1">
+              <a:shade val="50000"/>
+            </a:schemeClr>
+          </a:lnRef>
+          <a:fillRef idx="1">
+            <a:schemeClr val="accent1"/>
+          </a:fillRef>
+          <a:effectRef idx="0">
+            <a:schemeClr val="accent1"/>
+          </a:effectRef>
+          <a:fontRef idx="minor">
+            <a:schemeClr val="lt1"/>
+          </a:fontRef>
+        </p:style>
+        <p:txBody>
+          <a:bodyPr rtlCol="0" anchor="ctr"/>
+          <a:lstStyle/>
+          <a:p>
+            <a:pPr algn="ctr"/>
+            <a:r>
+              <a:rPr lang="zh-CN" altLang="en-US" dirty="0"/>
+              <a:t>多机通信</a:t>
+            </a:r>
+          </a:p>
+        </p:txBody>
+      </p:sp>
+      <p:cxnSp>
+        <p:nvCxnSpPr>
+          <p:cNvPr id="26" name="直接箭头连接符 25">
+            <a:extLst>
+              <a:ext uri="{FF2B5EF4-FFF2-40B4-BE49-F238E27FC236}">
+                <a16:creationId xmlns:a16="http://schemas.microsoft.com/office/drawing/2014/main" id="{83856C0D-385A-DA41-2F63-69F420D48752}"/>
+              </a:ext>
+            </a:extLst>
+          </p:cNvPr>
+          <p:cNvCxnSpPr>
+            <a:cxnSpLocks/>
+            <a:stCxn id="23" idx="3"/>
+          </p:cNvCxnSpPr>
+          <p:nvPr/>
+        </p:nvCxnSpPr>
+        <p:spPr>
+          <a:xfrm>
+            <a:off x="1427922" y="3424031"/>
+            <a:ext cx="1537251" cy="0"/>
+          </a:xfrm>
+          <a:prstGeom prst="straightConnector1">
+            <a:avLst/>
+          </a:prstGeom>
+          <a:ln w="19050">
+            <a:tailEnd type="triangle"/>
+          </a:ln>
+        </p:spPr>
+        <p:style>
+          <a:lnRef idx="1">
+            <a:schemeClr val="dk1"/>
+          </a:lnRef>
+          <a:fillRef idx="0">
+            <a:schemeClr val="dk1"/>
+          </a:fillRef>
+          <a:effectRef idx="0">
+            <a:schemeClr val="dk1"/>
+          </a:effectRef>
+          <a:fontRef idx="minor">
+            <a:schemeClr val="tx1"/>
+          </a:fontRef>
+        </p:style>
+      </p:cxnSp>
+      <p:sp>
+        <p:nvSpPr>
+          <p:cNvPr id="27" name="文本框 26">
+            <a:extLst>
+              <a:ext uri="{FF2B5EF4-FFF2-40B4-BE49-F238E27FC236}">
+                <a16:creationId xmlns:a16="http://schemas.microsoft.com/office/drawing/2014/main" id="{5662CDF8-002C-2889-80FB-26A5CD494601}"/>
+              </a:ext>
+            </a:extLst>
+          </p:cNvPr>
+          <p:cNvSpPr txBox="1"/>
+          <p:nvPr/>
+        </p:nvSpPr>
+        <p:spPr>
+          <a:xfrm>
+            <a:off x="1368287" y="3024449"/>
+            <a:ext cx="2756452" cy="276999"/>
+          </a:xfrm>
+          <a:prstGeom prst="rect">
+            <a:avLst/>
+          </a:prstGeom>
+          <a:noFill/>
+        </p:spPr>
+        <p:txBody>
+          <a:bodyPr wrap="square" rtlCol="0">
+            <a:spAutoFit/>
+          </a:bodyPr>
+          <a:lstStyle/>
+          <a:p>
+            <a:r>
+              <a:rPr lang="zh-CN" altLang="en-US" sz="1200" dirty="0">
+                <a:latin typeface="宋体" panose="02010600030101010101" pitchFamily="2" charset="-122"/>
+                <a:ea typeface="宋体" panose="02010600030101010101" pitchFamily="2" charset="-122"/>
+              </a:rPr>
+              <a:t>传输数据（图像或点云）</a:t>
+            </a:r>
+          </a:p>
+        </p:txBody>
+      </p:sp>
+      <p:sp>
+        <p:nvSpPr>
+          <p:cNvPr id="29" name="矩形: 圆角 28">
+            <a:extLst>
+              <a:ext uri="{FF2B5EF4-FFF2-40B4-BE49-F238E27FC236}">
+                <a16:creationId xmlns:a16="http://schemas.microsoft.com/office/drawing/2014/main" id="{1DF80995-DF06-4DDA-4A0C-3A607DC189D0}"/>
+              </a:ext>
+            </a:extLst>
+          </p:cNvPr>
+          <p:cNvSpPr/>
+          <p:nvPr/>
+        </p:nvSpPr>
+        <p:spPr>
+          <a:xfrm>
+            <a:off x="139148" y="4742622"/>
+            <a:ext cx="1391477" cy="616226"/>
+          </a:xfrm>
+          <a:prstGeom prst="roundRect">
+            <a:avLst/>
+          </a:prstGeom>
+        </p:spPr>
+        <p:style>
+          <a:lnRef idx="2">
+            <a:schemeClr val="accent4">
+              <a:shade val="50000"/>
+            </a:schemeClr>
+          </a:lnRef>
+          <a:fillRef idx="1">
+            <a:schemeClr val="accent4"/>
+          </a:fillRef>
+          <a:effectRef idx="0">
+            <a:schemeClr val="accent4"/>
+          </a:effectRef>
+          <a:fontRef idx="minor">
+            <a:schemeClr val="lt1"/>
+          </a:fontRef>
+        </p:style>
+        <p:txBody>
+          <a:bodyPr rtlCol="0" anchor="ctr"/>
+          <a:lstStyle/>
+          <a:p>
+            <a:pPr algn="ctr"/>
+            <a:r>
+              <a:rPr lang="zh-CN" altLang="en-US" dirty="0"/>
+              <a:t>通信组选择</a:t>
+            </a:r>
+          </a:p>
+        </p:txBody>
+      </p:sp>
+      <p:sp>
+        <p:nvSpPr>
+          <p:cNvPr id="30" name="矩形: 圆角 29">
+            <a:extLst>
+              <a:ext uri="{FF2B5EF4-FFF2-40B4-BE49-F238E27FC236}">
+                <a16:creationId xmlns:a16="http://schemas.microsoft.com/office/drawing/2014/main" id="{AF2A9053-9E44-4581-8067-C490F80206D7}"/>
+              </a:ext>
+            </a:extLst>
+          </p:cNvPr>
+          <p:cNvSpPr/>
+          <p:nvPr/>
+        </p:nvSpPr>
+        <p:spPr>
+          <a:xfrm>
+            <a:off x="221972" y="1499152"/>
+            <a:ext cx="1308653" cy="616226"/>
+          </a:xfrm>
+          <a:prstGeom prst="roundRect">
+            <a:avLst/>
+          </a:prstGeom>
+        </p:spPr>
+        <p:style>
+          <a:lnRef idx="2">
+            <a:schemeClr val="accent4">
+              <a:shade val="50000"/>
+            </a:schemeClr>
+          </a:lnRef>
+          <a:fillRef idx="1">
+            <a:schemeClr val="accent4"/>
+          </a:fillRef>
+          <a:effectRef idx="0">
+            <a:schemeClr val="accent4"/>
+          </a:effectRef>
+          <a:fontRef idx="minor">
+            <a:schemeClr val="lt1"/>
+          </a:fontRef>
+        </p:style>
+        <p:txBody>
+          <a:bodyPr rtlCol="0" anchor="ctr"/>
+          <a:lstStyle/>
+          <a:p>
+            <a:pPr algn="ctr"/>
+            <a:r>
+              <a:rPr lang="zh-CN" altLang="en-US" dirty="0"/>
+              <a:t>通信时机选择</a:t>
+            </a:r>
+          </a:p>
+        </p:txBody>
+      </p:sp>
+      <p:cxnSp>
+        <p:nvCxnSpPr>
+          <p:cNvPr id="32" name="直接箭头连接符 31">
+            <a:extLst>
+              <a:ext uri="{FF2B5EF4-FFF2-40B4-BE49-F238E27FC236}">
+                <a16:creationId xmlns:a16="http://schemas.microsoft.com/office/drawing/2014/main" id="{4531BA65-8CA3-461D-0C9D-E4C742C4A178}"/>
+              </a:ext>
+            </a:extLst>
+          </p:cNvPr>
+          <p:cNvCxnSpPr/>
+          <p:nvPr/>
+        </p:nvCxnSpPr>
+        <p:spPr>
+          <a:xfrm>
+            <a:off x="876298" y="2325757"/>
+            <a:ext cx="0" cy="556591"/>
+          </a:xfrm>
+          <a:prstGeom prst="straightConnector1">
+            <a:avLst/>
+          </a:prstGeom>
+          <a:ln w="19050">
+            <a:tailEnd type="triangle"/>
+          </a:ln>
+        </p:spPr>
+        <p:style>
+          <a:lnRef idx="1">
+            <a:schemeClr val="accent6"/>
+          </a:lnRef>
+          <a:fillRef idx="0">
+            <a:schemeClr val="accent6"/>
+          </a:fillRef>
+          <a:effectRef idx="0">
+            <a:schemeClr val="accent6"/>
+          </a:effectRef>
+          <a:fontRef idx="minor">
+            <a:schemeClr val="tx1"/>
+          </a:fontRef>
+        </p:style>
+      </p:cxnSp>
+      <p:cxnSp>
+        <p:nvCxnSpPr>
+          <p:cNvPr id="33" name="直接箭头连接符 32">
+            <a:extLst>
+              <a:ext uri="{FF2B5EF4-FFF2-40B4-BE49-F238E27FC236}">
+                <a16:creationId xmlns:a16="http://schemas.microsoft.com/office/drawing/2014/main" id="{3AD9481D-1C71-7A05-A510-19591D67C8F1}"/>
+              </a:ext>
+            </a:extLst>
+          </p:cNvPr>
+          <p:cNvCxnSpPr>
+            <a:cxnSpLocks/>
+          </p:cNvCxnSpPr>
+          <p:nvPr/>
+        </p:nvCxnSpPr>
+        <p:spPr>
+          <a:xfrm flipV="1">
+            <a:off x="882923" y="3927614"/>
+            <a:ext cx="0" cy="713960"/>
+          </a:xfrm>
+          <a:prstGeom prst="straightConnector1">
+            <a:avLst/>
+          </a:prstGeom>
+          <a:ln w="19050">
+            <a:tailEnd type="triangle"/>
+          </a:ln>
+        </p:spPr>
+        <p:style>
+          <a:lnRef idx="1">
+            <a:schemeClr val="accent6"/>
+          </a:lnRef>
+          <a:fillRef idx="0">
+            <a:schemeClr val="accent6"/>
+          </a:fillRef>
+          <a:effectRef idx="0">
+            <a:schemeClr val="accent6"/>
+          </a:effectRef>
+          <a:fontRef idx="minor">
+            <a:schemeClr val="tx1"/>
+          </a:fontRef>
+        </p:style>
+      </p:cxnSp>
+      <p:sp>
+        <p:nvSpPr>
+          <p:cNvPr id="36" name="椭圆 35">
+            <a:extLst>
+              <a:ext uri="{FF2B5EF4-FFF2-40B4-BE49-F238E27FC236}">
+                <a16:creationId xmlns:a16="http://schemas.microsoft.com/office/drawing/2014/main" id="{4F0D4CDB-EB22-C92A-5C1B-BBD6347FBE27}"/>
+              </a:ext>
+            </a:extLst>
+          </p:cNvPr>
+          <p:cNvSpPr/>
+          <p:nvPr/>
+        </p:nvSpPr>
+        <p:spPr>
+          <a:xfrm>
+            <a:off x="696298" y="431790"/>
+            <a:ext cx="360000" cy="360000"/>
+          </a:xfrm>
+          <a:prstGeom prst="ellipse">
+            <a:avLst/>
+          </a:prstGeom>
+          <a:solidFill>
+            <a:schemeClr val="tx1"/>
+          </a:solidFill>
+          <a:ln>
+            <a:solidFill>
+              <a:schemeClr val="tx1"/>
+            </a:solidFill>
+          </a:ln>
+        </p:spPr>
+        <p:style>
+          <a:lnRef idx="2">
+            <a:schemeClr val="accent1">
+              <a:shade val="50000"/>
+            </a:schemeClr>
+          </a:lnRef>
+          <a:fillRef idx="1">
+            <a:schemeClr val="accent1"/>
+          </a:fillRef>
+          <a:effectRef idx="0">
+            <a:schemeClr val="accent1"/>
+          </a:effectRef>
+          <a:fontRef idx="minor">
+            <a:schemeClr val="lt1"/>
+          </a:fontRef>
+        </p:style>
+        <p:txBody>
+          <a:bodyPr rtlCol="0" anchor="ctr"/>
+          <a:lstStyle/>
+          <a:p>
+            <a:pPr algn="ctr"/>
+            <a:r>
+              <a:rPr lang="en-US" altLang="zh-CN" dirty="0"/>
+              <a:t>1</a:t>
+            </a:r>
+            <a:endParaRPr lang="zh-CN" altLang="en-US" dirty="0"/>
+          </a:p>
+        </p:txBody>
+      </p:sp>
+      <p:sp>
+        <p:nvSpPr>
+          <p:cNvPr id="38" name="椭圆 37">
+            <a:extLst>
+              <a:ext uri="{FF2B5EF4-FFF2-40B4-BE49-F238E27FC236}">
+                <a16:creationId xmlns:a16="http://schemas.microsoft.com/office/drawing/2014/main" id="{52BE4787-78EF-2F0C-1390-F074A12E14EF}"/>
+              </a:ext>
+            </a:extLst>
+          </p:cNvPr>
+          <p:cNvSpPr/>
+          <p:nvPr/>
+        </p:nvSpPr>
+        <p:spPr>
+          <a:xfrm>
+            <a:off x="3411340" y="431790"/>
+            <a:ext cx="360000" cy="360000"/>
+          </a:xfrm>
+          <a:prstGeom prst="ellipse">
+            <a:avLst/>
+          </a:prstGeom>
+          <a:solidFill>
+            <a:schemeClr val="tx1"/>
+          </a:solidFill>
+          <a:ln>
+            <a:solidFill>
+              <a:schemeClr val="tx1"/>
+            </a:solidFill>
+          </a:ln>
+        </p:spPr>
+        <p:style>
+          <a:lnRef idx="2">
+            <a:schemeClr val="accent1">
+              <a:shade val="50000"/>
+            </a:schemeClr>
+          </a:lnRef>
+          <a:fillRef idx="1">
+            <a:schemeClr val="accent1"/>
+          </a:fillRef>
+          <a:effectRef idx="0">
+            <a:schemeClr val="accent1"/>
+          </a:effectRef>
+          <a:fontRef idx="minor">
+            <a:schemeClr val="lt1"/>
+          </a:fontRef>
+        </p:style>
+        <p:txBody>
+          <a:bodyPr rtlCol="0" anchor="ctr"/>
+          <a:lstStyle/>
+          <a:p>
+            <a:pPr algn="ctr"/>
+            <a:r>
+              <a:rPr lang="en-US" altLang="zh-CN" dirty="0"/>
+              <a:t>2</a:t>
+            </a:r>
+            <a:endParaRPr lang="zh-CN" altLang="en-US" dirty="0"/>
+          </a:p>
+        </p:txBody>
+      </p:sp>
+      <p:sp>
+        <p:nvSpPr>
+          <p:cNvPr id="39" name="椭圆 38">
+            <a:extLst>
+              <a:ext uri="{FF2B5EF4-FFF2-40B4-BE49-F238E27FC236}">
+                <a16:creationId xmlns:a16="http://schemas.microsoft.com/office/drawing/2014/main" id="{3465F3C4-023B-D49B-3177-01460E55A972}"/>
+              </a:ext>
+            </a:extLst>
+          </p:cNvPr>
+          <p:cNvSpPr/>
+          <p:nvPr/>
+        </p:nvSpPr>
+        <p:spPr>
+          <a:xfrm>
+            <a:off x="6989426" y="431790"/>
+            <a:ext cx="360000" cy="360000"/>
+          </a:xfrm>
+          <a:prstGeom prst="ellipse">
+            <a:avLst/>
+          </a:prstGeom>
+          <a:solidFill>
+            <a:schemeClr val="tx1"/>
+          </a:solidFill>
+          <a:ln>
+            <a:solidFill>
+              <a:schemeClr val="tx1"/>
+            </a:solidFill>
+          </a:ln>
+        </p:spPr>
+        <p:style>
+          <a:lnRef idx="2">
+            <a:schemeClr val="accent1">
+              <a:shade val="50000"/>
+            </a:schemeClr>
+          </a:lnRef>
+          <a:fillRef idx="1">
+            <a:schemeClr val="accent1"/>
+          </a:fillRef>
+          <a:effectRef idx="0">
+            <a:schemeClr val="accent1"/>
+          </a:effectRef>
+          <a:fontRef idx="minor">
+            <a:schemeClr val="lt1"/>
+          </a:fontRef>
+        </p:style>
+        <p:txBody>
+          <a:bodyPr rtlCol="0" anchor="ctr"/>
+          <a:lstStyle/>
+          <a:p>
+            <a:pPr algn="ctr"/>
+            <a:r>
+              <a:rPr lang="en-US" altLang="zh-CN" dirty="0"/>
+              <a:t>3</a:t>
+            </a:r>
+            <a:endParaRPr lang="zh-CN" altLang="en-US" dirty="0"/>
+          </a:p>
+        </p:txBody>
+      </p:sp>
+      <p:sp>
+        <p:nvSpPr>
+          <p:cNvPr id="40" name="矩形 39">
+            <a:extLst>
+              <a:ext uri="{FF2B5EF4-FFF2-40B4-BE49-F238E27FC236}">
+                <a16:creationId xmlns:a16="http://schemas.microsoft.com/office/drawing/2014/main" id="{0B16B893-B08D-3984-501F-8FB2B4A84984}"/>
+              </a:ext>
+            </a:extLst>
+          </p:cNvPr>
+          <p:cNvSpPr/>
+          <p:nvPr/>
+        </p:nvSpPr>
+        <p:spPr>
+          <a:xfrm>
+            <a:off x="92765" y="830452"/>
+            <a:ext cx="1537251" cy="5126400"/>
+          </a:xfrm>
+          <a:prstGeom prst="rect">
+            <a:avLst/>
+          </a:prstGeom>
+          <a:noFill/>
+          <a:ln w="28575">
+            <a:solidFill>
+              <a:schemeClr val="accent2">
+                <a:lumMod val="60000"/>
+                <a:lumOff val="40000"/>
+              </a:schemeClr>
+            </a:solidFill>
+          </a:ln>
+        </p:spPr>
+        <p:style>
+          <a:lnRef idx="2">
+            <a:schemeClr val="accent1">
+              <a:shade val="50000"/>
+            </a:schemeClr>
+          </a:lnRef>
+          <a:fillRef idx="1">
+            <a:schemeClr val="accent1"/>
+          </a:fillRef>
+          <a:effectRef idx="0">
+            <a:schemeClr val="accent1"/>
+          </a:effectRef>
+          <a:fontRef idx="minor">
+            <a:schemeClr val="lt1"/>
+          </a:fontRef>
+        </p:style>
+        <p:txBody>
+          <a:bodyPr rtlCol="0" anchor="ctr"/>
+          <a:lstStyle/>
+          <a:p>
+            <a:pPr algn="ctr"/>
+            <a:endParaRPr lang="zh-CN" altLang="en-US"/>
+          </a:p>
+        </p:txBody>
+      </p:sp>
+      <p:sp>
+        <p:nvSpPr>
+          <p:cNvPr id="41" name="矩形 40">
+            <a:extLst>
+              <a:ext uri="{FF2B5EF4-FFF2-40B4-BE49-F238E27FC236}">
+                <a16:creationId xmlns:a16="http://schemas.microsoft.com/office/drawing/2014/main" id="{2865E445-26B0-FBBD-E099-B8751619A153}"/>
+              </a:ext>
+            </a:extLst>
+          </p:cNvPr>
+          <p:cNvSpPr/>
+          <p:nvPr/>
+        </p:nvSpPr>
+        <p:spPr>
+          <a:xfrm>
+            <a:off x="2746513" y="909966"/>
+            <a:ext cx="1732722" cy="5126399"/>
+          </a:xfrm>
+          <a:prstGeom prst="rect">
+            <a:avLst/>
+          </a:prstGeom>
+          <a:noFill/>
+          <a:ln w="19050">
+            <a:solidFill>
+              <a:schemeClr val="accent2">
+                <a:lumMod val="60000"/>
+                <a:lumOff val="40000"/>
+              </a:schemeClr>
+            </a:solidFill>
+          </a:ln>
+        </p:spPr>
+        <p:style>
+          <a:lnRef idx="2">
+            <a:schemeClr val="accent1">
+              <a:shade val="50000"/>
+            </a:schemeClr>
+          </a:lnRef>
+          <a:fillRef idx="1">
+            <a:schemeClr val="accent1"/>
+          </a:fillRef>
+          <a:effectRef idx="0">
+            <a:schemeClr val="accent1"/>
+          </a:effectRef>
+          <a:fontRef idx="minor">
+            <a:schemeClr val="lt1"/>
+          </a:fontRef>
+        </p:style>
+        <p:txBody>
+          <a:bodyPr rtlCol="0" anchor="ctr"/>
+          <a:lstStyle/>
+          <a:p>
+            <a:pPr algn="ctr"/>
+            <a:endParaRPr lang="zh-CN" altLang="en-US"/>
+          </a:p>
+        </p:txBody>
+      </p:sp>
+      <p:sp>
+        <p:nvSpPr>
+          <p:cNvPr id="42" name="矩形 41">
+            <a:extLst>
+              <a:ext uri="{FF2B5EF4-FFF2-40B4-BE49-F238E27FC236}">
+                <a16:creationId xmlns:a16="http://schemas.microsoft.com/office/drawing/2014/main" id="{36A2535E-30AF-5F60-F76B-53921147F9F6}"/>
+              </a:ext>
+            </a:extLst>
+          </p:cNvPr>
+          <p:cNvSpPr/>
+          <p:nvPr/>
+        </p:nvSpPr>
+        <p:spPr>
+          <a:xfrm>
+            <a:off x="5251173" y="1678056"/>
+            <a:ext cx="3942521" cy="3756991"/>
+          </a:xfrm>
+          <a:prstGeom prst="rect">
+            <a:avLst/>
+          </a:prstGeom>
+          <a:noFill/>
+          <a:ln w="19050">
+            <a:solidFill>
+              <a:schemeClr val="accent2">
+                <a:lumMod val="60000"/>
+                <a:lumOff val="40000"/>
+              </a:schemeClr>
+            </a:solidFill>
+          </a:ln>
+        </p:spPr>
+        <p:style>
+          <a:lnRef idx="2">
+            <a:schemeClr val="accent1">
+              <a:shade val="50000"/>
+            </a:schemeClr>
+          </a:lnRef>
+          <a:fillRef idx="1">
+            <a:schemeClr val="accent1"/>
+          </a:fillRef>
+          <a:effectRef idx="0">
+            <a:schemeClr val="accent1"/>
+          </a:effectRef>
+          <a:fontRef idx="minor">
+            <a:schemeClr val="lt1"/>
+          </a:fontRef>
+        </p:style>
+        <p:txBody>
+          <a:bodyPr rtlCol="0" anchor="ctr"/>
+          <a:lstStyle/>
+          <a:p>
+            <a:pPr algn="ctr"/>
+            <a:endParaRPr lang="zh-CN" altLang="en-US"/>
+          </a:p>
+        </p:txBody>
+      </p:sp>
+      <p:sp>
+        <p:nvSpPr>
+          <p:cNvPr id="43" name="矩形 42">
+            <a:extLst>
+              <a:ext uri="{FF2B5EF4-FFF2-40B4-BE49-F238E27FC236}">
+                <a16:creationId xmlns:a16="http://schemas.microsoft.com/office/drawing/2014/main" id="{88288733-472D-C179-B5D2-76194EBF9CDA}"/>
+              </a:ext>
+            </a:extLst>
+          </p:cNvPr>
+          <p:cNvSpPr/>
+          <p:nvPr/>
+        </p:nvSpPr>
+        <p:spPr>
+          <a:xfrm>
+            <a:off x="10217426" y="2910509"/>
+            <a:ext cx="1732722" cy="1200978"/>
+          </a:xfrm>
+          <a:prstGeom prst="rect">
+            <a:avLst/>
+          </a:prstGeom>
+          <a:noFill/>
+          <a:ln w="19050">
+            <a:solidFill>
+              <a:schemeClr val="accent2">
+                <a:lumMod val="60000"/>
+                <a:lumOff val="40000"/>
+              </a:schemeClr>
+            </a:solidFill>
+          </a:ln>
+        </p:spPr>
+        <p:style>
+          <a:lnRef idx="2">
+            <a:schemeClr val="accent1">
+              <a:shade val="50000"/>
+            </a:schemeClr>
+          </a:lnRef>
+          <a:fillRef idx="1">
+            <a:schemeClr val="accent1"/>
+          </a:fillRef>
+          <a:effectRef idx="0">
+            <a:schemeClr val="accent1"/>
+          </a:effectRef>
+          <a:fontRef idx="minor">
+            <a:schemeClr val="lt1"/>
+          </a:fontRef>
+        </p:style>
+        <p:txBody>
+          <a:bodyPr rtlCol="0" anchor="ctr"/>
+          <a:lstStyle/>
+          <a:p>
+            <a:pPr algn="ctr"/>
+            <a:endParaRPr lang="zh-CN" altLang="en-US"/>
+          </a:p>
+        </p:txBody>
+      </p:sp>
+      <p:sp>
+        <p:nvSpPr>
+          <p:cNvPr id="44" name="椭圆 43">
+            <a:extLst>
+              <a:ext uri="{FF2B5EF4-FFF2-40B4-BE49-F238E27FC236}">
+                <a16:creationId xmlns:a16="http://schemas.microsoft.com/office/drawing/2014/main" id="{52C8F1ED-6F59-B278-8945-710EF8394C11}"/>
+              </a:ext>
+            </a:extLst>
+          </p:cNvPr>
+          <p:cNvSpPr/>
+          <p:nvPr/>
+        </p:nvSpPr>
+        <p:spPr>
+          <a:xfrm>
+            <a:off x="10997087" y="431790"/>
+            <a:ext cx="360000" cy="360000"/>
+          </a:xfrm>
+          <a:prstGeom prst="ellipse">
+            <a:avLst/>
+          </a:prstGeom>
+          <a:solidFill>
+            <a:schemeClr val="tx1"/>
+          </a:solidFill>
+          <a:ln>
+            <a:solidFill>
+              <a:schemeClr val="tx1"/>
+            </a:solidFill>
+          </a:ln>
+        </p:spPr>
+        <p:style>
+          <a:lnRef idx="2">
+            <a:schemeClr val="accent1">
+              <a:shade val="50000"/>
+            </a:schemeClr>
+          </a:lnRef>
+          <a:fillRef idx="1">
+            <a:schemeClr val="accent1"/>
+          </a:fillRef>
+          <a:effectRef idx="0">
+            <a:schemeClr val="accent1"/>
+          </a:effectRef>
+          <a:fontRef idx="minor">
+            <a:schemeClr val="lt1"/>
+          </a:fontRef>
+        </p:style>
+        <p:txBody>
+          <a:bodyPr rtlCol="0" anchor="ctr"/>
+          <a:lstStyle/>
+          <a:p>
+            <a:pPr algn="ctr"/>
+            <a:r>
+              <a:rPr lang="en-US" altLang="zh-CN" dirty="0"/>
+              <a:t>4</a:t>
+            </a:r>
+            <a:endParaRPr lang="zh-CN" altLang="en-US" dirty="0"/>
+          </a:p>
+        </p:txBody>
+      </p:sp>
+      <p:sp>
+        <p:nvSpPr>
+          <p:cNvPr id="47" name="矩形 46">
+            <a:extLst>
+              <a:ext uri="{FF2B5EF4-FFF2-40B4-BE49-F238E27FC236}">
+                <a16:creationId xmlns:a16="http://schemas.microsoft.com/office/drawing/2014/main" id="{29CC4E1C-1F5A-1963-6455-54DC2CF15DE1}"/>
+              </a:ext>
+            </a:extLst>
+          </p:cNvPr>
+          <p:cNvSpPr/>
+          <p:nvPr/>
+        </p:nvSpPr>
+        <p:spPr>
+          <a:xfrm>
+            <a:off x="2998305" y="1271352"/>
+            <a:ext cx="1186070" cy="887896"/>
+          </a:xfrm>
+          <a:prstGeom prst="rect">
+            <a:avLst/>
+          </a:prstGeom>
+        </p:spPr>
+        <p:style>
+          <a:lnRef idx="2">
+            <a:schemeClr val="accent1">
+              <a:shade val="50000"/>
+            </a:schemeClr>
+          </a:lnRef>
+          <a:fillRef idx="1">
+            <a:schemeClr val="accent1"/>
+          </a:fillRef>
+          <a:effectRef idx="0">
+            <a:schemeClr val="accent1"/>
+          </a:effectRef>
+          <a:fontRef idx="minor">
+            <a:schemeClr val="lt1"/>
+          </a:fontRef>
+        </p:style>
+        <p:txBody>
+          <a:bodyPr rtlCol="0" anchor="ctr"/>
+          <a:lstStyle/>
+          <a:p>
+            <a:pPr algn="ctr"/>
+            <a:r>
+              <a:rPr lang="zh-CN" altLang="en-US" dirty="0"/>
+              <a:t>考虑异构传感器</a:t>
+            </a:r>
+          </a:p>
+        </p:txBody>
+      </p:sp>
+      <p:cxnSp>
+        <p:nvCxnSpPr>
+          <p:cNvPr id="49" name="直接箭头连接符 48">
+            <a:extLst>
+              <a:ext uri="{FF2B5EF4-FFF2-40B4-BE49-F238E27FC236}">
+                <a16:creationId xmlns:a16="http://schemas.microsoft.com/office/drawing/2014/main" id="{AF5587AE-E37F-3173-F107-7187FE36A2DB}"/>
+              </a:ext>
+            </a:extLst>
+          </p:cNvPr>
+          <p:cNvCxnSpPr>
+            <a:cxnSpLocks/>
+          </p:cNvCxnSpPr>
+          <p:nvPr/>
+        </p:nvCxnSpPr>
+        <p:spPr>
+          <a:xfrm flipV="1">
+            <a:off x="3591340" y="3980622"/>
+            <a:ext cx="0" cy="713960"/>
+          </a:xfrm>
+          <a:prstGeom prst="straightConnector1">
+            <a:avLst/>
+          </a:prstGeom>
+          <a:ln w="19050">
+            <a:tailEnd type="triangle"/>
+          </a:ln>
+        </p:spPr>
+        <p:style>
+          <a:lnRef idx="1">
+            <a:schemeClr val="accent6"/>
+          </a:lnRef>
+          <a:fillRef idx="0">
+            <a:schemeClr val="accent6"/>
+          </a:fillRef>
+          <a:effectRef idx="0">
+            <a:schemeClr val="accent6"/>
+          </a:effectRef>
+          <a:fontRef idx="minor">
+            <a:schemeClr val="tx1"/>
+          </a:fontRef>
+        </p:style>
+      </p:cxnSp>
+      <p:cxnSp>
+        <p:nvCxnSpPr>
+          <p:cNvPr id="50" name="直接箭头连接符 49">
+            <a:extLst>
+              <a:ext uri="{FF2B5EF4-FFF2-40B4-BE49-F238E27FC236}">
+                <a16:creationId xmlns:a16="http://schemas.microsoft.com/office/drawing/2014/main" id="{568C7546-7CE5-F699-85C6-B815F80EFFF2}"/>
+              </a:ext>
+            </a:extLst>
+          </p:cNvPr>
+          <p:cNvCxnSpPr/>
+          <p:nvPr/>
+        </p:nvCxnSpPr>
+        <p:spPr>
+          <a:xfrm>
+            <a:off x="3591340" y="2325756"/>
+            <a:ext cx="0" cy="556591"/>
+          </a:xfrm>
+          <a:prstGeom prst="straightConnector1">
+            <a:avLst/>
+          </a:prstGeom>
+          <a:ln w="19050">
+            <a:tailEnd type="triangle"/>
+          </a:ln>
+        </p:spPr>
+        <p:style>
+          <a:lnRef idx="1">
+            <a:schemeClr val="accent6"/>
+          </a:lnRef>
+          <a:fillRef idx="0">
+            <a:schemeClr val="accent6"/>
+          </a:fillRef>
+          <a:effectRef idx="0">
+            <a:schemeClr val="accent6"/>
+          </a:effectRef>
+          <a:fontRef idx="minor">
+            <a:schemeClr val="tx1"/>
+          </a:fontRef>
+        </p:style>
+      </p:cxnSp>
+    </p:spTree>
+    <p:extLst>
+      <p:ext uri="{BB962C8B-B14F-4D97-AF65-F5344CB8AC3E}">
+        <p14:creationId xmlns:p14="http://schemas.microsoft.com/office/powerpoint/2010/main" val="608613770"/>
+      </p:ext>
+    </p:extLst>
+  </p:cSld>
+  <p:clrMapOvr>
+    <a:masterClrMapping/>
+  </p:clrMapOvr>
+</p:sld>
+</file>
+
+<file path=ppt/slides/slide19.xml><?xml version="1.0" encoding="utf-8"?>
+<p:sld xmlns:a="http://schemas.openxmlformats.org/drawingml/2006/main" xmlns:r="http://schemas.openxmlformats.org/officeDocument/2006/relationships" xmlns:p="http://schemas.openxmlformats.org/presentationml/2006/main">
+  <p:cSld>
+    <p:spTree>
+      <p:nvGrpSpPr>
+        <p:cNvPr id="1" name=""/>
+        <p:cNvGrpSpPr/>
+        <p:nvPr/>
+      </p:nvGrpSpPr>
+      <p:grpSpPr>
+        <a:xfrm>
+          <a:off x="0" y="0"/>
+          <a:ext cx="0" cy="0"/>
+          <a:chOff x="0" y="0"/>
+          <a:chExt cx="0" cy="0"/>
+        </a:xfrm>
+      </p:grpSpPr>
+      <p:cxnSp>
+        <p:nvCxnSpPr>
+          <p:cNvPr id="7" name="直接连接符 6">
+            <a:extLst>
+              <a:ext uri="{FF2B5EF4-FFF2-40B4-BE49-F238E27FC236}">
+                <a16:creationId xmlns:a16="http://schemas.microsoft.com/office/drawing/2014/main" id="{F8532345-0245-9023-08C1-7807C5C339FB}"/>
+              </a:ext>
+            </a:extLst>
+          </p:cNvPr>
+          <p:cNvCxnSpPr>
+            <a:cxnSpLocks/>
+          </p:cNvCxnSpPr>
+          <p:nvPr/>
+        </p:nvCxnSpPr>
+        <p:spPr>
+          <a:xfrm flipH="1">
+            <a:off x="2701636" y="235527"/>
+            <a:ext cx="1641765" cy="3775364"/>
+          </a:xfrm>
+          <a:prstGeom prst="line">
+            <a:avLst/>
+          </a:prstGeom>
+        </p:spPr>
+        <p:style>
+          <a:lnRef idx="1">
+            <a:schemeClr val="accent1"/>
+          </a:lnRef>
+          <a:fillRef idx="0">
+            <a:schemeClr val="accent1"/>
+          </a:fillRef>
+          <a:effectRef idx="0">
+            <a:schemeClr val="accent1"/>
+          </a:effectRef>
+          <a:fontRef idx="minor">
+            <a:schemeClr val="tx1"/>
+          </a:fontRef>
+        </p:style>
+      </p:cxnSp>
+      <p:cxnSp>
+        <p:nvCxnSpPr>
+          <p:cNvPr id="8" name="直接连接符 7">
+            <a:extLst>
+              <a:ext uri="{FF2B5EF4-FFF2-40B4-BE49-F238E27FC236}">
+                <a16:creationId xmlns:a16="http://schemas.microsoft.com/office/drawing/2014/main" id="{4CBDA432-9C25-0B6E-F230-5F191923CB2F}"/>
+              </a:ext>
+            </a:extLst>
+          </p:cNvPr>
+          <p:cNvCxnSpPr>
+            <a:cxnSpLocks/>
+          </p:cNvCxnSpPr>
+          <p:nvPr/>
+        </p:nvCxnSpPr>
+        <p:spPr>
+          <a:xfrm>
+            <a:off x="4357255" y="235527"/>
+            <a:ext cx="2182090" cy="3775364"/>
+          </a:xfrm>
+          <a:prstGeom prst="line">
+            <a:avLst/>
+          </a:prstGeom>
+        </p:spPr>
+        <p:style>
+          <a:lnRef idx="1">
+            <a:schemeClr val="accent1"/>
+          </a:lnRef>
+          <a:fillRef idx="0">
+            <a:schemeClr val="accent1"/>
+          </a:fillRef>
+          <a:effectRef idx="0">
+            <a:schemeClr val="accent1"/>
+          </a:effectRef>
+          <a:fontRef idx="minor">
+            <a:schemeClr val="tx1"/>
+          </a:fontRef>
+        </p:style>
+      </p:cxnSp>
+      <p:cxnSp>
+        <p:nvCxnSpPr>
+          <p:cNvPr id="17" name="直接连接符 16">
+            <a:extLst>
+              <a:ext uri="{FF2B5EF4-FFF2-40B4-BE49-F238E27FC236}">
+                <a16:creationId xmlns:a16="http://schemas.microsoft.com/office/drawing/2014/main" id="{06492013-DC09-024A-E8F2-44581D83AAA2}"/>
+              </a:ext>
+            </a:extLst>
+          </p:cNvPr>
+          <p:cNvCxnSpPr>
+            <a:cxnSpLocks/>
+          </p:cNvCxnSpPr>
+          <p:nvPr/>
+        </p:nvCxnSpPr>
+        <p:spPr>
+          <a:xfrm flipH="1">
+            <a:off x="2701636" y="4010891"/>
+            <a:ext cx="3851563" cy="0"/>
+          </a:xfrm>
+          <a:prstGeom prst="line">
+            <a:avLst/>
+          </a:prstGeom>
+        </p:spPr>
+        <p:style>
+          <a:lnRef idx="1">
+            <a:schemeClr val="accent1"/>
+          </a:lnRef>
+          <a:fillRef idx="0">
+            <a:schemeClr val="accent1"/>
+          </a:fillRef>
+          <a:effectRef idx="0">
+            <a:schemeClr val="accent1"/>
+          </a:effectRef>
+          <a:fontRef idx="minor">
+            <a:schemeClr val="tx1"/>
+          </a:fontRef>
+        </p:style>
+      </p:cxnSp>
+      <p:cxnSp>
+        <p:nvCxnSpPr>
+          <p:cNvPr id="24" name="直接连接符 23">
+            <a:extLst>
+              <a:ext uri="{FF2B5EF4-FFF2-40B4-BE49-F238E27FC236}">
+                <a16:creationId xmlns:a16="http://schemas.microsoft.com/office/drawing/2014/main" id="{35ABE1A3-CDB6-E628-6E97-48DCAC9AE099}"/>
+              </a:ext>
+            </a:extLst>
+          </p:cNvPr>
+          <p:cNvCxnSpPr>
+            <a:cxnSpLocks/>
+          </p:cNvCxnSpPr>
+          <p:nvPr/>
+        </p:nvCxnSpPr>
+        <p:spPr>
+          <a:xfrm flipH="1">
+            <a:off x="3740727" y="1593273"/>
+            <a:ext cx="1413164" cy="0"/>
+          </a:xfrm>
+          <a:prstGeom prst="line">
+            <a:avLst/>
+          </a:prstGeom>
+        </p:spPr>
+        <p:style>
+          <a:lnRef idx="1">
+            <a:schemeClr val="accent1"/>
+          </a:lnRef>
+          <a:fillRef idx="0">
+            <a:schemeClr val="accent1"/>
+          </a:fillRef>
+          <a:effectRef idx="0">
+            <a:schemeClr val="accent1"/>
+          </a:effectRef>
+          <a:fontRef idx="minor">
+            <a:schemeClr val="tx1"/>
+          </a:fontRef>
+        </p:style>
+      </p:cxnSp>
+      <p:sp>
+        <p:nvSpPr>
+          <p:cNvPr id="29" name="文本框 28">
+            <a:extLst>
+              <a:ext uri="{FF2B5EF4-FFF2-40B4-BE49-F238E27FC236}">
+                <a16:creationId xmlns:a16="http://schemas.microsoft.com/office/drawing/2014/main" id="{C378270D-8ABF-E0F3-8B78-93FD2B361146}"/>
+              </a:ext>
+            </a:extLst>
+          </p:cNvPr>
+          <p:cNvSpPr txBox="1"/>
+          <p:nvPr/>
+        </p:nvSpPr>
+        <p:spPr>
+          <a:xfrm>
+            <a:off x="3879271" y="1060058"/>
+            <a:ext cx="1330037" cy="369332"/>
+          </a:xfrm>
+          <a:prstGeom prst="rect">
+            <a:avLst/>
+          </a:prstGeom>
+          <a:noFill/>
+        </p:spPr>
+        <p:txBody>
+          <a:bodyPr wrap="square" rtlCol="0">
+            <a:spAutoFit/>
+          </a:bodyPr>
+          <a:lstStyle/>
+          <a:p>
+            <a:r>
+              <a:rPr lang="en-US" altLang="zh-CN" dirty="0"/>
+              <a:t>Class label</a:t>
+            </a:r>
+            <a:endParaRPr lang="zh-CN" altLang="en-US" dirty="0"/>
+          </a:p>
+        </p:txBody>
+      </p:sp>
+      <p:sp>
+        <p:nvSpPr>
+          <p:cNvPr id="30" name="文本框 29">
+            <a:extLst>
+              <a:ext uri="{FF2B5EF4-FFF2-40B4-BE49-F238E27FC236}">
+                <a16:creationId xmlns:a16="http://schemas.microsoft.com/office/drawing/2014/main" id="{C57A8D0E-D0E6-635D-8365-0F209A171669}"/>
+              </a:ext>
+            </a:extLst>
+          </p:cNvPr>
+          <p:cNvSpPr txBox="1"/>
+          <p:nvPr/>
+        </p:nvSpPr>
+        <p:spPr>
+          <a:xfrm>
+            <a:off x="4100945" y="3000786"/>
+            <a:ext cx="879764" cy="369332"/>
+          </a:xfrm>
+          <a:prstGeom prst="rect">
+            <a:avLst/>
+          </a:prstGeom>
+          <a:noFill/>
+        </p:spPr>
+        <p:txBody>
+          <a:bodyPr wrap="square" rtlCol="0">
+            <a:spAutoFit/>
+          </a:bodyPr>
+          <a:lstStyle/>
+          <a:p>
+            <a:r>
+              <a:rPr lang="en-US" altLang="zh-CN" dirty="0"/>
+              <a:t>Color</a:t>
+            </a:r>
+            <a:endParaRPr lang="zh-CN" altLang="en-US" dirty="0"/>
+          </a:p>
+        </p:txBody>
+      </p:sp>
+      <p:sp>
+        <p:nvSpPr>
+          <p:cNvPr id="31" name="文本框 30">
+            <a:extLst>
+              <a:ext uri="{FF2B5EF4-FFF2-40B4-BE49-F238E27FC236}">
+                <a16:creationId xmlns:a16="http://schemas.microsoft.com/office/drawing/2014/main" id="{85494E48-E24D-C302-1372-75F92B1F2874}"/>
+              </a:ext>
+            </a:extLst>
+          </p:cNvPr>
+          <p:cNvSpPr txBox="1"/>
+          <p:nvPr/>
+        </p:nvSpPr>
+        <p:spPr>
+          <a:xfrm>
+            <a:off x="3657598" y="1981292"/>
+            <a:ext cx="1939638" cy="369332"/>
+          </a:xfrm>
+          <a:prstGeom prst="rect">
+            <a:avLst/>
+          </a:prstGeom>
+          <a:noFill/>
+        </p:spPr>
+        <p:txBody>
+          <a:bodyPr wrap="square" rtlCol="0">
+            <a:spAutoFit/>
+          </a:bodyPr>
+          <a:lstStyle/>
+          <a:p>
+            <a:r>
+              <a:rPr lang="en-US" altLang="zh-CN" dirty="0"/>
+              <a:t>Object Shape</a:t>
+            </a:r>
+            <a:endParaRPr lang="zh-CN" altLang="en-US" dirty="0"/>
+          </a:p>
+        </p:txBody>
+      </p:sp>
+      <p:cxnSp>
+        <p:nvCxnSpPr>
+          <p:cNvPr id="38" name="直接连接符 37">
+            <a:extLst>
+              <a:ext uri="{FF2B5EF4-FFF2-40B4-BE49-F238E27FC236}">
+                <a16:creationId xmlns:a16="http://schemas.microsoft.com/office/drawing/2014/main" id="{1E4EC81E-0D55-1744-050E-F41CA5337AC3}"/>
+              </a:ext>
+            </a:extLst>
+          </p:cNvPr>
+          <p:cNvCxnSpPr>
+            <a:cxnSpLocks/>
+          </p:cNvCxnSpPr>
+          <p:nvPr/>
+        </p:nvCxnSpPr>
+        <p:spPr>
+          <a:xfrm flipH="1">
+            <a:off x="3276599" y="2729345"/>
+            <a:ext cx="2528456" cy="0"/>
+          </a:xfrm>
+          <a:prstGeom prst="line">
+            <a:avLst/>
+          </a:prstGeom>
+        </p:spPr>
+        <p:style>
+          <a:lnRef idx="1">
+            <a:schemeClr val="accent1"/>
+          </a:lnRef>
+          <a:fillRef idx="0">
+            <a:schemeClr val="accent1"/>
+          </a:fillRef>
+          <a:effectRef idx="0">
+            <a:schemeClr val="accent1"/>
+          </a:effectRef>
+          <a:fontRef idx="minor">
+            <a:schemeClr val="tx1"/>
+          </a:fontRef>
+        </p:style>
+      </p:cxnSp>
+    </p:spTree>
+    <p:extLst>
+      <p:ext uri="{BB962C8B-B14F-4D97-AF65-F5344CB8AC3E}">
+        <p14:creationId xmlns:p14="http://schemas.microsoft.com/office/powerpoint/2010/main" val="3553848077"/>
+      </p:ext>
+    </p:extLst>
+  </p:cSld>
+  <p:clrMapOvr>
+    <a:masterClrMapping/>
+  </p:clrMapOvr>
+</p:sld>
+</file>
+
+<file path=ppt/slides/slide2.xml><?xml version="1.0" encoding="utf-8"?>
+<p:sld xmlns:a="http://schemas.openxmlformats.org/drawingml/2006/main" xmlns:r="http://schemas.openxmlformats.org/officeDocument/2006/relationships" xmlns:p="http://schemas.openxmlformats.org/presentationml/2006/main">
+  <p:cSld>
+    <p:spTree>
+      <p:nvGrpSpPr>
+        <p:cNvPr id="1" name=""/>
+        <p:cNvGrpSpPr/>
+        <p:nvPr/>
+      </p:nvGrpSpPr>
+      <p:grpSpPr>
+        <a:xfrm>
+          <a:off x="0" y="0"/>
+          <a:ext cx="0" cy="0"/>
+          <a:chOff x="0" y="0"/>
+          <a:chExt cx="0" cy="0"/>
+        </a:xfrm>
+      </p:grpSpPr>
+      <p:sp>
+        <p:nvSpPr>
+          <p:cNvPr id="7" name="文本框 6">
+            <a:extLst>
+              <a:ext uri="{FF2B5EF4-FFF2-40B4-BE49-F238E27FC236}">
+                <a16:creationId xmlns:a16="http://schemas.microsoft.com/office/drawing/2014/main" id="{E0894DAC-C2CB-E549-2473-4015172842D3}"/>
+              </a:ext>
+            </a:extLst>
+          </p:cNvPr>
+          <p:cNvSpPr txBox="1"/>
+          <p:nvPr/>
+        </p:nvSpPr>
+        <p:spPr>
+          <a:xfrm>
+            <a:off x="1211783" y="1775791"/>
+            <a:ext cx="8845826" cy="923330"/>
+          </a:xfrm>
+          <a:prstGeom prst="rect">
+            <a:avLst/>
+          </a:prstGeom>
+          <a:noFill/>
+        </p:spPr>
+        <p:txBody>
+          <a:bodyPr wrap="square" rtlCol="0">
+            <a:spAutoFit/>
+          </a:bodyPr>
+          <a:lstStyle/>
+          <a:p>
+            <a:r>
+              <a:rPr lang="en-US" altLang="zh-CN" dirty="0"/>
+              <a:t>1.</a:t>
+            </a:r>
+            <a:r>
+              <a:rPr lang="zh-CN" altLang="en-US" dirty="0"/>
+              <a:t>如果是</a:t>
+            </a:r>
+            <a:r>
+              <a:rPr lang="en-US" altLang="zh-CN" dirty="0"/>
+              <a:t>fully-connected</a:t>
+            </a:r>
+            <a:r>
+              <a:rPr lang="zh-CN" altLang="en-US" dirty="0"/>
+              <a:t>的方式，会导致随着</a:t>
+            </a:r>
+            <a:r>
+              <a:rPr lang="en-US" altLang="zh-CN" dirty="0"/>
+              <a:t>agent</a:t>
+            </a:r>
+            <a:r>
+              <a:rPr lang="zh-CN" altLang="en-US" dirty="0"/>
+              <a:t>的变多，带宽快速下降，所以我们要考虑应该如何有选择地组建通信组，同时，如果别的</a:t>
+            </a:r>
+            <a:r>
+              <a:rPr lang="en-US" altLang="zh-CN" dirty="0"/>
+              <a:t>agent</a:t>
+            </a:r>
+            <a:r>
+              <a:rPr lang="zh-CN" altLang="en-US" dirty="0"/>
+              <a:t>对本</a:t>
+            </a:r>
+            <a:r>
+              <a:rPr lang="en-US" altLang="zh-CN" dirty="0"/>
+              <a:t>agent</a:t>
+            </a:r>
+            <a:r>
+              <a:rPr lang="zh-CN" altLang="en-US" dirty="0"/>
+              <a:t>的信息补充没什么效果，我们也应该选择性地不进行通信</a:t>
+            </a:r>
+          </a:p>
+        </p:txBody>
+      </p:sp>
+      <p:sp>
+        <p:nvSpPr>
+          <p:cNvPr id="8" name="文本框 7">
+            <a:extLst>
+              <a:ext uri="{FF2B5EF4-FFF2-40B4-BE49-F238E27FC236}">
+                <a16:creationId xmlns:a16="http://schemas.microsoft.com/office/drawing/2014/main" id="{91E840AA-65DA-62D8-D949-1D985F41C296}"/>
+              </a:ext>
+            </a:extLst>
+          </p:cNvPr>
+          <p:cNvSpPr txBox="1"/>
+          <p:nvPr/>
+        </p:nvSpPr>
+        <p:spPr>
+          <a:xfrm>
+            <a:off x="1264791" y="808587"/>
+            <a:ext cx="4731818" cy="369332"/>
+          </a:xfrm>
+          <a:prstGeom prst="rect">
+            <a:avLst/>
+          </a:prstGeom>
+          <a:noFill/>
+        </p:spPr>
+        <p:txBody>
+          <a:bodyPr wrap="square" rtlCol="0">
+            <a:spAutoFit/>
+          </a:bodyPr>
+          <a:lstStyle/>
+          <a:p>
+            <a:r>
+              <a:rPr lang="zh-CN" altLang="en-US" dirty="0"/>
+              <a:t>多机通信需要考虑的问题</a:t>
+            </a:r>
+          </a:p>
+        </p:txBody>
+      </p:sp>
+      <p:sp>
+        <p:nvSpPr>
+          <p:cNvPr id="10" name="文本框 9">
+            <a:extLst>
+              <a:ext uri="{FF2B5EF4-FFF2-40B4-BE49-F238E27FC236}">
+                <a16:creationId xmlns:a16="http://schemas.microsoft.com/office/drawing/2014/main" id="{6C26ED0D-8932-4D43-34DB-4328919E3F7C}"/>
+              </a:ext>
+            </a:extLst>
+          </p:cNvPr>
+          <p:cNvSpPr txBox="1"/>
+          <p:nvPr/>
+        </p:nvSpPr>
+        <p:spPr>
+          <a:xfrm>
+            <a:off x="1211783" y="3081130"/>
+            <a:ext cx="8845826" cy="369332"/>
+          </a:xfrm>
+          <a:prstGeom prst="rect">
+            <a:avLst/>
+          </a:prstGeom>
+          <a:noFill/>
+        </p:spPr>
+        <p:txBody>
+          <a:bodyPr wrap="square" rtlCol="0">
+            <a:spAutoFit/>
+          </a:bodyPr>
+          <a:lstStyle/>
+          <a:p>
+            <a:r>
+              <a:rPr lang="en-US" altLang="zh-CN" dirty="0"/>
+              <a:t>2.</a:t>
+            </a:r>
+            <a:r>
+              <a:rPr lang="zh-CN" altLang="en-US" dirty="0"/>
+              <a:t>通信过程中数据的传播方式，是</a:t>
+            </a:r>
+            <a:r>
+              <a:rPr lang="en-US" altLang="zh-CN" dirty="0"/>
+              <a:t>raw-data</a:t>
+            </a:r>
+            <a:r>
+              <a:rPr lang="zh-CN" altLang="en-US" dirty="0"/>
+              <a:t>还是 压缩后的结果，如何进行压缩？</a:t>
+            </a:r>
+          </a:p>
+        </p:txBody>
+      </p:sp>
+    </p:spTree>
+    <p:extLst>
+      <p:ext uri="{BB962C8B-B14F-4D97-AF65-F5344CB8AC3E}">
+        <p14:creationId xmlns:p14="http://schemas.microsoft.com/office/powerpoint/2010/main" val="3885353911"/>
+      </p:ext>
+    </p:extLst>
+  </p:cSld>
+  <p:clrMapOvr>
+    <a:masterClrMapping/>
+  </p:clrMapOvr>
+</p:sld>
+</file>
+
+<file path=ppt/slides/slide3.xml><?xml version="1.0" encoding="utf-8"?>
+<p:sld xmlns:a="http://schemas.openxmlformats.org/drawingml/2006/main" xmlns:r="http://schemas.openxmlformats.org/officeDocument/2006/relationships" xmlns:p="http://schemas.openxmlformats.org/presentationml/2006/main">
+  <p:cSld>
+    <p:spTree>
+      <p:nvGrpSpPr>
+        <p:cNvPr id="1" name=""/>
+        <p:cNvGrpSpPr/>
+        <p:nvPr/>
+      </p:nvGrpSpPr>
+      <p:grpSpPr>
+        <a:xfrm>
+          <a:off x="0" y="0"/>
+          <a:ext cx="0" cy="0"/>
+          <a:chOff x="0" y="0"/>
+          <a:chExt cx="0" cy="0"/>
+        </a:xfrm>
+      </p:grpSpPr>
+      <p:sp>
+        <p:nvSpPr>
+          <p:cNvPr id="5" name="文本框 4">
+            <a:extLst>
+              <a:ext uri="{FF2B5EF4-FFF2-40B4-BE49-F238E27FC236}">
+                <a16:creationId xmlns:a16="http://schemas.microsoft.com/office/drawing/2014/main" id="{118F682E-96E7-47ED-35E4-AA1E9E1F9556}"/>
+              </a:ext>
+            </a:extLst>
+          </p:cNvPr>
+          <p:cNvSpPr txBox="1"/>
+          <p:nvPr/>
+        </p:nvSpPr>
+        <p:spPr>
+          <a:xfrm>
+            <a:off x="596349" y="137275"/>
+            <a:ext cx="9309653" cy="369332"/>
+          </a:xfrm>
+          <a:prstGeom prst="rect">
+            <a:avLst/>
+          </a:prstGeom>
+          <a:noFill/>
+        </p:spPr>
+        <p:txBody>
+          <a:bodyPr wrap="square">
+            <a:spAutoFit/>
+          </a:bodyPr>
+          <a:lstStyle/>
+          <a:p>
+            <a:r>
+              <a:rPr lang="en-US" altLang="zh-CN" dirty="0"/>
+              <a:t>When2com: Multi-Agent Perception via Communication Graph Grouping CVPR 2020 </a:t>
+            </a:r>
+            <a:endParaRPr lang="zh-CN" altLang="en-US" dirty="0"/>
+          </a:p>
+        </p:txBody>
+      </p:sp>
+      <p:sp>
+        <p:nvSpPr>
+          <p:cNvPr id="6" name="文本框 5">
+            <a:extLst>
+              <a:ext uri="{FF2B5EF4-FFF2-40B4-BE49-F238E27FC236}">
+                <a16:creationId xmlns:a16="http://schemas.microsoft.com/office/drawing/2014/main" id="{648E023C-CE94-443D-929B-4DADE1EE0911}"/>
+              </a:ext>
+            </a:extLst>
+          </p:cNvPr>
+          <p:cNvSpPr txBox="1"/>
+          <p:nvPr/>
+        </p:nvSpPr>
+        <p:spPr>
+          <a:xfrm>
+            <a:off x="1835429" y="779729"/>
+            <a:ext cx="9309653" cy="338554"/>
+          </a:xfrm>
+          <a:prstGeom prst="rect">
+            <a:avLst/>
+          </a:prstGeom>
+          <a:noFill/>
+        </p:spPr>
+        <p:txBody>
+          <a:bodyPr wrap="square">
+            <a:spAutoFit/>
+          </a:bodyPr>
+          <a:lstStyle/>
+          <a:p>
+            <a:r>
+              <a:rPr lang="zh-CN" altLang="en-US" sz="1600" dirty="0"/>
+              <a:t>同时考虑了如何组建通信组以及何时通信的问题</a:t>
+            </a:r>
+          </a:p>
+        </p:txBody>
+      </p:sp>
+      <p:sp>
+        <p:nvSpPr>
+          <p:cNvPr id="7" name="文本框 6">
+            <a:extLst>
+              <a:ext uri="{FF2B5EF4-FFF2-40B4-BE49-F238E27FC236}">
+                <a16:creationId xmlns:a16="http://schemas.microsoft.com/office/drawing/2014/main" id="{E0894DAC-C2CB-E549-2473-4015172842D3}"/>
+              </a:ext>
+            </a:extLst>
+          </p:cNvPr>
+          <p:cNvSpPr txBox="1"/>
+          <p:nvPr/>
+        </p:nvSpPr>
+        <p:spPr>
+          <a:xfrm>
+            <a:off x="1835429" y="1391406"/>
+            <a:ext cx="4737652" cy="369332"/>
+          </a:xfrm>
+          <a:prstGeom prst="rect">
+            <a:avLst/>
+          </a:prstGeom>
+          <a:noFill/>
+        </p:spPr>
+        <p:txBody>
+          <a:bodyPr wrap="square" rtlCol="0">
+            <a:spAutoFit/>
+          </a:bodyPr>
+          <a:lstStyle/>
+          <a:p>
+            <a:r>
+              <a:rPr lang="zh-CN" altLang="en-US" dirty="0"/>
+              <a:t>三阶段通信协议：</a:t>
+            </a:r>
+            <a:r>
+              <a:rPr lang="en-US" altLang="zh-CN" dirty="0"/>
+              <a:t>request</a:t>
+            </a:r>
+            <a:r>
+              <a:rPr lang="zh-CN" altLang="en-US" dirty="0"/>
+              <a:t>、</a:t>
+            </a:r>
+            <a:r>
+              <a:rPr lang="en-US" altLang="zh-CN" dirty="0"/>
+              <a:t>match</a:t>
+            </a:r>
+            <a:r>
+              <a:rPr lang="zh-CN" altLang="en-US" dirty="0"/>
+              <a:t>、</a:t>
+            </a:r>
+            <a:r>
+              <a:rPr lang="en-US" altLang="zh-CN" dirty="0"/>
+              <a:t>select</a:t>
+            </a:r>
+            <a:endParaRPr lang="zh-CN" altLang="en-US" dirty="0"/>
+          </a:p>
+        </p:txBody>
+      </p:sp>
+      <p:pic>
+        <p:nvPicPr>
+          <p:cNvPr id="14" name="图片 13">
+            <a:extLst>
+              <a:ext uri="{FF2B5EF4-FFF2-40B4-BE49-F238E27FC236}">
+                <a16:creationId xmlns:a16="http://schemas.microsoft.com/office/drawing/2014/main" id="{D00A5F98-E4A9-D2BC-2E6B-93568A961C85}"/>
+              </a:ext>
+            </a:extLst>
+          </p:cNvPr>
+          <p:cNvPicPr>
+            <a:picLocks noChangeAspect="1"/>
+          </p:cNvPicPr>
+          <p:nvPr/>
+        </p:nvPicPr>
+        <p:blipFill>
+          <a:blip r:embed="rId2"/>
+          <a:stretch>
+            <a:fillRect/>
+          </a:stretch>
+        </p:blipFill>
+        <p:spPr>
+          <a:xfrm>
+            <a:off x="863047" y="1906321"/>
+            <a:ext cx="9829800" cy="4171950"/>
+          </a:xfrm>
+          <a:prstGeom prst="rect">
+            <a:avLst/>
+          </a:prstGeom>
+        </p:spPr>
+      </p:pic>
+    </p:spTree>
+    <p:extLst>
+      <p:ext uri="{BB962C8B-B14F-4D97-AF65-F5344CB8AC3E}">
+        <p14:creationId xmlns:p14="http://schemas.microsoft.com/office/powerpoint/2010/main" val="4160752958"/>
+      </p:ext>
+    </p:extLst>
+  </p:cSld>
+  <p:clrMapOvr>
+    <a:masterClrMapping/>
+  </p:clrMapOvr>
+</p:sld>
+</file>
+
+<file path=ppt/slides/slide4.xml><?xml version="1.0" encoding="utf-8"?>
+<p:sld xmlns:a="http://schemas.openxmlformats.org/drawingml/2006/main" xmlns:r="http://schemas.openxmlformats.org/officeDocument/2006/relationships" xmlns:p="http://schemas.openxmlformats.org/presentationml/2006/main">
+  <p:cSld>
+    <p:spTree>
+      <p:nvGrpSpPr>
+        <p:cNvPr id="1" name=""/>
+        <p:cNvGrpSpPr/>
+        <p:nvPr/>
+      </p:nvGrpSpPr>
+      <p:grpSpPr>
+        <a:xfrm>
+          <a:off x="0" y="0"/>
+          <a:ext cx="0" cy="0"/>
+          <a:chOff x="0" y="0"/>
+          <a:chExt cx="0" cy="0"/>
+        </a:xfrm>
+      </p:grpSpPr>
+      <p:pic>
+        <p:nvPicPr>
+          <p:cNvPr id="3" name="图片 2">
+            <a:extLst>
+              <a:ext uri="{FF2B5EF4-FFF2-40B4-BE49-F238E27FC236}">
+                <a16:creationId xmlns:a16="http://schemas.microsoft.com/office/drawing/2014/main" id="{C6D05EFB-EFBE-6363-3BA9-3A6310DDBF41}"/>
+              </a:ext>
+            </a:extLst>
+          </p:cNvPr>
+          <p:cNvPicPr>
+            <a:picLocks noChangeAspect="1"/>
+          </p:cNvPicPr>
+          <p:nvPr/>
+        </p:nvPicPr>
+        <p:blipFill>
+          <a:blip r:embed="rId2"/>
+          <a:stretch>
+            <a:fillRect/>
+          </a:stretch>
+        </p:blipFill>
+        <p:spPr>
+          <a:xfrm>
+            <a:off x="377687" y="2174430"/>
+            <a:ext cx="3810000" cy="438150"/>
+          </a:xfrm>
+          <a:prstGeom prst="rect">
+            <a:avLst/>
+          </a:prstGeom>
+        </p:spPr>
+      </p:pic>
+      <p:pic>
+        <p:nvPicPr>
+          <p:cNvPr id="9" name="图片 8">
+            <a:extLst>
+              <a:ext uri="{FF2B5EF4-FFF2-40B4-BE49-F238E27FC236}">
+                <a16:creationId xmlns:a16="http://schemas.microsoft.com/office/drawing/2014/main" id="{BA4369D6-FB17-EFFB-1F17-15A3A673BF9E}"/>
+              </a:ext>
+            </a:extLst>
+          </p:cNvPr>
+          <p:cNvPicPr>
+            <a:picLocks noChangeAspect="1"/>
+          </p:cNvPicPr>
+          <p:nvPr/>
+        </p:nvPicPr>
+        <p:blipFill>
+          <a:blip r:embed="rId3"/>
+          <a:stretch>
+            <a:fillRect/>
+          </a:stretch>
+        </p:blipFill>
+        <p:spPr>
+          <a:xfrm>
+            <a:off x="600489" y="2764570"/>
+            <a:ext cx="2324100" cy="428625"/>
+          </a:xfrm>
+          <a:prstGeom prst="rect">
+            <a:avLst/>
+          </a:prstGeom>
+        </p:spPr>
+      </p:pic>
+      <p:sp>
+        <p:nvSpPr>
+          <p:cNvPr id="10" name="文本框 9">
+            <a:extLst>
+              <a:ext uri="{FF2B5EF4-FFF2-40B4-BE49-F238E27FC236}">
+                <a16:creationId xmlns:a16="http://schemas.microsoft.com/office/drawing/2014/main" id="{3BCD8FD6-8766-C7D3-BA94-797461543418}"/>
+              </a:ext>
+            </a:extLst>
+          </p:cNvPr>
+          <p:cNvSpPr txBox="1"/>
+          <p:nvPr/>
+        </p:nvSpPr>
+        <p:spPr>
+          <a:xfrm>
+            <a:off x="4187687" y="2193443"/>
+            <a:ext cx="6208644" cy="369332"/>
+          </a:xfrm>
+          <a:prstGeom prst="rect">
+            <a:avLst/>
+          </a:prstGeom>
+          <a:noFill/>
+        </p:spPr>
+        <p:txBody>
+          <a:bodyPr wrap="square" rtlCol="0">
+            <a:spAutoFit/>
+          </a:bodyPr>
+          <a:lstStyle/>
+          <a:p>
+            <a:r>
+              <a:rPr lang="zh-CN" altLang="en-US" dirty="0"/>
+              <a:t>把本地的观察数据压缩为</a:t>
+            </a:r>
+            <a:r>
+              <a:rPr lang="en-US" altLang="zh-CN" dirty="0"/>
+              <a:t>query</a:t>
+            </a:r>
+            <a:r>
+              <a:rPr lang="zh-CN" altLang="en-US" dirty="0"/>
+              <a:t>，同时生成查询的</a:t>
+            </a:r>
+            <a:r>
+              <a:rPr lang="en-US" altLang="zh-CN" dirty="0"/>
+              <a:t>key </a:t>
+            </a:r>
+            <a:endParaRPr lang="zh-CN" altLang="en-US" dirty="0"/>
+          </a:p>
+        </p:txBody>
+      </p:sp>
+      <p:sp>
+        <p:nvSpPr>
+          <p:cNvPr id="11" name="文本框 10">
+            <a:extLst>
+              <a:ext uri="{FF2B5EF4-FFF2-40B4-BE49-F238E27FC236}">
+                <a16:creationId xmlns:a16="http://schemas.microsoft.com/office/drawing/2014/main" id="{944585AC-6794-A9BB-E1EF-7B5F1471668B}"/>
+              </a:ext>
+            </a:extLst>
+          </p:cNvPr>
+          <p:cNvSpPr txBox="1"/>
+          <p:nvPr/>
+        </p:nvSpPr>
+        <p:spPr>
+          <a:xfrm>
+            <a:off x="4187687" y="2706973"/>
+            <a:ext cx="6208644" cy="369332"/>
+          </a:xfrm>
+          <a:prstGeom prst="rect">
+            <a:avLst/>
+          </a:prstGeom>
+          <a:noFill/>
+        </p:spPr>
+        <p:txBody>
+          <a:bodyPr wrap="square" rtlCol="0">
+            <a:spAutoFit/>
+          </a:bodyPr>
+          <a:lstStyle/>
+          <a:p>
+            <a:r>
+              <a:rPr lang="zh-CN" altLang="en-US" dirty="0"/>
+              <a:t>比较查询的</a:t>
+            </a:r>
+            <a:r>
+              <a:rPr lang="en-US" altLang="zh-CN" dirty="0"/>
+              <a:t>key</a:t>
+            </a:r>
+            <a:r>
+              <a:rPr lang="zh-CN" altLang="en-US" dirty="0"/>
+              <a:t>和其他</a:t>
+            </a:r>
+            <a:r>
+              <a:rPr lang="en-US" altLang="zh-CN" dirty="0"/>
+              <a:t>agent</a:t>
+            </a:r>
+            <a:r>
+              <a:rPr lang="zh-CN" altLang="en-US" dirty="0"/>
+              <a:t>之间</a:t>
+            </a:r>
+            <a:r>
+              <a:rPr lang="en-US" altLang="zh-CN" dirty="0"/>
+              <a:t>query</a:t>
+            </a:r>
+            <a:r>
+              <a:rPr lang="zh-CN" altLang="en-US" dirty="0"/>
+              <a:t>的相似度</a:t>
+            </a:r>
+          </a:p>
+        </p:txBody>
+      </p:sp>
+      <p:sp>
+        <p:nvSpPr>
+          <p:cNvPr id="12" name="文本框 11">
+            <a:extLst>
+              <a:ext uri="{FF2B5EF4-FFF2-40B4-BE49-F238E27FC236}">
+                <a16:creationId xmlns:a16="http://schemas.microsoft.com/office/drawing/2014/main" id="{E5DAB338-9447-9188-EDF3-C5461CC0A045}"/>
+              </a:ext>
+            </a:extLst>
+          </p:cNvPr>
+          <p:cNvSpPr txBox="1"/>
+          <p:nvPr/>
+        </p:nvSpPr>
+        <p:spPr>
+          <a:xfrm>
+            <a:off x="2027583" y="1113719"/>
+            <a:ext cx="4737652" cy="369332"/>
+          </a:xfrm>
+          <a:prstGeom prst="rect">
+            <a:avLst/>
+          </a:prstGeom>
+          <a:noFill/>
+        </p:spPr>
+        <p:txBody>
+          <a:bodyPr wrap="square" rtlCol="0">
+            <a:spAutoFit/>
+          </a:bodyPr>
+          <a:lstStyle/>
+          <a:p>
+            <a:r>
+              <a:rPr lang="zh-CN" altLang="en-US" dirty="0">
+                <a:solidFill>
+                  <a:srgbClr val="FF0000"/>
+                </a:solidFill>
+              </a:rPr>
+              <a:t>首先解决和谁通信的问题</a:t>
+            </a:r>
+          </a:p>
+        </p:txBody>
+      </p:sp>
+      <p:sp>
+        <p:nvSpPr>
+          <p:cNvPr id="4" name="文本框 3">
+            <a:extLst>
+              <a:ext uri="{FF2B5EF4-FFF2-40B4-BE49-F238E27FC236}">
+                <a16:creationId xmlns:a16="http://schemas.microsoft.com/office/drawing/2014/main" id="{B1E26BB7-9C71-7302-24A0-E519DA873467}"/>
+              </a:ext>
+            </a:extLst>
+          </p:cNvPr>
+          <p:cNvSpPr txBox="1"/>
+          <p:nvPr/>
+        </p:nvSpPr>
+        <p:spPr>
+          <a:xfrm>
+            <a:off x="227094" y="296858"/>
+            <a:ext cx="10169237" cy="1200329"/>
+          </a:xfrm>
+          <a:prstGeom prst="rect">
+            <a:avLst/>
+          </a:prstGeom>
+          <a:noFill/>
+        </p:spPr>
+        <p:txBody>
+          <a:bodyPr wrap="square">
+            <a:spAutoFit/>
+          </a:bodyPr>
+          <a:lstStyle/>
+          <a:p>
+            <a:pPr algn="l"/>
+            <a:r>
+              <a:rPr lang="en-US" altLang="zh-CN" b="1" i="0" dirty="0">
+                <a:solidFill>
+                  <a:srgbClr val="333333"/>
+                </a:solidFill>
+                <a:effectLst/>
+                <a:latin typeface="HelveticaNeue Regular"/>
+              </a:rPr>
+              <a:t>Who2com: Collaborative Perception via Learnable Handshake Communication</a:t>
+            </a:r>
+          </a:p>
+          <a:p>
+            <a:pPr algn="l"/>
+            <a:r>
+              <a:rPr lang="en-US" altLang="zh-CN" b="1" dirty="0">
+                <a:solidFill>
+                  <a:srgbClr val="333333"/>
+                </a:solidFill>
+                <a:latin typeface="HelveticaNeue Regular"/>
+              </a:rPr>
+              <a:t>				ICRA 2020</a:t>
+            </a:r>
+            <a:endParaRPr lang="en-US" altLang="zh-CN" b="1" i="0" dirty="0">
+              <a:solidFill>
+                <a:srgbClr val="333333"/>
+              </a:solidFill>
+              <a:effectLst/>
+              <a:latin typeface="HelveticaNeue Regular"/>
+            </a:endParaRPr>
+          </a:p>
+          <a:p>
+            <a:br>
+              <a:rPr lang="en-US" altLang="zh-CN" b="0" i="0" dirty="0">
+                <a:solidFill>
+                  <a:srgbClr val="333333"/>
+                </a:solidFill>
+                <a:effectLst/>
+                <a:latin typeface="HelveticaNeue Regular"/>
+              </a:rPr>
+            </a:br>
+            <a:endParaRPr lang="zh-CN" altLang="en-US" dirty="0"/>
+          </a:p>
+        </p:txBody>
+      </p:sp>
+      <p:pic>
+        <p:nvPicPr>
+          <p:cNvPr id="1028" name="Picture 4">
+            <a:extLst>
+              <a:ext uri="{FF2B5EF4-FFF2-40B4-BE49-F238E27FC236}">
+                <a16:creationId xmlns:a16="http://schemas.microsoft.com/office/drawing/2014/main" id="{E7491C24-650D-0495-2488-553BAFE7F61C}"/>
+              </a:ext>
+            </a:extLst>
+          </p:cNvPr>
+          <p:cNvPicPr>
+            <a:picLocks noChangeAspect="1" noChangeArrowheads="1"/>
+          </p:cNvPicPr>
+          <p:nvPr/>
+        </p:nvPicPr>
+        <p:blipFill>
+          <a:blip r:embed="rId4">
+            <a:extLst>
+              <a:ext uri="{28A0092B-C50C-407E-A947-70E740481C1C}">
+                <a14:useLocalDpi xmlns:a14="http://schemas.microsoft.com/office/drawing/2010/main" val="0"/>
+              </a:ext>
+            </a:extLst>
+          </a:blip>
+          <a:srcRect/>
+          <a:stretch>
+            <a:fillRect/>
+          </a:stretch>
+        </p:blipFill>
+        <p:spPr bwMode="auto">
+          <a:xfrm>
+            <a:off x="475883" y="3664806"/>
+            <a:ext cx="10642390" cy="2621662"/>
+          </a:xfrm>
+          <a:prstGeom prst="rect">
+            <a:avLst/>
+          </a:prstGeom>
+          <a:noFill/>
+          <a:extLst>
+            <a:ext uri="{909E8E84-426E-40DD-AFC4-6F175D3DCCD1}">
+              <a14:hiddenFill xmlns:a14="http://schemas.microsoft.com/office/drawing/2010/main">
+                <a:solidFill>
+                  <a:srgbClr val="FFFFFF"/>
+                </a:solidFill>
+              </a14:hiddenFill>
+            </a:ext>
+          </a:extLst>
+        </p:spPr>
+      </p:pic>
+    </p:spTree>
+    <p:extLst>
+      <p:ext uri="{BB962C8B-B14F-4D97-AF65-F5344CB8AC3E}">
+        <p14:creationId xmlns:p14="http://schemas.microsoft.com/office/powerpoint/2010/main" val="200887064"/>
+      </p:ext>
+    </p:extLst>
+  </p:cSld>
+  <p:clrMapOvr>
+    <a:masterClrMapping/>
+  </p:clrMapOvr>
+</p:sld>
+</file>
+
+<file path=ppt/slides/slide5.xml><?xml version="1.0" encoding="utf-8"?>
+<p:sld xmlns:a="http://schemas.openxmlformats.org/drawingml/2006/main" xmlns:r="http://schemas.openxmlformats.org/officeDocument/2006/relationships" xmlns:p="http://schemas.openxmlformats.org/presentationml/2006/main">
+  <p:cSld>
+    <p:spTree>
+      <p:nvGrpSpPr>
+        <p:cNvPr id="1" name=""/>
+        <p:cNvGrpSpPr/>
+        <p:nvPr/>
+      </p:nvGrpSpPr>
+      <p:grpSpPr>
+        <a:xfrm>
+          <a:off x="0" y="0"/>
+          <a:ext cx="0" cy="0"/>
+          <a:chOff x="0" y="0"/>
+          <a:chExt cx="0" cy="0"/>
+        </a:xfrm>
+      </p:grpSpPr>
+      <p:pic>
+        <p:nvPicPr>
+          <p:cNvPr id="7" name="Picture 4">
+            <a:extLst>
+              <a:ext uri="{FF2B5EF4-FFF2-40B4-BE49-F238E27FC236}">
+                <a16:creationId xmlns:a16="http://schemas.microsoft.com/office/drawing/2014/main" id="{BFCFEA67-0926-F9E6-42D9-BB6677067FA8}"/>
+              </a:ext>
+            </a:extLst>
+          </p:cNvPr>
+          <p:cNvPicPr>
+            <a:picLocks noChangeAspect="1" noChangeArrowheads="1"/>
+          </p:cNvPicPr>
+          <p:nvPr/>
+        </p:nvPicPr>
+        <p:blipFill>
+          <a:blip r:embed="rId2">
+            <a:extLst>
+              <a:ext uri="{28A0092B-C50C-407E-A947-70E740481C1C}">
+                <a14:useLocalDpi xmlns:a14="http://schemas.microsoft.com/office/drawing/2010/main" val="0"/>
+              </a:ext>
+            </a:extLst>
+          </a:blip>
+          <a:srcRect/>
+          <a:stretch>
+            <a:fillRect/>
+          </a:stretch>
+        </p:blipFill>
+        <p:spPr bwMode="auto">
+          <a:xfrm>
+            <a:off x="363239" y="807338"/>
+            <a:ext cx="10642390" cy="2621662"/>
+          </a:xfrm>
+          <a:prstGeom prst="rect">
+            <a:avLst/>
+          </a:prstGeom>
+          <a:noFill/>
+          <a:extLst>
+            <a:ext uri="{909E8E84-426E-40DD-AFC4-6F175D3DCCD1}">
+              <a14:hiddenFill xmlns:a14="http://schemas.microsoft.com/office/drawing/2010/main">
+                <a:solidFill>
+                  <a:srgbClr val="FFFFFF"/>
+                </a:solidFill>
+              </a14:hiddenFill>
+            </a:ext>
+          </a:extLst>
+        </p:spPr>
+      </p:pic>
+      <p:sp>
+        <p:nvSpPr>
+          <p:cNvPr id="8" name="文本框 7">
+            <a:extLst>
+              <a:ext uri="{FF2B5EF4-FFF2-40B4-BE49-F238E27FC236}">
+                <a16:creationId xmlns:a16="http://schemas.microsoft.com/office/drawing/2014/main" id="{B76379AE-7B12-0AF6-078A-28700DB8C9AD}"/>
+              </a:ext>
+            </a:extLst>
+          </p:cNvPr>
+          <p:cNvSpPr txBox="1"/>
+          <p:nvPr/>
+        </p:nvSpPr>
+        <p:spPr>
+          <a:xfrm>
+            <a:off x="1245705" y="3856383"/>
+            <a:ext cx="9422295" cy="2031325"/>
+          </a:xfrm>
+          <a:prstGeom prst="rect">
+            <a:avLst/>
+          </a:prstGeom>
+          <a:noFill/>
+        </p:spPr>
+        <p:txBody>
+          <a:bodyPr wrap="square" rtlCol="0">
+            <a:spAutoFit/>
+          </a:bodyPr>
+          <a:lstStyle/>
+          <a:p>
+            <a:r>
+              <a:rPr lang="zh-CN" altLang="en-US" dirty="0"/>
+              <a:t>我认为这种通信方式可以改进的地方：</a:t>
+            </a:r>
+            <a:endParaRPr lang="en-US" altLang="zh-CN" dirty="0"/>
+          </a:p>
+          <a:p>
+            <a:r>
+              <a:rPr lang="en-US" altLang="zh-CN" dirty="0"/>
+              <a:t>1.</a:t>
+            </a:r>
+            <a:r>
+              <a:rPr lang="zh-CN" altLang="en-US" dirty="0"/>
+              <a:t>没有考虑到历史信息的利用</a:t>
+            </a:r>
+            <a:endParaRPr lang="en-US" altLang="zh-CN" dirty="0"/>
+          </a:p>
+          <a:p>
+            <a:r>
+              <a:rPr lang="en-US" altLang="zh-CN" dirty="0"/>
+              <a:t>2.</a:t>
+            </a:r>
+            <a:r>
+              <a:rPr lang="zh-CN" altLang="en-US" dirty="0"/>
+              <a:t>通过查询所需信息（也就是</a:t>
+            </a:r>
+            <a:r>
+              <a:rPr lang="en-US" altLang="zh-CN" dirty="0"/>
+              <a:t>query)</a:t>
+            </a:r>
+            <a:r>
+              <a:rPr lang="zh-CN" altLang="en-US" dirty="0"/>
+              <a:t>和其他</a:t>
+            </a:r>
+            <a:r>
+              <a:rPr lang="en-US" altLang="zh-CN" dirty="0"/>
+              <a:t>agent</a:t>
+            </a:r>
+            <a:r>
+              <a:rPr lang="zh-CN" altLang="en-US" dirty="0"/>
+              <a:t>的</a:t>
+            </a:r>
+            <a:r>
+              <a:rPr lang="en-US" altLang="zh-CN" dirty="0"/>
+              <a:t>key</a:t>
+            </a:r>
+            <a:r>
+              <a:rPr lang="zh-CN" altLang="en-US" dirty="0"/>
+              <a:t>之间的相似度来计算</a:t>
+            </a:r>
+            <a:r>
+              <a:rPr lang="en-US" altLang="zh-CN" dirty="0"/>
+              <a:t>score</a:t>
+            </a:r>
+            <a:r>
+              <a:rPr lang="zh-CN" altLang="en-US" dirty="0"/>
+              <a:t>，而这种</a:t>
+            </a:r>
+            <a:r>
+              <a:rPr lang="en-US" altLang="zh-CN" dirty="0"/>
+              <a:t>similarity</a:t>
+            </a:r>
+            <a:r>
+              <a:rPr lang="zh-CN" altLang="en-US" dirty="0"/>
+              <a:t>的计算方式是人定的，我感觉可以考虑更换成计算信息增益的方式</a:t>
+            </a:r>
+            <a:endParaRPr lang="en-US" altLang="zh-CN" dirty="0"/>
+          </a:p>
+          <a:p>
+            <a:r>
+              <a:rPr lang="en-US" altLang="zh-CN" dirty="0"/>
+              <a:t>3.</a:t>
+            </a:r>
+            <a:r>
+              <a:rPr lang="zh-CN" altLang="en-US" dirty="0"/>
+              <a:t>在通信的时候只考虑了通信范围内的约束，但是如果计算</a:t>
+            </a:r>
+            <a:r>
+              <a:rPr lang="en-US" altLang="zh-CN" dirty="0" err="1"/>
+              <a:t>bev</a:t>
+            </a:r>
+            <a:r>
+              <a:rPr lang="zh-CN" altLang="en-US" dirty="0"/>
+              <a:t>或者图像、点云融合的话需要有</a:t>
+            </a:r>
+            <a:r>
+              <a:rPr lang="en-US" altLang="zh-CN" dirty="0"/>
+              <a:t>overlapping</a:t>
+            </a:r>
+            <a:r>
+              <a:rPr lang="zh-CN" altLang="en-US" dirty="0"/>
+              <a:t>，这点没考虑</a:t>
+            </a:r>
+            <a:endParaRPr lang="en-US" altLang="zh-CN" dirty="0"/>
+          </a:p>
+          <a:p>
+            <a:r>
+              <a:rPr lang="en-US" altLang="zh-CN" dirty="0"/>
+              <a:t>4.</a:t>
+            </a:r>
+            <a:r>
+              <a:rPr lang="zh-CN" altLang="en-US" dirty="0"/>
+              <a:t>只考虑了选择和哪个</a:t>
+            </a:r>
+            <a:r>
+              <a:rPr lang="en-US" altLang="zh-CN" dirty="0"/>
+              <a:t>agent</a:t>
+            </a:r>
+            <a:r>
+              <a:rPr lang="zh-CN" altLang="en-US" dirty="0"/>
+              <a:t>通信，对于多传感器的</a:t>
+            </a:r>
+            <a:r>
+              <a:rPr lang="en-US" altLang="zh-CN" dirty="0"/>
+              <a:t>agent</a:t>
+            </a:r>
+            <a:r>
+              <a:rPr lang="zh-CN" altLang="en-US" dirty="0"/>
+              <a:t>，也应该考虑选择的视角</a:t>
+            </a:r>
+          </a:p>
+        </p:txBody>
+      </p:sp>
+    </p:spTree>
+    <p:extLst>
+      <p:ext uri="{BB962C8B-B14F-4D97-AF65-F5344CB8AC3E}">
+        <p14:creationId xmlns:p14="http://schemas.microsoft.com/office/powerpoint/2010/main" val="495005179"/>
+      </p:ext>
+    </p:extLst>
+  </p:cSld>
+  <p:clrMapOvr>
+    <a:masterClrMapping/>
+  </p:clrMapOvr>
+</p:sld>
+</file>
+
+<file path=ppt/slides/slide6.xml><?xml version="1.0" encoding="utf-8"?>
+<p:sld xmlns:a="http://schemas.openxmlformats.org/drawingml/2006/main" xmlns:r="http://schemas.openxmlformats.org/officeDocument/2006/relationships" xmlns:p="http://schemas.openxmlformats.org/presentationml/2006/main">
+  <p:cSld>
+    <p:spTree>
+      <p:nvGrpSpPr>
+        <p:cNvPr id="1" name=""/>
+        <p:cNvGrpSpPr/>
+        <p:nvPr/>
+      </p:nvGrpSpPr>
+      <p:grpSpPr>
+        <a:xfrm>
+          <a:off x="0" y="0"/>
+          <a:ext cx="0" cy="0"/>
+          <a:chOff x="0" y="0"/>
+          <a:chExt cx="0" cy="0"/>
+        </a:xfrm>
+      </p:grpSpPr>
+      <p:sp>
+        <p:nvSpPr>
+          <p:cNvPr id="4" name="文本框 3">
+            <a:extLst>
+              <a:ext uri="{FF2B5EF4-FFF2-40B4-BE49-F238E27FC236}">
+                <a16:creationId xmlns:a16="http://schemas.microsoft.com/office/drawing/2014/main" id="{4C392D03-A515-ABFE-4462-322906B666BF}"/>
+              </a:ext>
+            </a:extLst>
+          </p:cNvPr>
+          <p:cNvSpPr txBox="1"/>
+          <p:nvPr/>
+        </p:nvSpPr>
+        <p:spPr>
+          <a:xfrm>
+            <a:off x="2882348" y="2557669"/>
+            <a:ext cx="6427304" cy="646331"/>
+          </a:xfrm>
+          <a:prstGeom prst="rect">
+            <a:avLst/>
+          </a:prstGeom>
+          <a:noFill/>
+        </p:spPr>
+        <p:txBody>
+          <a:bodyPr wrap="square" rtlCol="0">
+            <a:spAutoFit/>
+          </a:bodyPr>
+          <a:lstStyle/>
+          <a:p>
+            <a:r>
+              <a:rPr lang="zh-CN" altLang="en-US" dirty="0"/>
+              <a:t>在解决和谁通信以及何时通信的问题以后，应该解决传输哪些数据以及数据格式的问题</a:t>
+            </a:r>
+          </a:p>
+        </p:txBody>
+      </p:sp>
+    </p:spTree>
+    <p:extLst>
+      <p:ext uri="{BB962C8B-B14F-4D97-AF65-F5344CB8AC3E}">
+        <p14:creationId xmlns:p14="http://schemas.microsoft.com/office/powerpoint/2010/main" val="434476466"/>
+      </p:ext>
+    </p:extLst>
+  </p:cSld>
+  <p:clrMapOvr>
+    <a:masterClrMapping/>
+  </p:clrMapOvr>
+</p:sld>
+</file>
+
+<file path=ppt/slides/slide7.xml><?xml version="1.0" encoding="utf-8"?>
+<p:sld xmlns:a="http://schemas.openxmlformats.org/drawingml/2006/main" xmlns:r="http://schemas.openxmlformats.org/officeDocument/2006/relationships" xmlns:p="http://schemas.openxmlformats.org/presentationml/2006/main">
+  <p:cSld>
+    <p:spTree>
+      <p:nvGrpSpPr>
+        <p:cNvPr id="1" name=""/>
+        <p:cNvGrpSpPr/>
+        <p:nvPr/>
+      </p:nvGrpSpPr>
+      <p:grpSpPr>
+        <a:xfrm>
+          <a:off x="0" y="0"/>
+          <a:ext cx="0" cy="0"/>
+          <a:chOff x="0" y="0"/>
+          <a:chExt cx="0" cy="0"/>
+        </a:xfrm>
+      </p:grpSpPr>
+      <p:sp>
+        <p:nvSpPr>
+          <p:cNvPr id="5" name="文本框 4">
+            <a:extLst>
+              <a:ext uri="{FF2B5EF4-FFF2-40B4-BE49-F238E27FC236}">
+                <a16:creationId xmlns:a16="http://schemas.microsoft.com/office/drawing/2014/main" id="{E56B48D1-BCB2-490D-7B5C-D16CE5C49D41}"/>
+              </a:ext>
+            </a:extLst>
+          </p:cNvPr>
+          <p:cNvSpPr txBox="1"/>
+          <p:nvPr/>
+        </p:nvSpPr>
+        <p:spPr>
+          <a:xfrm>
+            <a:off x="1113182" y="965609"/>
+            <a:ext cx="9707217" cy="646331"/>
+          </a:xfrm>
+          <a:prstGeom prst="rect">
+            <a:avLst/>
+          </a:prstGeom>
+          <a:noFill/>
+        </p:spPr>
+        <p:txBody>
+          <a:bodyPr wrap="square">
+            <a:spAutoFit/>
+          </a:bodyPr>
+          <a:lstStyle/>
+          <a:p>
+            <a:pPr algn="l"/>
+            <a:r>
+              <a:rPr lang="en-US" altLang="zh-CN" b="0" i="0" dirty="0">
+                <a:solidFill>
+                  <a:srgbClr val="333333"/>
+                </a:solidFill>
+                <a:effectLst/>
+                <a:latin typeface="Georgia" panose="02040502050405020303" pitchFamily="18" charset="0"/>
+              </a:rPr>
+              <a:t>V2VNet: Vehicle-to-Vehicle Communication for Joint Perception and Prediction</a:t>
+            </a:r>
+          </a:p>
+          <a:p>
+            <a:pPr algn="l"/>
+            <a:r>
+              <a:rPr lang="en-US" altLang="zh-CN" dirty="0">
+                <a:solidFill>
+                  <a:srgbClr val="333333"/>
+                </a:solidFill>
+                <a:latin typeface="Georgia" panose="02040502050405020303" pitchFamily="18" charset="0"/>
+              </a:rPr>
+              <a:t>			ECCV 2020</a:t>
+            </a:r>
+            <a:endParaRPr lang="en-US" altLang="zh-CN" b="0" i="0" dirty="0">
+              <a:solidFill>
+                <a:srgbClr val="333333"/>
+              </a:solidFill>
+              <a:effectLst/>
+              <a:latin typeface="Georgia" panose="02040502050405020303" pitchFamily="18" charset="0"/>
+            </a:endParaRPr>
+          </a:p>
+        </p:txBody>
+      </p:sp>
+      <p:sp>
+        <p:nvSpPr>
+          <p:cNvPr id="6" name="文本框 5">
+            <a:extLst>
+              <a:ext uri="{FF2B5EF4-FFF2-40B4-BE49-F238E27FC236}">
+                <a16:creationId xmlns:a16="http://schemas.microsoft.com/office/drawing/2014/main" id="{7475A510-A611-0425-7EB3-E29B2FD5DB28}"/>
+              </a:ext>
+            </a:extLst>
+          </p:cNvPr>
+          <p:cNvSpPr txBox="1"/>
+          <p:nvPr/>
+        </p:nvSpPr>
+        <p:spPr>
+          <a:xfrm>
+            <a:off x="1338470" y="2504661"/>
+            <a:ext cx="3339547" cy="923330"/>
+          </a:xfrm>
+          <a:prstGeom prst="rect">
+            <a:avLst/>
+          </a:prstGeom>
+          <a:noFill/>
+        </p:spPr>
+        <p:txBody>
+          <a:bodyPr wrap="square" rtlCol="0">
+            <a:spAutoFit/>
+          </a:bodyPr>
+          <a:lstStyle/>
+          <a:p>
+            <a:r>
+              <a:rPr lang="zh-CN" altLang="en-US" dirty="0"/>
+              <a:t>可以传输</a:t>
+            </a:r>
+            <a:r>
+              <a:rPr lang="en-US" altLang="zh-CN" dirty="0"/>
+              <a:t>1</a:t>
+            </a:r>
+            <a:r>
+              <a:rPr lang="zh-CN" altLang="en-US" dirty="0"/>
+              <a:t>）原始数据</a:t>
+            </a:r>
+            <a:endParaRPr lang="en-US" altLang="zh-CN" dirty="0"/>
+          </a:p>
+          <a:p>
+            <a:r>
+              <a:rPr lang="en-US" altLang="zh-CN" dirty="0"/>
+              <a:t>2</a:t>
+            </a:r>
+            <a:r>
+              <a:rPr lang="zh-CN" altLang="en-US" dirty="0"/>
+              <a:t>）特征数据</a:t>
+            </a:r>
+            <a:endParaRPr lang="en-US" altLang="zh-CN" dirty="0"/>
+          </a:p>
+          <a:p>
+            <a:r>
+              <a:rPr lang="en-US" altLang="zh-CN" dirty="0"/>
+              <a:t>3</a:t>
+            </a:r>
+            <a:r>
+              <a:rPr lang="zh-CN" altLang="en-US" dirty="0"/>
+              <a:t>）最终预测结果</a:t>
+            </a:r>
+          </a:p>
+        </p:txBody>
+      </p:sp>
+      <p:cxnSp>
+        <p:nvCxnSpPr>
+          <p:cNvPr id="8" name="直接箭头连接符 7">
+            <a:extLst>
+              <a:ext uri="{FF2B5EF4-FFF2-40B4-BE49-F238E27FC236}">
+                <a16:creationId xmlns:a16="http://schemas.microsoft.com/office/drawing/2014/main" id="{F01F1E88-DC7D-A101-F363-B50BF5844DC2}"/>
+              </a:ext>
+            </a:extLst>
+          </p:cNvPr>
+          <p:cNvCxnSpPr/>
+          <p:nvPr/>
+        </p:nvCxnSpPr>
+        <p:spPr>
+          <a:xfrm>
+            <a:off x="4041913" y="2882348"/>
+            <a:ext cx="881270" cy="0"/>
+          </a:xfrm>
+          <a:prstGeom prst="straightConnector1">
+            <a:avLst/>
+          </a:prstGeom>
+          <a:ln w="19050">
+            <a:tailEnd type="triangle"/>
+          </a:ln>
+        </p:spPr>
+        <p:style>
+          <a:lnRef idx="1">
+            <a:schemeClr val="dk1"/>
+          </a:lnRef>
+          <a:fillRef idx="0">
+            <a:schemeClr val="dk1"/>
+          </a:fillRef>
+          <a:effectRef idx="0">
+            <a:schemeClr val="dk1"/>
+          </a:effectRef>
+          <a:fontRef idx="minor">
+            <a:schemeClr val="tx1"/>
+          </a:fontRef>
+        </p:style>
+      </p:cxnSp>
+      <p:sp>
+        <p:nvSpPr>
+          <p:cNvPr id="9" name="文本框 8">
+            <a:extLst>
+              <a:ext uri="{FF2B5EF4-FFF2-40B4-BE49-F238E27FC236}">
+                <a16:creationId xmlns:a16="http://schemas.microsoft.com/office/drawing/2014/main" id="{B30EAE22-EE5B-8BA6-4380-44C54C15F0FE}"/>
+              </a:ext>
+            </a:extLst>
+          </p:cNvPr>
+          <p:cNvSpPr txBox="1"/>
+          <p:nvPr/>
+        </p:nvSpPr>
+        <p:spPr>
+          <a:xfrm>
+            <a:off x="5274365" y="1954695"/>
+            <a:ext cx="3339547" cy="1754326"/>
+          </a:xfrm>
+          <a:prstGeom prst="rect">
+            <a:avLst/>
+          </a:prstGeom>
+          <a:noFill/>
+        </p:spPr>
+        <p:txBody>
+          <a:bodyPr wrap="square" rtlCol="0">
+            <a:spAutoFit/>
+          </a:bodyPr>
+          <a:lstStyle/>
+          <a:p>
+            <a:r>
+              <a:rPr lang="zh-CN" altLang="en-US" dirty="0"/>
+              <a:t>传输特征数据好处在于：</a:t>
+            </a:r>
+            <a:endParaRPr lang="en-US" altLang="zh-CN" dirty="0"/>
+          </a:p>
+          <a:p>
+            <a:r>
+              <a:rPr lang="en-US" altLang="zh-CN" dirty="0"/>
+              <a:t>1.</a:t>
+            </a:r>
+            <a:r>
+              <a:rPr lang="zh-CN" altLang="en-US" dirty="0"/>
+              <a:t>特征数据可以较好地被网络压缩得到，同时对下游任务仍保留重要信息</a:t>
+            </a:r>
+            <a:endParaRPr lang="en-US" altLang="zh-CN" dirty="0"/>
+          </a:p>
+          <a:p>
+            <a:r>
+              <a:rPr lang="en-US" altLang="zh-CN" dirty="0"/>
+              <a:t>2.</a:t>
+            </a:r>
+            <a:r>
+              <a:rPr lang="zh-CN" altLang="en-US" dirty="0"/>
+              <a:t>不影响本机计算，因为特征数据是别的机器计算得到</a:t>
+            </a:r>
+          </a:p>
+        </p:txBody>
+      </p:sp>
+      <p:sp>
+        <p:nvSpPr>
+          <p:cNvPr id="10" name="文本框 9">
+            <a:extLst>
+              <a:ext uri="{FF2B5EF4-FFF2-40B4-BE49-F238E27FC236}">
+                <a16:creationId xmlns:a16="http://schemas.microsoft.com/office/drawing/2014/main" id="{5E9ECCC8-19C7-1FE4-7288-C5798E1EF45C}"/>
+              </a:ext>
+            </a:extLst>
+          </p:cNvPr>
+          <p:cNvSpPr txBox="1"/>
+          <p:nvPr/>
+        </p:nvSpPr>
+        <p:spPr>
+          <a:xfrm>
+            <a:off x="2749826" y="4738224"/>
+            <a:ext cx="8620539" cy="1200329"/>
+          </a:xfrm>
+          <a:prstGeom prst="rect">
+            <a:avLst/>
+          </a:prstGeom>
+          <a:noFill/>
+        </p:spPr>
+        <p:txBody>
+          <a:bodyPr wrap="square" rtlCol="0">
+            <a:spAutoFit/>
+          </a:bodyPr>
+          <a:lstStyle/>
+          <a:p>
+            <a:r>
+              <a:rPr lang="zh-CN" altLang="en-US" dirty="0"/>
+              <a:t>本文三步骤</a:t>
+            </a:r>
+            <a:endParaRPr lang="en-US" altLang="zh-CN" dirty="0"/>
+          </a:p>
+          <a:p>
+            <a:r>
+              <a:rPr lang="en-US" altLang="zh-CN" dirty="0"/>
+              <a:t>1.</a:t>
+            </a:r>
+            <a:r>
+              <a:rPr lang="zh-CN" altLang="en-US" dirty="0"/>
+              <a:t>压缩原始数据为特征</a:t>
+            </a:r>
+            <a:endParaRPr lang="en-US" altLang="zh-CN" dirty="0"/>
+          </a:p>
+          <a:p>
+            <a:r>
+              <a:rPr lang="en-US" altLang="zh-CN" dirty="0"/>
+              <a:t>2.</a:t>
+            </a:r>
+            <a:r>
+              <a:rPr lang="zh-CN" altLang="en-US" dirty="0"/>
+              <a:t>融合其他机器数据并以此更新本机状态</a:t>
+            </a:r>
+            <a:endParaRPr lang="en-US" altLang="zh-CN" dirty="0"/>
+          </a:p>
+          <a:p>
+            <a:r>
+              <a:rPr lang="en-US" altLang="zh-CN" dirty="0"/>
+              <a:t>3.</a:t>
+            </a:r>
+            <a:r>
+              <a:rPr lang="zh-CN" altLang="en-US" dirty="0"/>
+              <a:t>输出最终预测和规划结果</a:t>
+            </a:r>
+          </a:p>
+        </p:txBody>
+      </p:sp>
+    </p:spTree>
+    <p:extLst>
+      <p:ext uri="{BB962C8B-B14F-4D97-AF65-F5344CB8AC3E}">
+        <p14:creationId xmlns:p14="http://schemas.microsoft.com/office/powerpoint/2010/main" val="3009581240"/>
+      </p:ext>
+    </p:extLst>
+  </p:cSld>
+  <p:clrMapOvr>
+    <a:masterClrMapping/>
+  </p:clrMapOvr>
+</p:sld>
+</file>
+
+<file path=ppt/slides/slide8.xml><?xml version="1.0" encoding="utf-8"?>
+<p:sld xmlns:a="http://schemas.openxmlformats.org/drawingml/2006/main" xmlns:r="http://schemas.openxmlformats.org/officeDocument/2006/relationships" xmlns:p="http://schemas.openxmlformats.org/presentationml/2006/main">
+  <p:cSld>
+    <p:spTree>
+      <p:nvGrpSpPr>
+        <p:cNvPr id="1" name=""/>
+        <p:cNvGrpSpPr/>
+        <p:nvPr/>
+      </p:nvGrpSpPr>
+      <p:grpSpPr>
+        <a:xfrm>
+          <a:off x="0" y="0"/>
+          <a:ext cx="0" cy="0"/>
+          <a:chOff x="0" y="0"/>
+          <a:chExt cx="0" cy="0"/>
+        </a:xfrm>
+      </p:grpSpPr>
+      <p:sp>
+        <p:nvSpPr>
+          <p:cNvPr id="2" name="文本框 1">
+            <a:extLst>
+              <a:ext uri="{FF2B5EF4-FFF2-40B4-BE49-F238E27FC236}">
+                <a16:creationId xmlns:a16="http://schemas.microsoft.com/office/drawing/2014/main" id="{7A7537B4-1A79-BC7C-8728-A239EF9789A6}"/>
+              </a:ext>
+            </a:extLst>
+          </p:cNvPr>
+          <p:cNvSpPr txBox="1"/>
+          <p:nvPr/>
+        </p:nvSpPr>
+        <p:spPr>
+          <a:xfrm>
+            <a:off x="1570382" y="2610678"/>
+            <a:ext cx="7626626" cy="369332"/>
+          </a:xfrm>
+          <a:prstGeom prst="rect">
+            <a:avLst/>
+          </a:prstGeom>
+          <a:noFill/>
+        </p:spPr>
+        <p:txBody>
+          <a:bodyPr wrap="square" rtlCol="0">
+            <a:spAutoFit/>
+          </a:bodyPr>
+          <a:lstStyle/>
+          <a:p>
+            <a:r>
+              <a:rPr lang="zh-CN" altLang="en-US" dirty="0"/>
+              <a:t>如何形成一个可以提供快速查询和更新的地图组织方式？</a:t>
+            </a:r>
+          </a:p>
+        </p:txBody>
+      </p:sp>
+    </p:spTree>
+    <p:extLst>
+      <p:ext uri="{BB962C8B-B14F-4D97-AF65-F5344CB8AC3E}">
+        <p14:creationId xmlns:p14="http://schemas.microsoft.com/office/powerpoint/2010/main" val="231698015"/>
+      </p:ext>
+    </p:extLst>
+  </p:cSld>
+  <p:clrMapOvr>
+    <a:masterClrMapping/>
+  </p:clrMapOvr>
+</p:sld>
+</file>
+
+<file path=ppt/slides/slide9.xml><?xml version="1.0" encoding="utf-8"?>
+<p:sld xmlns:a="http://schemas.openxmlformats.org/drawingml/2006/main" xmlns:r="http://schemas.openxmlformats.org/officeDocument/2006/relationships" xmlns:p="http://schemas.openxmlformats.org/presentationml/2006/main">
+  <p:cSld>
+    <p:spTree>
+      <p:nvGrpSpPr>
+        <p:cNvPr id="1" name=""/>
+        <p:cNvGrpSpPr/>
+        <p:nvPr/>
+      </p:nvGrpSpPr>
+      <p:grpSpPr>
+        <a:xfrm>
+          <a:off x="0" y="0"/>
+          <a:ext cx="0" cy="0"/>
+          <a:chOff x="0" y="0"/>
+          <a:chExt cx="0" cy="0"/>
+        </a:xfrm>
+      </p:grpSpPr>
       <p:sp>
         <p:nvSpPr>
           <p:cNvPr id="34" name="矩形: 圆角 33">
@@ -6129,6 +12277,7 @@
             </a:extLst>
           </p:cNvPr>
           <p:cNvCxnSpPr>
+            <a:cxnSpLocks/>
             <a:stCxn id="1060" idx="4"/>
             <a:endCxn id="1062" idx="0"/>
           </p:cNvCxnSpPr>
@@ -6171,6 +12320,7 @@
             </a:extLst>
           </p:cNvPr>
           <p:cNvCxnSpPr>
+            <a:cxnSpLocks/>
             <a:stCxn id="1060" idx="5"/>
             <a:endCxn id="1063" idx="1"/>
           </p:cNvCxnSpPr>
@@ -6213,6 +12363,7 @@
             </a:extLst>
           </p:cNvPr>
           <p:cNvCxnSpPr>
+            <a:cxnSpLocks/>
             <a:stCxn id="1060" idx="6"/>
             <a:endCxn id="1061" idx="2"/>
           </p:cNvCxnSpPr>
@@ -6332,980 +12483,6 @@
     <p:extLst>
       <p:ext uri="{BB962C8B-B14F-4D97-AF65-F5344CB8AC3E}">
         <p14:creationId xmlns:p14="http://schemas.microsoft.com/office/powerpoint/2010/main" val="2664741621"/>
-      </p:ext>
-    </p:extLst>
-  </p:cSld>
-  <p:clrMapOvr>
-    <a:masterClrMapping/>
-  </p:clrMapOvr>
-</p:sld>
-</file>
-
-<file path=ppt/slides/slide2.xml><?xml version="1.0" encoding="utf-8"?>
-<p:sld xmlns:a="http://schemas.openxmlformats.org/drawingml/2006/main" xmlns:r="http://schemas.openxmlformats.org/officeDocument/2006/relationships" xmlns:p="http://schemas.openxmlformats.org/presentationml/2006/main">
-  <p:cSld>
-    <p:spTree>
-      <p:nvGrpSpPr>
-        <p:cNvPr id="1" name=""/>
-        <p:cNvGrpSpPr/>
-        <p:nvPr/>
-      </p:nvGrpSpPr>
-      <p:grpSpPr>
-        <a:xfrm>
-          <a:off x="0" y="0"/>
-          <a:ext cx="0" cy="0"/>
-          <a:chOff x="0" y="0"/>
-          <a:chExt cx="0" cy="0"/>
-        </a:xfrm>
-      </p:grpSpPr>
-      <p:pic>
-        <p:nvPicPr>
-          <p:cNvPr id="20" name="图片 19">
-            <a:extLst>
-              <a:ext uri="{FF2B5EF4-FFF2-40B4-BE49-F238E27FC236}">
-                <a16:creationId xmlns:a16="http://schemas.microsoft.com/office/drawing/2014/main" id="{D827F74E-01BF-D356-71D2-79E530228534}"/>
-              </a:ext>
-            </a:extLst>
-          </p:cNvPr>
-          <p:cNvPicPr>
-            <a:picLocks noChangeAspect="1"/>
-          </p:cNvPicPr>
-          <p:nvPr/>
-        </p:nvPicPr>
-        <p:blipFill>
-          <a:blip r:embed="rId2"/>
-          <a:stretch>
-            <a:fillRect/>
-          </a:stretch>
-        </p:blipFill>
-        <p:spPr>
-          <a:xfrm>
-            <a:off x="5397156" y="1341655"/>
-            <a:ext cx="2808002" cy="1806228"/>
-          </a:xfrm>
-          <a:prstGeom prst="rect">
-            <a:avLst/>
-          </a:prstGeom>
-        </p:spPr>
-      </p:pic>
-      <p:pic>
-        <p:nvPicPr>
-          <p:cNvPr id="7" name="图片 6">
-            <a:extLst>
-              <a:ext uri="{FF2B5EF4-FFF2-40B4-BE49-F238E27FC236}">
-                <a16:creationId xmlns:a16="http://schemas.microsoft.com/office/drawing/2014/main" id="{286B24F2-123B-E46B-3873-BB78571D6C0E}"/>
-              </a:ext>
-            </a:extLst>
-          </p:cNvPr>
-          <p:cNvPicPr>
-            <a:picLocks noChangeAspect="1"/>
-          </p:cNvPicPr>
-          <p:nvPr/>
-        </p:nvPicPr>
-        <p:blipFill>
-          <a:blip r:embed="rId3"/>
-          <a:stretch>
-            <a:fillRect/>
-          </a:stretch>
-        </p:blipFill>
-        <p:spPr>
-          <a:xfrm>
-            <a:off x="1892409" y="1341655"/>
-            <a:ext cx="1698272" cy="1662309"/>
-          </a:xfrm>
-          <a:prstGeom prst="rect">
-            <a:avLst/>
-          </a:prstGeom>
-        </p:spPr>
-      </p:pic>
-      <p:pic>
-        <p:nvPicPr>
-          <p:cNvPr id="9" name="图片 8">
-            <a:extLst>
-              <a:ext uri="{FF2B5EF4-FFF2-40B4-BE49-F238E27FC236}">
-                <a16:creationId xmlns:a16="http://schemas.microsoft.com/office/drawing/2014/main" id="{75251C20-9EBD-28E5-8600-264734FB1993}"/>
-              </a:ext>
-            </a:extLst>
-          </p:cNvPr>
-          <p:cNvPicPr>
-            <a:picLocks noChangeAspect="1"/>
-          </p:cNvPicPr>
-          <p:nvPr/>
-        </p:nvPicPr>
-        <p:blipFill>
-          <a:blip r:embed="rId4"/>
-          <a:stretch>
-            <a:fillRect/>
-          </a:stretch>
-        </p:blipFill>
-        <p:spPr>
-          <a:xfrm>
-            <a:off x="9152940" y="977031"/>
-            <a:ext cx="1912684" cy="1484790"/>
-          </a:xfrm>
-          <a:prstGeom prst="rect">
-            <a:avLst/>
-          </a:prstGeom>
-        </p:spPr>
-      </p:pic>
-      <p:pic>
-        <p:nvPicPr>
-          <p:cNvPr id="12" name="图片 11">
-            <a:extLst>
-              <a:ext uri="{FF2B5EF4-FFF2-40B4-BE49-F238E27FC236}">
-                <a16:creationId xmlns:a16="http://schemas.microsoft.com/office/drawing/2014/main" id="{9A6ACC52-71BE-EF92-6085-F4CAFDA4B08F}"/>
-              </a:ext>
-            </a:extLst>
-          </p:cNvPr>
-          <p:cNvPicPr>
-            <a:picLocks noChangeAspect="1"/>
-          </p:cNvPicPr>
-          <p:nvPr/>
-        </p:nvPicPr>
-        <p:blipFill>
-          <a:blip r:embed="rId5"/>
-          <a:stretch>
-            <a:fillRect/>
-          </a:stretch>
-        </p:blipFill>
-        <p:spPr>
-          <a:xfrm>
-            <a:off x="5500690" y="4554642"/>
-            <a:ext cx="1727422" cy="1501826"/>
-          </a:xfrm>
-          <a:prstGeom prst="rect">
-            <a:avLst/>
-          </a:prstGeom>
-        </p:spPr>
-      </p:pic>
-      <p:sp>
-        <p:nvSpPr>
-          <p:cNvPr id="16" name="文本框 15">
-            <a:extLst>
-              <a:ext uri="{FF2B5EF4-FFF2-40B4-BE49-F238E27FC236}">
-                <a16:creationId xmlns:a16="http://schemas.microsoft.com/office/drawing/2014/main" id="{8396EDF1-7657-CBD4-A69C-57F87236DDED}"/>
-              </a:ext>
-            </a:extLst>
-          </p:cNvPr>
-          <p:cNvSpPr txBox="1"/>
-          <p:nvPr/>
-        </p:nvSpPr>
-        <p:spPr>
-          <a:xfrm>
-            <a:off x="2132280" y="1003101"/>
-            <a:ext cx="1218529" cy="338554"/>
-          </a:xfrm>
-          <a:prstGeom prst="rect">
-            <a:avLst/>
-          </a:prstGeom>
-          <a:noFill/>
-        </p:spPr>
-        <p:txBody>
-          <a:bodyPr wrap="square" rtlCol="0">
-            <a:spAutoFit/>
-          </a:bodyPr>
-          <a:lstStyle/>
-          <a:p>
-            <a:r>
-              <a:rPr lang="en-US" altLang="zh-CN" sz="1600" dirty="0">
-                <a:latin typeface="Arial" panose="020B0604020202020204" pitchFamily="34" charset="0"/>
-                <a:cs typeface="Arial" panose="020B0604020202020204" pitchFamily="34" charset="0"/>
-              </a:rPr>
-              <a:t>subspace1</a:t>
-            </a:r>
-            <a:endParaRPr lang="zh-CN" altLang="en-US" sz="1600" dirty="0">
-              <a:latin typeface="Arial" panose="020B0604020202020204" pitchFamily="34" charset="0"/>
-              <a:cs typeface="Arial" panose="020B0604020202020204" pitchFamily="34" charset="0"/>
-            </a:endParaRPr>
-          </a:p>
-        </p:txBody>
-      </p:sp>
-      <p:sp>
-        <p:nvSpPr>
-          <p:cNvPr id="17" name="文本框 16">
-            <a:extLst>
-              <a:ext uri="{FF2B5EF4-FFF2-40B4-BE49-F238E27FC236}">
-                <a16:creationId xmlns:a16="http://schemas.microsoft.com/office/drawing/2014/main" id="{B848764C-418B-5E31-7979-683F702C92F5}"/>
-              </a:ext>
-            </a:extLst>
-          </p:cNvPr>
-          <p:cNvSpPr txBox="1"/>
-          <p:nvPr/>
-        </p:nvSpPr>
-        <p:spPr>
-          <a:xfrm>
-            <a:off x="5591110" y="4093335"/>
-            <a:ext cx="1218529" cy="338554"/>
-          </a:xfrm>
-          <a:prstGeom prst="rect">
-            <a:avLst/>
-          </a:prstGeom>
-          <a:noFill/>
-        </p:spPr>
-        <p:txBody>
-          <a:bodyPr wrap="square" rtlCol="0">
-            <a:spAutoFit/>
-          </a:bodyPr>
-          <a:lstStyle/>
-          <a:p>
-            <a:r>
-              <a:rPr lang="en-US" altLang="zh-CN" sz="1600" dirty="0">
-                <a:latin typeface="Arial" panose="020B0604020202020204" pitchFamily="34" charset="0"/>
-                <a:cs typeface="Arial" panose="020B0604020202020204" pitchFamily="34" charset="0"/>
-              </a:rPr>
-              <a:t>subspace2</a:t>
-            </a:r>
-            <a:endParaRPr lang="zh-CN" altLang="en-US" sz="1600" dirty="0">
-              <a:latin typeface="Arial" panose="020B0604020202020204" pitchFamily="34" charset="0"/>
-              <a:cs typeface="Arial" panose="020B0604020202020204" pitchFamily="34" charset="0"/>
-            </a:endParaRPr>
-          </a:p>
-        </p:txBody>
-      </p:sp>
-      <p:sp>
-        <p:nvSpPr>
-          <p:cNvPr id="18" name="文本框 17">
-            <a:extLst>
-              <a:ext uri="{FF2B5EF4-FFF2-40B4-BE49-F238E27FC236}">
-                <a16:creationId xmlns:a16="http://schemas.microsoft.com/office/drawing/2014/main" id="{B7B65A8F-BE19-26E8-5965-15BE05DB8F5B}"/>
-              </a:ext>
-            </a:extLst>
-          </p:cNvPr>
-          <p:cNvSpPr txBox="1"/>
-          <p:nvPr/>
-        </p:nvSpPr>
-        <p:spPr>
-          <a:xfrm>
-            <a:off x="9405977" y="638477"/>
-            <a:ext cx="1218529" cy="338554"/>
-          </a:xfrm>
-          <a:prstGeom prst="rect">
-            <a:avLst/>
-          </a:prstGeom>
-          <a:noFill/>
-        </p:spPr>
-        <p:txBody>
-          <a:bodyPr wrap="square" rtlCol="0">
-            <a:spAutoFit/>
-          </a:bodyPr>
-          <a:lstStyle/>
-          <a:p>
-            <a:r>
-              <a:rPr lang="en-US" altLang="zh-CN" sz="1600" dirty="0">
-                <a:latin typeface="Arial" panose="020B0604020202020204" pitchFamily="34" charset="0"/>
-                <a:cs typeface="Arial" panose="020B0604020202020204" pitchFamily="34" charset="0"/>
-              </a:rPr>
-              <a:t>subspace3</a:t>
-            </a:r>
-            <a:endParaRPr lang="zh-CN" altLang="en-US" sz="1600" dirty="0">
-              <a:latin typeface="Arial" panose="020B0604020202020204" pitchFamily="34" charset="0"/>
-              <a:cs typeface="Arial" panose="020B0604020202020204" pitchFamily="34" charset="0"/>
-            </a:endParaRPr>
-          </a:p>
-        </p:txBody>
-      </p:sp>
-      <p:pic>
-        <p:nvPicPr>
-          <p:cNvPr id="1030" name="Picture 6" descr="  Png图标">
-            <a:extLst>
-              <a:ext uri="{FF2B5EF4-FFF2-40B4-BE49-F238E27FC236}">
-                <a16:creationId xmlns:a16="http://schemas.microsoft.com/office/drawing/2014/main" id="{C39BDE22-240C-B22E-3512-5A5C747DCE3F}"/>
-              </a:ext>
-            </a:extLst>
-          </p:cNvPr>
-          <p:cNvPicPr>
-            <a:picLocks noChangeAspect="1" noChangeArrowheads="1"/>
-          </p:cNvPicPr>
-          <p:nvPr/>
-        </p:nvPicPr>
-        <p:blipFill>
-          <a:blip r:embed="rId6">
-            <a:extLst>
-              <a:ext uri="{28A0092B-C50C-407E-A947-70E740481C1C}">
-                <a14:useLocalDpi xmlns:a14="http://schemas.microsoft.com/office/drawing/2010/main" val="0"/>
-              </a:ext>
-            </a:extLst>
-          </a:blip>
-          <a:srcRect/>
-          <a:stretch>
-            <a:fillRect/>
-          </a:stretch>
-        </p:blipFill>
-        <p:spPr bwMode="auto">
-          <a:xfrm>
-            <a:off x="1997940" y="1941248"/>
-            <a:ext cx="1020833" cy="1020833"/>
-          </a:xfrm>
-          <a:prstGeom prst="rect">
-            <a:avLst/>
-          </a:prstGeom>
-          <a:noFill/>
-          <a:extLst>
-            <a:ext uri="{909E8E84-426E-40DD-AFC4-6F175D3DCCD1}">
-              <a14:hiddenFill xmlns:a14="http://schemas.microsoft.com/office/drawing/2010/main">
-                <a:solidFill>
-                  <a:srgbClr val="FFFFFF"/>
-                </a:solidFill>
-              </a14:hiddenFill>
-            </a:ext>
-          </a:extLst>
-        </p:spPr>
-      </p:pic>
-      <p:pic>
-        <p:nvPicPr>
-          <p:cNvPr id="21" name="Picture 6" descr="  Png图标">
-            <a:extLst>
-              <a:ext uri="{FF2B5EF4-FFF2-40B4-BE49-F238E27FC236}">
-                <a16:creationId xmlns:a16="http://schemas.microsoft.com/office/drawing/2014/main" id="{4ABC6E24-48E0-DF78-7D0C-E8AF993AEDAD}"/>
-              </a:ext>
-            </a:extLst>
-          </p:cNvPr>
-          <p:cNvPicPr>
-            <a:picLocks noChangeAspect="1" noChangeArrowheads="1"/>
-          </p:cNvPicPr>
-          <p:nvPr/>
-        </p:nvPicPr>
-        <p:blipFill>
-          <a:blip r:embed="rId6">
-            <a:extLst>
-              <a:ext uri="{28A0092B-C50C-407E-A947-70E740481C1C}">
-                <a14:useLocalDpi xmlns:a14="http://schemas.microsoft.com/office/drawing/2010/main" val="0"/>
-              </a:ext>
-            </a:extLst>
-          </a:blip>
-          <a:srcRect/>
-          <a:stretch>
-            <a:fillRect/>
-          </a:stretch>
-        </p:blipFill>
-        <p:spPr bwMode="auto">
-          <a:xfrm>
-            <a:off x="5591110" y="5068297"/>
-            <a:ext cx="1020833" cy="1020833"/>
-          </a:xfrm>
-          <a:prstGeom prst="rect">
-            <a:avLst/>
-          </a:prstGeom>
-          <a:noFill/>
-          <a:extLst>
-            <a:ext uri="{909E8E84-426E-40DD-AFC4-6F175D3DCCD1}">
-              <a14:hiddenFill xmlns:a14="http://schemas.microsoft.com/office/drawing/2010/main">
-                <a:solidFill>
-                  <a:srgbClr val="FFFFFF"/>
-                </a:solidFill>
-              </a14:hiddenFill>
-            </a:ext>
-          </a:extLst>
-        </p:spPr>
-      </p:pic>
-      <p:pic>
-        <p:nvPicPr>
-          <p:cNvPr id="22" name="Picture 6" descr="  Png图标">
-            <a:extLst>
-              <a:ext uri="{FF2B5EF4-FFF2-40B4-BE49-F238E27FC236}">
-                <a16:creationId xmlns:a16="http://schemas.microsoft.com/office/drawing/2014/main" id="{0AF0591B-4A0F-57B7-230C-8B2BA0A2B2A6}"/>
-              </a:ext>
-            </a:extLst>
-          </p:cNvPr>
-          <p:cNvPicPr>
-            <a:picLocks noChangeAspect="1" noChangeArrowheads="1"/>
-          </p:cNvPicPr>
-          <p:nvPr/>
-        </p:nvPicPr>
-        <p:blipFill>
-          <a:blip r:embed="rId6">
-            <a:extLst>
-              <a:ext uri="{28A0092B-C50C-407E-A947-70E740481C1C}">
-                <a14:useLocalDpi xmlns:a14="http://schemas.microsoft.com/office/drawing/2010/main" val="0"/>
-              </a:ext>
-            </a:extLst>
-          </a:blip>
-          <a:srcRect/>
-          <a:stretch>
-            <a:fillRect/>
-          </a:stretch>
-        </p:blipFill>
-        <p:spPr bwMode="auto">
-          <a:xfrm>
-            <a:off x="9327754" y="1440988"/>
-            <a:ext cx="1020833" cy="1020833"/>
-          </a:xfrm>
-          <a:prstGeom prst="rect">
-            <a:avLst/>
-          </a:prstGeom>
-          <a:noFill/>
-          <a:extLst>
-            <a:ext uri="{909E8E84-426E-40DD-AFC4-6F175D3DCCD1}">
-              <a14:hiddenFill xmlns:a14="http://schemas.microsoft.com/office/drawing/2010/main">
-                <a:solidFill>
-                  <a:srgbClr val="FFFFFF"/>
-                </a:solidFill>
-              </a14:hiddenFill>
-            </a:ext>
-          </a:extLst>
-        </p:spPr>
-      </p:pic>
-      <p:pic>
-        <p:nvPicPr>
-          <p:cNvPr id="1032" name="Picture 8" descr="  Png图标">
-            <a:extLst>
-              <a:ext uri="{FF2B5EF4-FFF2-40B4-BE49-F238E27FC236}">
-                <a16:creationId xmlns:a16="http://schemas.microsoft.com/office/drawing/2014/main" id="{59E4CAAE-9AB4-7C57-D6A6-729F894A0D3A}"/>
-              </a:ext>
-            </a:extLst>
-          </p:cNvPr>
-          <p:cNvPicPr>
-            <a:picLocks noChangeAspect="1" noChangeArrowheads="1"/>
-          </p:cNvPicPr>
-          <p:nvPr/>
-        </p:nvPicPr>
-        <p:blipFill>
-          <a:blip r:embed="rId7">
-            <a:extLst>
-              <a:ext uri="{28A0092B-C50C-407E-A947-70E740481C1C}">
-                <a14:useLocalDpi xmlns:a14="http://schemas.microsoft.com/office/drawing/2010/main" val="0"/>
-              </a:ext>
-            </a:extLst>
-          </a:blip>
-          <a:srcRect/>
-          <a:stretch>
-            <a:fillRect/>
-          </a:stretch>
-        </p:blipFill>
-        <p:spPr bwMode="auto">
-          <a:xfrm>
-            <a:off x="6008912" y="1742881"/>
-            <a:ext cx="1219200" cy="1219200"/>
-          </a:xfrm>
-          <a:prstGeom prst="rect">
-            <a:avLst/>
-          </a:prstGeom>
-          <a:noFill/>
-          <a:extLst>
-            <a:ext uri="{909E8E84-426E-40DD-AFC4-6F175D3DCCD1}">
-              <a14:hiddenFill xmlns:a14="http://schemas.microsoft.com/office/drawing/2010/main">
-                <a:solidFill>
-                  <a:srgbClr val="FFFFFF"/>
-                </a:solidFill>
-              </a14:hiddenFill>
-            </a:ext>
-          </a:extLst>
-        </p:spPr>
-      </p:pic>
-      <p:cxnSp>
-        <p:nvCxnSpPr>
-          <p:cNvPr id="24" name="直接箭头连接符 23">
-            <a:extLst>
-              <a:ext uri="{FF2B5EF4-FFF2-40B4-BE49-F238E27FC236}">
-                <a16:creationId xmlns:a16="http://schemas.microsoft.com/office/drawing/2014/main" id="{FBFB1A96-542E-215C-A235-89EB55E1C802}"/>
-              </a:ext>
-            </a:extLst>
-          </p:cNvPr>
-          <p:cNvCxnSpPr>
-            <a:cxnSpLocks/>
-          </p:cNvCxnSpPr>
-          <p:nvPr/>
-        </p:nvCxnSpPr>
-        <p:spPr>
-          <a:xfrm flipH="1" flipV="1">
-            <a:off x="3124304" y="2383533"/>
-            <a:ext cx="2831822" cy="156576"/>
-          </a:xfrm>
-          <a:prstGeom prst="straightConnector1">
-            <a:avLst/>
-          </a:prstGeom>
-          <a:ln w="19050">
-            <a:solidFill>
-              <a:schemeClr val="tx1">
-                <a:lumMod val="95000"/>
-                <a:lumOff val="5000"/>
-              </a:schemeClr>
-            </a:solidFill>
-            <a:tailEnd type="triangle"/>
-          </a:ln>
-        </p:spPr>
-        <p:style>
-          <a:lnRef idx="1">
-            <a:schemeClr val="accent1"/>
-          </a:lnRef>
-          <a:fillRef idx="0">
-            <a:schemeClr val="accent1"/>
-          </a:fillRef>
-          <a:effectRef idx="0">
-            <a:schemeClr val="accent1"/>
-          </a:effectRef>
-          <a:fontRef idx="minor">
-            <a:schemeClr val="tx1"/>
-          </a:fontRef>
-        </p:style>
-      </p:cxnSp>
-      <p:cxnSp>
-        <p:nvCxnSpPr>
-          <p:cNvPr id="27" name="直接箭头连接符 26">
-            <a:extLst>
-              <a:ext uri="{FF2B5EF4-FFF2-40B4-BE49-F238E27FC236}">
-                <a16:creationId xmlns:a16="http://schemas.microsoft.com/office/drawing/2014/main" id="{D0FD875B-5256-CB05-95FC-2593C58732DF}"/>
-              </a:ext>
-            </a:extLst>
-          </p:cNvPr>
-          <p:cNvCxnSpPr>
-            <a:cxnSpLocks/>
-          </p:cNvCxnSpPr>
-          <p:nvPr/>
-        </p:nvCxnSpPr>
-        <p:spPr>
-          <a:xfrm flipH="1">
-            <a:off x="6096000" y="2962081"/>
-            <a:ext cx="169102" cy="2286324"/>
-          </a:xfrm>
-          <a:prstGeom prst="straightConnector1">
-            <a:avLst/>
-          </a:prstGeom>
-          <a:ln w="19050">
-            <a:solidFill>
-              <a:schemeClr val="tx1">
-                <a:lumMod val="95000"/>
-                <a:lumOff val="5000"/>
-              </a:schemeClr>
-            </a:solidFill>
-            <a:tailEnd type="triangle"/>
-          </a:ln>
-        </p:spPr>
-        <p:style>
-          <a:lnRef idx="1">
-            <a:schemeClr val="accent1"/>
-          </a:lnRef>
-          <a:fillRef idx="0">
-            <a:schemeClr val="accent1"/>
-          </a:fillRef>
-          <a:effectRef idx="0">
-            <a:schemeClr val="accent1"/>
-          </a:effectRef>
-          <a:fontRef idx="minor">
-            <a:schemeClr val="tx1"/>
-          </a:fontRef>
-        </p:style>
-      </p:cxnSp>
-      <p:cxnSp>
-        <p:nvCxnSpPr>
-          <p:cNvPr id="29" name="直接箭头连接符 28">
-            <a:extLst>
-              <a:ext uri="{FF2B5EF4-FFF2-40B4-BE49-F238E27FC236}">
-                <a16:creationId xmlns:a16="http://schemas.microsoft.com/office/drawing/2014/main" id="{4313D2AA-C02D-847D-9CCE-5AB49E507DCB}"/>
-              </a:ext>
-            </a:extLst>
-          </p:cNvPr>
-          <p:cNvCxnSpPr>
-            <a:cxnSpLocks/>
-          </p:cNvCxnSpPr>
-          <p:nvPr/>
-        </p:nvCxnSpPr>
-        <p:spPr>
-          <a:xfrm flipV="1">
-            <a:off x="7228112" y="2135688"/>
-            <a:ext cx="2177865" cy="326133"/>
-          </a:xfrm>
-          <a:prstGeom prst="straightConnector1">
-            <a:avLst/>
-          </a:prstGeom>
-          <a:ln w="19050">
-            <a:solidFill>
-              <a:schemeClr val="tx1">
-                <a:lumMod val="95000"/>
-                <a:lumOff val="5000"/>
-              </a:schemeClr>
-            </a:solidFill>
-            <a:tailEnd type="triangle"/>
-          </a:ln>
-        </p:spPr>
-        <p:style>
-          <a:lnRef idx="1">
-            <a:schemeClr val="accent1"/>
-          </a:lnRef>
-          <a:fillRef idx="0">
-            <a:schemeClr val="accent1"/>
-          </a:fillRef>
-          <a:effectRef idx="0">
-            <a:schemeClr val="accent1"/>
-          </a:effectRef>
-          <a:fontRef idx="minor">
-            <a:schemeClr val="tx1"/>
-          </a:fontRef>
-        </p:style>
-      </p:cxnSp>
-      <p:cxnSp>
-        <p:nvCxnSpPr>
-          <p:cNvPr id="32" name="直接箭头连接符 31">
-            <a:extLst>
-              <a:ext uri="{FF2B5EF4-FFF2-40B4-BE49-F238E27FC236}">
-                <a16:creationId xmlns:a16="http://schemas.microsoft.com/office/drawing/2014/main" id="{3E8EF47C-05C9-7D78-9E5D-A8C4782D8AA1}"/>
-              </a:ext>
-            </a:extLst>
-          </p:cNvPr>
-          <p:cNvCxnSpPr>
-            <a:cxnSpLocks/>
-          </p:cNvCxnSpPr>
-          <p:nvPr/>
-        </p:nvCxnSpPr>
-        <p:spPr>
-          <a:xfrm>
-            <a:off x="3175348" y="2540109"/>
-            <a:ext cx="2780778" cy="168442"/>
-          </a:xfrm>
-          <a:prstGeom prst="straightConnector1">
-            <a:avLst/>
-          </a:prstGeom>
-          <a:ln w="19050">
-            <a:solidFill>
-              <a:schemeClr val="tx1">
-                <a:lumMod val="95000"/>
-                <a:lumOff val="5000"/>
-              </a:schemeClr>
-            </a:solidFill>
-            <a:tailEnd type="triangle"/>
-          </a:ln>
-        </p:spPr>
-        <p:style>
-          <a:lnRef idx="1">
-            <a:schemeClr val="accent1"/>
-          </a:lnRef>
-          <a:fillRef idx="0">
-            <a:schemeClr val="accent1"/>
-          </a:fillRef>
-          <a:effectRef idx="0">
-            <a:schemeClr val="accent1"/>
-          </a:effectRef>
-          <a:fontRef idx="minor">
-            <a:schemeClr val="tx1"/>
-          </a:fontRef>
-        </p:style>
-      </p:cxnSp>
-      <p:sp>
-        <p:nvSpPr>
-          <p:cNvPr id="37" name="文本框 36">
-            <a:extLst>
-              <a:ext uri="{FF2B5EF4-FFF2-40B4-BE49-F238E27FC236}">
-                <a16:creationId xmlns:a16="http://schemas.microsoft.com/office/drawing/2014/main" id="{448C2A3E-AE45-A730-5E12-A5746FA3E65B}"/>
-              </a:ext>
-            </a:extLst>
-          </p:cNvPr>
-          <p:cNvSpPr txBox="1"/>
-          <p:nvPr/>
-        </p:nvSpPr>
-        <p:spPr>
-          <a:xfrm>
-            <a:off x="7878955" y="1873922"/>
-            <a:ext cx="1545403" cy="307777"/>
-          </a:xfrm>
-          <a:prstGeom prst="rect">
-            <a:avLst/>
-          </a:prstGeom>
-          <a:noFill/>
-        </p:spPr>
-        <p:txBody>
-          <a:bodyPr wrap="square" rtlCol="0">
-            <a:spAutoFit/>
-          </a:bodyPr>
-          <a:lstStyle/>
-          <a:p>
-            <a:r>
-              <a:rPr lang="zh-CN" altLang="en-US" sz="1400" dirty="0">
-                <a:latin typeface="华文宋体" panose="02010600040101010101" pitchFamily="2" charset="-122"/>
-                <a:ea typeface="华文宋体" panose="02010600040101010101" pitchFamily="2" charset="-122"/>
-              </a:rPr>
-              <a:t>地图分发</a:t>
-            </a:r>
-          </a:p>
-        </p:txBody>
-      </p:sp>
-      <p:sp>
-        <p:nvSpPr>
-          <p:cNvPr id="38" name="文本框 37">
-            <a:extLst>
-              <a:ext uri="{FF2B5EF4-FFF2-40B4-BE49-F238E27FC236}">
-                <a16:creationId xmlns:a16="http://schemas.microsoft.com/office/drawing/2014/main" id="{80C8482D-4BD2-12BB-862C-1EB1DBA2623C}"/>
-              </a:ext>
-            </a:extLst>
-          </p:cNvPr>
-          <p:cNvSpPr txBox="1"/>
-          <p:nvPr/>
-        </p:nvSpPr>
-        <p:spPr>
-          <a:xfrm>
-            <a:off x="3811442" y="2671592"/>
-            <a:ext cx="1545403" cy="307777"/>
-          </a:xfrm>
-          <a:prstGeom prst="rect">
-            <a:avLst/>
-          </a:prstGeom>
-          <a:noFill/>
-        </p:spPr>
-        <p:txBody>
-          <a:bodyPr wrap="square" rtlCol="0">
-            <a:spAutoFit/>
-          </a:bodyPr>
-          <a:lstStyle/>
-          <a:p>
-            <a:r>
-              <a:rPr lang="zh-CN" altLang="en-US" sz="1400" dirty="0">
-                <a:latin typeface="华文宋体" panose="02010600040101010101" pitchFamily="2" charset="-122"/>
-                <a:ea typeface="华文宋体" panose="02010600040101010101" pitchFamily="2" charset="-122"/>
-              </a:rPr>
-              <a:t>地图更新</a:t>
-            </a:r>
-          </a:p>
-        </p:txBody>
-      </p:sp>
-      <p:sp>
-        <p:nvSpPr>
-          <p:cNvPr id="39" name="文本框 38">
-            <a:extLst>
-              <a:ext uri="{FF2B5EF4-FFF2-40B4-BE49-F238E27FC236}">
-                <a16:creationId xmlns:a16="http://schemas.microsoft.com/office/drawing/2014/main" id="{7983CDA7-206B-03A5-5078-38A83FEFB467}"/>
-              </a:ext>
-            </a:extLst>
-          </p:cNvPr>
-          <p:cNvSpPr txBox="1"/>
-          <p:nvPr/>
-        </p:nvSpPr>
-        <p:spPr>
-          <a:xfrm>
-            <a:off x="4012699" y="2162363"/>
-            <a:ext cx="1545403" cy="307777"/>
-          </a:xfrm>
-          <a:prstGeom prst="rect">
-            <a:avLst/>
-          </a:prstGeom>
-          <a:noFill/>
-        </p:spPr>
-        <p:txBody>
-          <a:bodyPr wrap="square" rtlCol="0">
-            <a:spAutoFit/>
-          </a:bodyPr>
-          <a:lstStyle/>
-          <a:p>
-            <a:r>
-              <a:rPr lang="zh-CN" altLang="en-US" sz="1400" dirty="0">
-                <a:latin typeface="华文宋体" panose="02010600040101010101" pitchFamily="2" charset="-122"/>
-                <a:ea typeface="华文宋体" panose="02010600040101010101" pitchFamily="2" charset="-122"/>
-              </a:rPr>
-              <a:t>地图分发</a:t>
-            </a:r>
-          </a:p>
-        </p:txBody>
-      </p:sp>
-      <p:cxnSp>
-        <p:nvCxnSpPr>
-          <p:cNvPr id="40" name="直接箭头连接符 39">
-            <a:extLst>
-              <a:ext uri="{FF2B5EF4-FFF2-40B4-BE49-F238E27FC236}">
-                <a16:creationId xmlns:a16="http://schemas.microsoft.com/office/drawing/2014/main" id="{A7E7B72B-1F30-65FC-F430-E1F6B555073E}"/>
-              </a:ext>
-            </a:extLst>
-          </p:cNvPr>
-          <p:cNvCxnSpPr>
-            <a:cxnSpLocks/>
-          </p:cNvCxnSpPr>
-          <p:nvPr/>
-        </p:nvCxnSpPr>
-        <p:spPr>
-          <a:xfrm flipH="1">
-            <a:off x="7255123" y="2261976"/>
-            <a:ext cx="2150854" cy="358236"/>
-          </a:xfrm>
-          <a:prstGeom prst="straightConnector1">
-            <a:avLst/>
-          </a:prstGeom>
-          <a:ln w="19050">
-            <a:solidFill>
-              <a:schemeClr val="tx1">
-                <a:lumMod val="95000"/>
-                <a:lumOff val="5000"/>
-              </a:schemeClr>
-            </a:solidFill>
-            <a:tailEnd type="triangle"/>
-          </a:ln>
-        </p:spPr>
-        <p:style>
-          <a:lnRef idx="1">
-            <a:schemeClr val="accent1"/>
-          </a:lnRef>
-          <a:fillRef idx="0">
-            <a:schemeClr val="accent1"/>
-          </a:fillRef>
-          <a:effectRef idx="0">
-            <a:schemeClr val="accent1"/>
-          </a:effectRef>
-          <a:fontRef idx="minor">
-            <a:schemeClr val="tx1"/>
-          </a:fontRef>
-        </p:style>
-      </p:cxnSp>
-      <p:sp>
-        <p:nvSpPr>
-          <p:cNvPr id="43" name="文本框 42">
-            <a:extLst>
-              <a:ext uri="{FF2B5EF4-FFF2-40B4-BE49-F238E27FC236}">
-                <a16:creationId xmlns:a16="http://schemas.microsoft.com/office/drawing/2014/main" id="{B6D88737-5984-A58A-B00B-16D91067AB47}"/>
-              </a:ext>
-            </a:extLst>
-          </p:cNvPr>
-          <p:cNvSpPr txBox="1"/>
-          <p:nvPr/>
-        </p:nvSpPr>
-        <p:spPr>
-          <a:xfrm>
-            <a:off x="8044212" y="2517703"/>
-            <a:ext cx="1545403" cy="307777"/>
-          </a:xfrm>
-          <a:prstGeom prst="rect">
-            <a:avLst/>
-          </a:prstGeom>
-          <a:noFill/>
-        </p:spPr>
-        <p:txBody>
-          <a:bodyPr wrap="square" rtlCol="0">
-            <a:spAutoFit/>
-          </a:bodyPr>
-          <a:lstStyle/>
-          <a:p>
-            <a:r>
-              <a:rPr lang="zh-CN" altLang="en-US" sz="1400" dirty="0">
-                <a:latin typeface="华文宋体" panose="02010600040101010101" pitchFamily="2" charset="-122"/>
-                <a:ea typeface="华文宋体" panose="02010600040101010101" pitchFamily="2" charset="-122"/>
-              </a:rPr>
-              <a:t>地图更新</a:t>
-            </a:r>
-          </a:p>
-        </p:txBody>
-      </p:sp>
-      <p:cxnSp>
-        <p:nvCxnSpPr>
-          <p:cNvPr id="44" name="直接箭头连接符 43">
-            <a:extLst>
-              <a:ext uri="{FF2B5EF4-FFF2-40B4-BE49-F238E27FC236}">
-                <a16:creationId xmlns:a16="http://schemas.microsoft.com/office/drawing/2014/main" id="{41CE1E9A-E1E4-97F1-3400-405AF92741CB}"/>
-              </a:ext>
-            </a:extLst>
-          </p:cNvPr>
-          <p:cNvCxnSpPr>
-            <a:cxnSpLocks/>
-          </p:cNvCxnSpPr>
-          <p:nvPr/>
-        </p:nvCxnSpPr>
-        <p:spPr>
-          <a:xfrm flipV="1">
-            <a:off x="6200374" y="2932474"/>
-            <a:ext cx="181239" cy="2247038"/>
-          </a:xfrm>
-          <a:prstGeom prst="straightConnector1">
-            <a:avLst/>
-          </a:prstGeom>
-          <a:ln w="19050">
-            <a:solidFill>
-              <a:schemeClr val="tx1">
-                <a:lumMod val="95000"/>
-                <a:lumOff val="5000"/>
-              </a:schemeClr>
-            </a:solidFill>
-            <a:tailEnd type="triangle"/>
-          </a:ln>
-        </p:spPr>
-        <p:style>
-          <a:lnRef idx="1">
-            <a:schemeClr val="accent1"/>
-          </a:lnRef>
-          <a:fillRef idx="0">
-            <a:schemeClr val="accent1"/>
-          </a:fillRef>
-          <a:effectRef idx="0">
-            <a:schemeClr val="accent1"/>
-          </a:effectRef>
-          <a:fontRef idx="minor">
-            <a:schemeClr val="tx1"/>
-          </a:fontRef>
-        </p:style>
-      </p:cxnSp>
-      <p:sp>
-        <p:nvSpPr>
-          <p:cNvPr id="47" name="文本框 46">
-            <a:extLst>
-              <a:ext uri="{FF2B5EF4-FFF2-40B4-BE49-F238E27FC236}">
-                <a16:creationId xmlns:a16="http://schemas.microsoft.com/office/drawing/2014/main" id="{3E1A81A4-8B2C-E726-0321-BC7AB950EC49}"/>
-              </a:ext>
-            </a:extLst>
-          </p:cNvPr>
-          <p:cNvSpPr txBox="1"/>
-          <p:nvPr/>
-        </p:nvSpPr>
-        <p:spPr>
-          <a:xfrm>
-            <a:off x="5236210" y="3549109"/>
-            <a:ext cx="1545403" cy="307777"/>
-          </a:xfrm>
-          <a:prstGeom prst="rect">
-            <a:avLst/>
-          </a:prstGeom>
-          <a:noFill/>
-        </p:spPr>
-        <p:txBody>
-          <a:bodyPr wrap="square" rtlCol="0">
-            <a:spAutoFit/>
-          </a:bodyPr>
-          <a:lstStyle/>
-          <a:p>
-            <a:r>
-              <a:rPr lang="zh-CN" altLang="en-US" sz="1400" dirty="0">
-                <a:latin typeface="华文宋体" panose="02010600040101010101" pitchFamily="2" charset="-122"/>
-                <a:ea typeface="华文宋体" panose="02010600040101010101" pitchFamily="2" charset="-122"/>
-              </a:rPr>
-              <a:t>地图分发</a:t>
-            </a:r>
-          </a:p>
-        </p:txBody>
-      </p:sp>
-      <p:sp>
-        <p:nvSpPr>
-          <p:cNvPr id="48" name="文本框 47">
-            <a:extLst>
-              <a:ext uri="{FF2B5EF4-FFF2-40B4-BE49-F238E27FC236}">
-                <a16:creationId xmlns:a16="http://schemas.microsoft.com/office/drawing/2014/main" id="{77DF1852-9868-B4EF-6085-2980D2152B86}"/>
-              </a:ext>
-            </a:extLst>
-          </p:cNvPr>
-          <p:cNvSpPr txBox="1"/>
-          <p:nvPr/>
-        </p:nvSpPr>
-        <p:spPr>
-          <a:xfrm>
-            <a:off x="3963842" y="2823992"/>
-            <a:ext cx="1545403" cy="307777"/>
-          </a:xfrm>
-          <a:prstGeom prst="rect">
-            <a:avLst/>
-          </a:prstGeom>
-          <a:noFill/>
-        </p:spPr>
-        <p:txBody>
-          <a:bodyPr wrap="square" rtlCol="0">
-            <a:spAutoFit/>
-          </a:bodyPr>
-          <a:lstStyle/>
-          <a:p>
-            <a:r>
-              <a:rPr lang="zh-CN" altLang="en-US" sz="1400" dirty="0">
-                <a:latin typeface="华文宋体" panose="02010600040101010101" pitchFamily="2" charset="-122"/>
-                <a:ea typeface="华文宋体" panose="02010600040101010101" pitchFamily="2" charset="-122"/>
-              </a:rPr>
-              <a:t>地图更新</a:t>
-            </a:r>
-          </a:p>
-        </p:txBody>
-      </p:sp>
-    </p:spTree>
-    <p:extLst>
-      <p:ext uri="{BB962C8B-B14F-4D97-AF65-F5344CB8AC3E}">
-        <p14:creationId xmlns:p14="http://schemas.microsoft.com/office/powerpoint/2010/main" val="3186094019"/>
       </p:ext>
     </p:extLst>
   </p:cSld>
